--- a/appRemoteSensing/processing/static/processing/img/formImgs.pptx
+++ b/appRemoteSensing/processing/static/processing/img/formImgs.pptx
@@ -6,6 +6,7 @@
   </p:sldMasterIdLst>
   <p:sldIdLst>
     <p:sldId id="256" r:id="rId2"/>
+    <p:sldId id="257" r:id="rId3"/>
   </p:sldIdLst>
   <p:sldSz cx="12192000" cy="6858000"/>
   <p:notesSz cx="6858000" cy="9144000"/>
@@ -1607,6 +1608,2247 @@
 </file>
 
 <file path=ppt/diagrams/colors3.xml><?xml version="1.0" encoding="utf-8"?>
+<dgm:colorsDef xmlns:dgm="http://schemas.openxmlformats.org/drawingml/2006/diagram" xmlns:a="http://schemas.openxmlformats.org/drawingml/2006/main" uniqueId="urn:microsoft.com/office/officeart/2005/8/colors/accent1_2">
+  <dgm:title val=""/>
+  <dgm:desc val=""/>
+  <dgm:catLst>
+    <dgm:cat type="accent1" pri="11200"/>
+  </dgm:catLst>
+  <dgm:styleLbl name="node0">
+    <dgm:fillClrLst meth="repeat">
+      <a:schemeClr val="accent1"/>
+    </dgm:fillClrLst>
+    <dgm:linClrLst meth="repeat">
+      <a:schemeClr val="lt1"/>
+    </dgm:linClrLst>
+    <dgm:effectClrLst/>
+    <dgm:txLinClrLst/>
+    <dgm:txFillClrLst/>
+    <dgm:txEffectClrLst/>
+  </dgm:styleLbl>
+  <dgm:styleLbl name="alignNode1">
+    <dgm:fillClrLst meth="repeat">
+      <a:schemeClr val="accent1"/>
+    </dgm:fillClrLst>
+    <dgm:linClrLst meth="repeat">
+      <a:schemeClr val="accent1"/>
+    </dgm:linClrLst>
+    <dgm:effectClrLst/>
+    <dgm:txLinClrLst/>
+    <dgm:txFillClrLst/>
+    <dgm:txEffectClrLst/>
+  </dgm:styleLbl>
+  <dgm:styleLbl name="node1">
+    <dgm:fillClrLst meth="repeat">
+      <a:schemeClr val="accent1"/>
+    </dgm:fillClrLst>
+    <dgm:linClrLst meth="repeat">
+      <a:schemeClr val="lt1"/>
+    </dgm:linClrLst>
+    <dgm:effectClrLst/>
+    <dgm:txLinClrLst/>
+    <dgm:txFillClrLst/>
+    <dgm:txEffectClrLst/>
+  </dgm:styleLbl>
+  <dgm:styleLbl name="lnNode1">
+    <dgm:fillClrLst meth="repeat">
+      <a:schemeClr val="accent1"/>
+    </dgm:fillClrLst>
+    <dgm:linClrLst meth="repeat">
+      <a:schemeClr val="lt1"/>
+    </dgm:linClrLst>
+    <dgm:effectClrLst/>
+    <dgm:txLinClrLst/>
+    <dgm:txFillClrLst/>
+    <dgm:txEffectClrLst/>
+  </dgm:styleLbl>
+  <dgm:styleLbl name="vennNode1">
+    <dgm:fillClrLst meth="repeat">
+      <a:schemeClr val="accent1">
+        <a:alpha val="50000"/>
+      </a:schemeClr>
+    </dgm:fillClrLst>
+    <dgm:linClrLst meth="repeat">
+      <a:schemeClr val="lt1"/>
+    </dgm:linClrLst>
+    <dgm:effectClrLst/>
+    <dgm:txLinClrLst/>
+    <dgm:txFillClrLst/>
+    <dgm:txEffectClrLst/>
+  </dgm:styleLbl>
+  <dgm:styleLbl name="node2">
+    <dgm:fillClrLst meth="repeat">
+      <a:schemeClr val="accent1"/>
+    </dgm:fillClrLst>
+    <dgm:linClrLst meth="repeat">
+      <a:schemeClr val="lt1"/>
+    </dgm:linClrLst>
+    <dgm:effectClrLst/>
+    <dgm:txLinClrLst/>
+    <dgm:txFillClrLst/>
+    <dgm:txEffectClrLst/>
+  </dgm:styleLbl>
+  <dgm:styleLbl name="node3">
+    <dgm:fillClrLst meth="repeat">
+      <a:schemeClr val="accent1"/>
+    </dgm:fillClrLst>
+    <dgm:linClrLst meth="repeat">
+      <a:schemeClr val="lt1"/>
+    </dgm:linClrLst>
+    <dgm:effectClrLst/>
+    <dgm:txLinClrLst/>
+    <dgm:txFillClrLst/>
+    <dgm:txEffectClrLst/>
+  </dgm:styleLbl>
+  <dgm:styleLbl name="node4">
+    <dgm:fillClrLst meth="repeat">
+      <a:schemeClr val="accent1"/>
+    </dgm:fillClrLst>
+    <dgm:linClrLst meth="repeat">
+      <a:schemeClr val="lt1"/>
+    </dgm:linClrLst>
+    <dgm:effectClrLst/>
+    <dgm:txLinClrLst/>
+    <dgm:txFillClrLst/>
+    <dgm:txEffectClrLst/>
+  </dgm:styleLbl>
+  <dgm:styleLbl name="fgImgPlace1">
+    <dgm:fillClrLst meth="repeat">
+      <a:schemeClr val="accent1">
+        <a:tint val="50000"/>
+      </a:schemeClr>
+    </dgm:fillClrLst>
+    <dgm:linClrLst meth="repeat">
+      <a:schemeClr val="lt1"/>
+    </dgm:linClrLst>
+    <dgm:effectClrLst/>
+    <dgm:txLinClrLst/>
+    <dgm:txFillClrLst meth="repeat">
+      <a:schemeClr val="lt1"/>
+    </dgm:txFillClrLst>
+    <dgm:txEffectClrLst/>
+  </dgm:styleLbl>
+  <dgm:styleLbl name="alignImgPlace1">
+    <dgm:fillClrLst meth="repeat">
+      <a:schemeClr val="accent1">
+        <a:tint val="50000"/>
+      </a:schemeClr>
+    </dgm:fillClrLst>
+    <dgm:linClrLst meth="repeat">
+      <a:schemeClr val="lt1"/>
+    </dgm:linClrLst>
+    <dgm:effectClrLst/>
+    <dgm:txLinClrLst/>
+    <dgm:txFillClrLst meth="repeat">
+      <a:schemeClr val="lt1"/>
+    </dgm:txFillClrLst>
+    <dgm:txEffectClrLst/>
+  </dgm:styleLbl>
+  <dgm:styleLbl name="bgImgPlace1">
+    <dgm:fillClrLst meth="repeat">
+      <a:schemeClr val="accent1">
+        <a:tint val="50000"/>
+      </a:schemeClr>
+    </dgm:fillClrLst>
+    <dgm:linClrLst meth="repeat">
+      <a:schemeClr val="lt1"/>
+    </dgm:linClrLst>
+    <dgm:effectClrLst/>
+    <dgm:txLinClrLst/>
+    <dgm:txFillClrLst meth="repeat">
+      <a:schemeClr val="lt1"/>
+    </dgm:txFillClrLst>
+    <dgm:txEffectClrLst/>
+  </dgm:styleLbl>
+  <dgm:styleLbl name="sibTrans2D1">
+    <dgm:fillClrLst meth="repeat">
+      <a:schemeClr val="accent1">
+        <a:tint val="60000"/>
+      </a:schemeClr>
+    </dgm:fillClrLst>
+    <dgm:linClrLst meth="repeat">
+      <a:schemeClr val="accent1">
+        <a:tint val="60000"/>
+      </a:schemeClr>
+    </dgm:linClrLst>
+    <dgm:effectClrLst/>
+    <dgm:txLinClrLst/>
+    <dgm:txFillClrLst/>
+    <dgm:txEffectClrLst/>
+  </dgm:styleLbl>
+  <dgm:styleLbl name="fgSibTrans2D1">
+    <dgm:fillClrLst meth="repeat">
+      <a:schemeClr val="accent1">
+        <a:tint val="60000"/>
+      </a:schemeClr>
+    </dgm:fillClrLst>
+    <dgm:linClrLst meth="repeat">
+      <a:schemeClr val="accent1">
+        <a:tint val="60000"/>
+      </a:schemeClr>
+    </dgm:linClrLst>
+    <dgm:effectClrLst/>
+    <dgm:txLinClrLst/>
+    <dgm:txFillClrLst/>
+    <dgm:txEffectClrLst/>
+  </dgm:styleLbl>
+  <dgm:styleLbl name="bgSibTrans2D1">
+    <dgm:fillClrLst meth="repeat">
+      <a:schemeClr val="accent1">
+        <a:tint val="60000"/>
+      </a:schemeClr>
+    </dgm:fillClrLst>
+    <dgm:linClrLst meth="repeat">
+      <a:schemeClr val="accent1">
+        <a:tint val="60000"/>
+      </a:schemeClr>
+    </dgm:linClrLst>
+    <dgm:effectClrLst/>
+    <dgm:txLinClrLst/>
+    <dgm:txFillClrLst/>
+    <dgm:txEffectClrLst/>
+  </dgm:styleLbl>
+  <dgm:styleLbl name="sibTrans1D1">
+    <dgm:fillClrLst meth="repeat">
+      <a:schemeClr val="accent1"/>
+    </dgm:fillClrLst>
+    <dgm:linClrLst meth="repeat">
+      <a:schemeClr val="accent1"/>
+    </dgm:linClrLst>
+    <dgm:effectClrLst/>
+    <dgm:txLinClrLst/>
+    <dgm:txFillClrLst meth="repeat">
+      <a:schemeClr val="tx1"/>
+    </dgm:txFillClrLst>
+    <dgm:txEffectClrLst/>
+  </dgm:styleLbl>
+  <dgm:styleLbl name="callout">
+    <dgm:fillClrLst meth="repeat">
+      <a:schemeClr val="accent1"/>
+    </dgm:fillClrLst>
+    <dgm:linClrLst meth="repeat">
+      <a:schemeClr val="accent1">
+        <a:tint val="50000"/>
+      </a:schemeClr>
+    </dgm:linClrLst>
+    <dgm:effectClrLst/>
+    <dgm:txLinClrLst/>
+    <dgm:txFillClrLst meth="repeat">
+      <a:schemeClr val="tx1"/>
+    </dgm:txFillClrLst>
+    <dgm:txEffectClrLst/>
+  </dgm:styleLbl>
+  <dgm:styleLbl name="asst0">
+    <dgm:fillClrLst meth="repeat">
+      <a:schemeClr val="accent1"/>
+    </dgm:fillClrLst>
+    <dgm:linClrLst meth="repeat">
+      <a:schemeClr val="lt1"/>
+    </dgm:linClrLst>
+    <dgm:effectClrLst/>
+    <dgm:txLinClrLst/>
+    <dgm:txFillClrLst/>
+    <dgm:txEffectClrLst/>
+  </dgm:styleLbl>
+  <dgm:styleLbl name="asst1">
+    <dgm:fillClrLst meth="repeat">
+      <a:schemeClr val="accent1"/>
+    </dgm:fillClrLst>
+    <dgm:linClrLst meth="repeat">
+      <a:schemeClr val="lt1"/>
+    </dgm:linClrLst>
+    <dgm:effectClrLst/>
+    <dgm:txLinClrLst/>
+    <dgm:txFillClrLst/>
+    <dgm:txEffectClrLst/>
+  </dgm:styleLbl>
+  <dgm:styleLbl name="asst2">
+    <dgm:fillClrLst meth="repeat">
+      <a:schemeClr val="accent1"/>
+    </dgm:fillClrLst>
+    <dgm:linClrLst meth="repeat">
+      <a:schemeClr val="lt1"/>
+    </dgm:linClrLst>
+    <dgm:effectClrLst/>
+    <dgm:txLinClrLst/>
+    <dgm:txFillClrLst/>
+    <dgm:txEffectClrLst/>
+  </dgm:styleLbl>
+  <dgm:styleLbl name="asst3">
+    <dgm:fillClrLst meth="repeat">
+      <a:schemeClr val="accent1"/>
+    </dgm:fillClrLst>
+    <dgm:linClrLst meth="repeat">
+      <a:schemeClr val="lt1"/>
+    </dgm:linClrLst>
+    <dgm:effectClrLst/>
+    <dgm:txLinClrLst/>
+    <dgm:txFillClrLst/>
+    <dgm:txEffectClrLst/>
+  </dgm:styleLbl>
+  <dgm:styleLbl name="asst4">
+    <dgm:fillClrLst meth="repeat">
+      <a:schemeClr val="accent1"/>
+    </dgm:fillClrLst>
+    <dgm:linClrLst meth="repeat">
+      <a:schemeClr val="lt1"/>
+    </dgm:linClrLst>
+    <dgm:effectClrLst/>
+    <dgm:txLinClrLst/>
+    <dgm:txFillClrLst/>
+    <dgm:txEffectClrLst/>
+  </dgm:styleLbl>
+  <dgm:styleLbl name="parChTrans2D1">
+    <dgm:fillClrLst meth="repeat">
+      <a:schemeClr val="accent1">
+        <a:tint val="60000"/>
+      </a:schemeClr>
+    </dgm:fillClrLst>
+    <dgm:linClrLst meth="repeat">
+      <a:schemeClr val="accent1">
+        <a:tint val="60000"/>
+      </a:schemeClr>
+    </dgm:linClrLst>
+    <dgm:effectClrLst/>
+    <dgm:txLinClrLst/>
+    <dgm:txFillClrLst meth="repeat">
+      <a:schemeClr val="lt1"/>
+    </dgm:txFillClrLst>
+    <dgm:txEffectClrLst/>
+  </dgm:styleLbl>
+  <dgm:styleLbl name="parChTrans2D2">
+    <dgm:fillClrLst meth="repeat">
+      <a:schemeClr val="accent1"/>
+    </dgm:fillClrLst>
+    <dgm:linClrLst meth="repeat">
+      <a:schemeClr val="accent1"/>
+    </dgm:linClrLst>
+    <dgm:effectClrLst/>
+    <dgm:txLinClrLst/>
+    <dgm:txFillClrLst meth="repeat">
+      <a:schemeClr val="lt1"/>
+    </dgm:txFillClrLst>
+    <dgm:txEffectClrLst/>
+  </dgm:styleLbl>
+  <dgm:styleLbl name="parChTrans2D3">
+    <dgm:fillClrLst meth="repeat">
+      <a:schemeClr val="accent1"/>
+    </dgm:fillClrLst>
+    <dgm:linClrLst meth="repeat">
+      <a:schemeClr val="accent1"/>
+    </dgm:linClrLst>
+    <dgm:effectClrLst/>
+    <dgm:txLinClrLst/>
+    <dgm:txFillClrLst meth="repeat">
+      <a:schemeClr val="lt1"/>
+    </dgm:txFillClrLst>
+    <dgm:txEffectClrLst/>
+  </dgm:styleLbl>
+  <dgm:styleLbl name="parChTrans2D4">
+    <dgm:fillClrLst meth="repeat">
+      <a:schemeClr val="accent1"/>
+    </dgm:fillClrLst>
+    <dgm:linClrLst meth="repeat">
+      <a:schemeClr val="accent1"/>
+    </dgm:linClrLst>
+    <dgm:effectClrLst/>
+    <dgm:txLinClrLst/>
+    <dgm:txFillClrLst meth="repeat">
+      <a:schemeClr val="lt1"/>
+    </dgm:txFillClrLst>
+    <dgm:txEffectClrLst/>
+  </dgm:styleLbl>
+  <dgm:styleLbl name="parChTrans1D1">
+    <dgm:fillClrLst meth="repeat">
+      <a:schemeClr val="accent1"/>
+    </dgm:fillClrLst>
+    <dgm:linClrLst meth="repeat">
+      <a:schemeClr val="accent1">
+        <a:shade val="60000"/>
+      </a:schemeClr>
+    </dgm:linClrLst>
+    <dgm:effectClrLst/>
+    <dgm:txLinClrLst/>
+    <dgm:txFillClrLst meth="repeat">
+      <a:schemeClr val="tx1"/>
+    </dgm:txFillClrLst>
+    <dgm:txEffectClrLst/>
+  </dgm:styleLbl>
+  <dgm:styleLbl name="parChTrans1D2">
+    <dgm:fillClrLst meth="repeat">
+      <a:schemeClr val="accent1"/>
+    </dgm:fillClrLst>
+    <dgm:linClrLst meth="repeat">
+      <a:schemeClr val="accent1">
+        <a:shade val="60000"/>
+      </a:schemeClr>
+    </dgm:linClrLst>
+    <dgm:effectClrLst/>
+    <dgm:txLinClrLst/>
+    <dgm:txFillClrLst meth="repeat">
+      <a:schemeClr val="tx1"/>
+    </dgm:txFillClrLst>
+    <dgm:txEffectClrLst/>
+  </dgm:styleLbl>
+  <dgm:styleLbl name="parChTrans1D3">
+    <dgm:fillClrLst meth="repeat">
+      <a:schemeClr val="accent1"/>
+    </dgm:fillClrLst>
+    <dgm:linClrLst meth="repeat">
+      <a:schemeClr val="accent1">
+        <a:shade val="80000"/>
+      </a:schemeClr>
+    </dgm:linClrLst>
+    <dgm:effectClrLst/>
+    <dgm:txLinClrLst/>
+    <dgm:txFillClrLst meth="repeat">
+      <a:schemeClr val="tx1"/>
+    </dgm:txFillClrLst>
+    <dgm:txEffectClrLst/>
+  </dgm:styleLbl>
+  <dgm:styleLbl name="parChTrans1D4">
+    <dgm:fillClrLst meth="repeat">
+      <a:schemeClr val="accent1"/>
+    </dgm:fillClrLst>
+    <dgm:linClrLst meth="repeat">
+      <a:schemeClr val="accent1">
+        <a:shade val="80000"/>
+      </a:schemeClr>
+    </dgm:linClrLst>
+    <dgm:effectClrLst/>
+    <dgm:txLinClrLst/>
+    <dgm:txFillClrLst meth="repeat">
+      <a:schemeClr val="tx1"/>
+    </dgm:txFillClrLst>
+    <dgm:txEffectClrLst/>
+  </dgm:styleLbl>
+  <dgm:styleLbl name="fgAcc1">
+    <dgm:fillClrLst meth="repeat">
+      <a:schemeClr val="lt1">
+        <a:alpha val="90000"/>
+      </a:schemeClr>
+    </dgm:fillClrLst>
+    <dgm:linClrLst meth="repeat">
+      <a:schemeClr val="accent1"/>
+    </dgm:linClrLst>
+    <dgm:effectClrLst/>
+    <dgm:txLinClrLst/>
+    <dgm:txFillClrLst meth="repeat">
+      <a:schemeClr val="dk1"/>
+    </dgm:txFillClrLst>
+    <dgm:txEffectClrLst/>
+  </dgm:styleLbl>
+  <dgm:styleLbl name="conFgAcc1">
+    <dgm:fillClrLst meth="repeat">
+      <a:schemeClr val="lt1">
+        <a:alpha val="90000"/>
+      </a:schemeClr>
+    </dgm:fillClrLst>
+    <dgm:linClrLst meth="repeat">
+      <a:schemeClr val="accent1"/>
+    </dgm:linClrLst>
+    <dgm:effectClrLst/>
+    <dgm:txLinClrLst/>
+    <dgm:txFillClrLst meth="repeat">
+      <a:schemeClr val="dk1"/>
+    </dgm:txFillClrLst>
+    <dgm:txEffectClrLst/>
+  </dgm:styleLbl>
+  <dgm:styleLbl name="alignAcc1">
+    <dgm:fillClrLst meth="repeat">
+      <a:schemeClr val="lt1">
+        <a:alpha val="90000"/>
+      </a:schemeClr>
+    </dgm:fillClrLst>
+    <dgm:linClrLst meth="repeat">
+      <a:schemeClr val="accent1"/>
+    </dgm:linClrLst>
+    <dgm:effectClrLst/>
+    <dgm:txLinClrLst/>
+    <dgm:txFillClrLst meth="repeat">
+      <a:schemeClr val="dk1"/>
+    </dgm:txFillClrLst>
+    <dgm:txEffectClrLst/>
+  </dgm:styleLbl>
+  <dgm:styleLbl name="trAlignAcc1">
+    <dgm:fillClrLst meth="repeat">
+      <a:schemeClr val="lt1">
+        <a:alpha val="40000"/>
+      </a:schemeClr>
+    </dgm:fillClrLst>
+    <dgm:linClrLst meth="repeat">
+      <a:schemeClr val="accent1"/>
+    </dgm:linClrLst>
+    <dgm:effectClrLst/>
+    <dgm:txLinClrLst/>
+    <dgm:txFillClrLst meth="repeat">
+      <a:schemeClr val="dk1"/>
+    </dgm:txFillClrLst>
+    <dgm:txEffectClrLst/>
+  </dgm:styleLbl>
+  <dgm:styleLbl name="bgAcc1">
+    <dgm:fillClrLst meth="repeat">
+      <a:schemeClr val="lt1">
+        <a:alpha val="90000"/>
+      </a:schemeClr>
+    </dgm:fillClrLst>
+    <dgm:linClrLst meth="repeat">
+      <a:schemeClr val="accent1"/>
+    </dgm:linClrLst>
+    <dgm:effectClrLst/>
+    <dgm:txLinClrLst/>
+    <dgm:txFillClrLst meth="repeat">
+      <a:schemeClr val="dk1"/>
+    </dgm:txFillClrLst>
+    <dgm:txEffectClrLst/>
+  </dgm:styleLbl>
+  <dgm:styleLbl name="solidFgAcc1">
+    <dgm:fillClrLst meth="repeat">
+      <a:schemeClr val="lt1"/>
+    </dgm:fillClrLst>
+    <dgm:linClrLst meth="repeat">
+      <a:schemeClr val="accent1"/>
+    </dgm:linClrLst>
+    <dgm:effectClrLst/>
+    <dgm:txLinClrLst/>
+    <dgm:txFillClrLst meth="repeat">
+      <a:schemeClr val="dk1"/>
+    </dgm:txFillClrLst>
+    <dgm:txEffectClrLst/>
+  </dgm:styleLbl>
+  <dgm:styleLbl name="solidAlignAcc1">
+    <dgm:fillClrLst meth="repeat">
+      <a:schemeClr val="lt1"/>
+    </dgm:fillClrLst>
+    <dgm:linClrLst meth="repeat">
+      <a:schemeClr val="accent1"/>
+    </dgm:linClrLst>
+    <dgm:effectClrLst/>
+    <dgm:txLinClrLst/>
+    <dgm:txFillClrLst meth="repeat">
+      <a:schemeClr val="dk1"/>
+    </dgm:txFillClrLst>
+    <dgm:txEffectClrLst/>
+  </dgm:styleLbl>
+  <dgm:styleLbl name="solidBgAcc1">
+    <dgm:fillClrLst meth="repeat">
+      <a:schemeClr val="lt1"/>
+    </dgm:fillClrLst>
+    <dgm:linClrLst meth="repeat">
+      <a:schemeClr val="accent1"/>
+    </dgm:linClrLst>
+    <dgm:effectClrLst/>
+    <dgm:txLinClrLst/>
+    <dgm:txFillClrLst meth="repeat">
+      <a:schemeClr val="dk1"/>
+    </dgm:txFillClrLst>
+    <dgm:txEffectClrLst/>
+  </dgm:styleLbl>
+  <dgm:styleLbl name="fgAccFollowNode1">
+    <dgm:fillClrLst meth="repeat">
+      <a:schemeClr val="accent1">
+        <a:alpha val="90000"/>
+        <a:tint val="40000"/>
+      </a:schemeClr>
+    </dgm:fillClrLst>
+    <dgm:linClrLst meth="repeat">
+      <a:schemeClr val="accent1">
+        <a:alpha val="90000"/>
+        <a:tint val="40000"/>
+      </a:schemeClr>
+    </dgm:linClrLst>
+    <dgm:effectClrLst/>
+    <dgm:txLinClrLst/>
+    <dgm:txFillClrLst meth="repeat">
+      <a:schemeClr val="dk1"/>
+    </dgm:txFillClrLst>
+    <dgm:txEffectClrLst/>
+  </dgm:styleLbl>
+  <dgm:styleLbl name="alignAccFollowNode1">
+    <dgm:fillClrLst meth="repeat">
+      <a:schemeClr val="accent1">
+        <a:alpha val="90000"/>
+        <a:tint val="40000"/>
+      </a:schemeClr>
+    </dgm:fillClrLst>
+    <dgm:linClrLst meth="repeat">
+      <a:schemeClr val="accent1">
+        <a:alpha val="90000"/>
+        <a:tint val="40000"/>
+      </a:schemeClr>
+    </dgm:linClrLst>
+    <dgm:effectClrLst/>
+    <dgm:txLinClrLst/>
+    <dgm:txFillClrLst meth="repeat">
+      <a:schemeClr val="dk1"/>
+    </dgm:txFillClrLst>
+    <dgm:txEffectClrLst/>
+  </dgm:styleLbl>
+  <dgm:styleLbl name="bgAccFollowNode1">
+    <dgm:fillClrLst meth="repeat">
+      <a:schemeClr val="accent1">
+        <a:alpha val="90000"/>
+        <a:tint val="40000"/>
+      </a:schemeClr>
+    </dgm:fillClrLst>
+    <dgm:linClrLst meth="repeat">
+      <a:schemeClr val="accent1">
+        <a:alpha val="90000"/>
+        <a:tint val="40000"/>
+      </a:schemeClr>
+    </dgm:linClrLst>
+    <dgm:effectClrLst/>
+    <dgm:txLinClrLst/>
+    <dgm:txFillClrLst meth="repeat">
+      <a:schemeClr val="dk1"/>
+    </dgm:txFillClrLst>
+    <dgm:txEffectClrLst/>
+  </dgm:styleLbl>
+  <dgm:styleLbl name="fgAcc0">
+    <dgm:fillClrLst meth="repeat">
+      <a:schemeClr val="lt1">
+        <a:alpha val="90000"/>
+      </a:schemeClr>
+    </dgm:fillClrLst>
+    <dgm:linClrLst meth="repeat">
+      <a:schemeClr val="accent1"/>
+    </dgm:linClrLst>
+    <dgm:effectClrLst/>
+    <dgm:txLinClrLst/>
+    <dgm:txFillClrLst meth="repeat">
+      <a:schemeClr val="dk1"/>
+    </dgm:txFillClrLst>
+    <dgm:txEffectClrLst/>
+  </dgm:styleLbl>
+  <dgm:styleLbl name="fgAcc2">
+    <dgm:fillClrLst meth="repeat">
+      <a:schemeClr val="lt1">
+        <a:alpha val="90000"/>
+      </a:schemeClr>
+    </dgm:fillClrLst>
+    <dgm:linClrLst meth="repeat">
+      <a:schemeClr val="accent1"/>
+    </dgm:linClrLst>
+    <dgm:effectClrLst/>
+    <dgm:txLinClrLst/>
+    <dgm:txFillClrLst meth="repeat">
+      <a:schemeClr val="dk1"/>
+    </dgm:txFillClrLst>
+    <dgm:txEffectClrLst/>
+  </dgm:styleLbl>
+  <dgm:styleLbl name="fgAcc3">
+    <dgm:fillClrLst meth="repeat">
+      <a:schemeClr val="lt1">
+        <a:alpha val="90000"/>
+      </a:schemeClr>
+    </dgm:fillClrLst>
+    <dgm:linClrLst meth="repeat">
+      <a:schemeClr val="accent1"/>
+    </dgm:linClrLst>
+    <dgm:effectClrLst/>
+    <dgm:txLinClrLst/>
+    <dgm:txFillClrLst meth="repeat">
+      <a:schemeClr val="dk1"/>
+    </dgm:txFillClrLst>
+    <dgm:txEffectClrLst/>
+  </dgm:styleLbl>
+  <dgm:styleLbl name="fgAcc4">
+    <dgm:fillClrLst meth="repeat">
+      <a:schemeClr val="lt1">
+        <a:alpha val="90000"/>
+      </a:schemeClr>
+    </dgm:fillClrLst>
+    <dgm:linClrLst meth="repeat">
+      <a:schemeClr val="accent1"/>
+    </dgm:linClrLst>
+    <dgm:effectClrLst/>
+    <dgm:txLinClrLst/>
+    <dgm:txFillClrLst meth="repeat">
+      <a:schemeClr val="dk1"/>
+    </dgm:txFillClrLst>
+    <dgm:txEffectClrLst/>
+  </dgm:styleLbl>
+  <dgm:styleLbl name="bgShp">
+    <dgm:fillClrLst meth="repeat">
+      <a:schemeClr val="accent1">
+        <a:tint val="40000"/>
+      </a:schemeClr>
+    </dgm:fillClrLst>
+    <dgm:linClrLst meth="repeat">
+      <a:schemeClr val="accent1"/>
+    </dgm:linClrLst>
+    <dgm:effectClrLst/>
+    <dgm:txLinClrLst/>
+    <dgm:txFillClrLst meth="repeat">
+      <a:schemeClr val="dk1"/>
+    </dgm:txFillClrLst>
+    <dgm:txEffectClrLst/>
+  </dgm:styleLbl>
+  <dgm:styleLbl name="dkBgShp">
+    <dgm:fillClrLst meth="repeat">
+      <a:schemeClr val="accent1">
+        <a:shade val="80000"/>
+      </a:schemeClr>
+    </dgm:fillClrLst>
+    <dgm:linClrLst meth="repeat">
+      <a:schemeClr val="accent1"/>
+    </dgm:linClrLst>
+    <dgm:effectClrLst/>
+    <dgm:txLinClrLst/>
+    <dgm:txFillClrLst meth="repeat">
+      <a:schemeClr val="lt1"/>
+    </dgm:txFillClrLst>
+    <dgm:txEffectClrLst/>
+  </dgm:styleLbl>
+  <dgm:styleLbl name="trBgShp">
+    <dgm:fillClrLst meth="repeat">
+      <a:schemeClr val="accent1">
+        <a:tint val="50000"/>
+        <a:alpha val="40000"/>
+      </a:schemeClr>
+    </dgm:fillClrLst>
+    <dgm:linClrLst meth="repeat">
+      <a:schemeClr val="accent1"/>
+    </dgm:linClrLst>
+    <dgm:effectClrLst/>
+    <dgm:txLinClrLst/>
+    <dgm:txFillClrLst meth="repeat">
+      <a:schemeClr val="lt1"/>
+    </dgm:txFillClrLst>
+    <dgm:txEffectClrLst/>
+  </dgm:styleLbl>
+  <dgm:styleLbl name="fgShp">
+    <dgm:fillClrLst meth="repeat">
+      <a:schemeClr val="accent1">
+        <a:tint val="60000"/>
+      </a:schemeClr>
+    </dgm:fillClrLst>
+    <dgm:linClrLst meth="repeat">
+      <a:schemeClr val="lt1"/>
+    </dgm:linClrLst>
+    <dgm:effectClrLst/>
+    <dgm:txLinClrLst/>
+    <dgm:txFillClrLst meth="repeat">
+      <a:schemeClr val="dk1"/>
+    </dgm:txFillClrLst>
+    <dgm:txEffectClrLst/>
+  </dgm:styleLbl>
+  <dgm:styleLbl name="revTx">
+    <dgm:fillClrLst meth="repeat">
+      <a:schemeClr val="lt1">
+        <a:alpha val="0"/>
+      </a:schemeClr>
+    </dgm:fillClrLst>
+    <dgm:linClrLst meth="repeat">
+      <a:schemeClr val="dk1">
+        <a:alpha val="0"/>
+      </a:schemeClr>
+    </dgm:linClrLst>
+    <dgm:effectClrLst/>
+    <dgm:txLinClrLst/>
+    <dgm:txFillClrLst meth="repeat">
+      <a:schemeClr val="tx1"/>
+    </dgm:txFillClrLst>
+    <dgm:txEffectClrLst/>
+  </dgm:styleLbl>
+</dgm:colorsDef>
+</file>
+
+<file path=ppt/diagrams/colors4.xml><?xml version="1.0" encoding="utf-8"?>
+<dgm:colorsDef xmlns:dgm="http://schemas.openxmlformats.org/drawingml/2006/diagram" xmlns:a="http://schemas.openxmlformats.org/drawingml/2006/main" uniqueId="urn:microsoft.com/office/officeart/2005/8/colors/accent1_2">
+  <dgm:title val=""/>
+  <dgm:desc val=""/>
+  <dgm:catLst>
+    <dgm:cat type="accent1" pri="11200"/>
+  </dgm:catLst>
+  <dgm:styleLbl name="node0">
+    <dgm:fillClrLst meth="repeat">
+      <a:schemeClr val="accent1"/>
+    </dgm:fillClrLst>
+    <dgm:linClrLst meth="repeat">
+      <a:schemeClr val="lt1"/>
+    </dgm:linClrLst>
+    <dgm:effectClrLst/>
+    <dgm:txLinClrLst/>
+    <dgm:txFillClrLst/>
+    <dgm:txEffectClrLst/>
+  </dgm:styleLbl>
+  <dgm:styleLbl name="alignNode1">
+    <dgm:fillClrLst meth="repeat">
+      <a:schemeClr val="accent1"/>
+    </dgm:fillClrLst>
+    <dgm:linClrLst meth="repeat">
+      <a:schemeClr val="accent1"/>
+    </dgm:linClrLst>
+    <dgm:effectClrLst/>
+    <dgm:txLinClrLst/>
+    <dgm:txFillClrLst/>
+    <dgm:txEffectClrLst/>
+  </dgm:styleLbl>
+  <dgm:styleLbl name="node1">
+    <dgm:fillClrLst meth="repeat">
+      <a:schemeClr val="accent1"/>
+    </dgm:fillClrLst>
+    <dgm:linClrLst meth="repeat">
+      <a:schemeClr val="lt1"/>
+    </dgm:linClrLst>
+    <dgm:effectClrLst/>
+    <dgm:txLinClrLst/>
+    <dgm:txFillClrLst/>
+    <dgm:txEffectClrLst/>
+  </dgm:styleLbl>
+  <dgm:styleLbl name="lnNode1">
+    <dgm:fillClrLst meth="repeat">
+      <a:schemeClr val="accent1"/>
+    </dgm:fillClrLst>
+    <dgm:linClrLst meth="repeat">
+      <a:schemeClr val="lt1"/>
+    </dgm:linClrLst>
+    <dgm:effectClrLst/>
+    <dgm:txLinClrLst/>
+    <dgm:txFillClrLst/>
+    <dgm:txEffectClrLst/>
+  </dgm:styleLbl>
+  <dgm:styleLbl name="vennNode1">
+    <dgm:fillClrLst meth="repeat">
+      <a:schemeClr val="accent1">
+        <a:alpha val="50000"/>
+      </a:schemeClr>
+    </dgm:fillClrLst>
+    <dgm:linClrLst meth="repeat">
+      <a:schemeClr val="lt1"/>
+    </dgm:linClrLst>
+    <dgm:effectClrLst/>
+    <dgm:txLinClrLst/>
+    <dgm:txFillClrLst/>
+    <dgm:txEffectClrLst/>
+  </dgm:styleLbl>
+  <dgm:styleLbl name="node2">
+    <dgm:fillClrLst meth="repeat">
+      <a:schemeClr val="accent1"/>
+    </dgm:fillClrLst>
+    <dgm:linClrLst meth="repeat">
+      <a:schemeClr val="lt1"/>
+    </dgm:linClrLst>
+    <dgm:effectClrLst/>
+    <dgm:txLinClrLst/>
+    <dgm:txFillClrLst/>
+    <dgm:txEffectClrLst/>
+  </dgm:styleLbl>
+  <dgm:styleLbl name="node3">
+    <dgm:fillClrLst meth="repeat">
+      <a:schemeClr val="accent1"/>
+    </dgm:fillClrLst>
+    <dgm:linClrLst meth="repeat">
+      <a:schemeClr val="lt1"/>
+    </dgm:linClrLst>
+    <dgm:effectClrLst/>
+    <dgm:txLinClrLst/>
+    <dgm:txFillClrLst/>
+    <dgm:txEffectClrLst/>
+  </dgm:styleLbl>
+  <dgm:styleLbl name="node4">
+    <dgm:fillClrLst meth="repeat">
+      <a:schemeClr val="accent1"/>
+    </dgm:fillClrLst>
+    <dgm:linClrLst meth="repeat">
+      <a:schemeClr val="lt1"/>
+    </dgm:linClrLst>
+    <dgm:effectClrLst/>
+    <dgm:txLinClrLst/>
+    <dgm:txFillClrLst/>
+    <dgm:txEffectClrLst/>
+  </dgm:styleLbl>
+  <dgm:styleLbl name="fgImgPlace1">
+    <dgm:fillClrLst meth="repeat">
+      <a:schemeClr val="accent1">
+        <a:tint val="50000"/>
+      </a:schemeClr>
+    </dgm:fillClrLst>
+    <dgm:linClrLst meth="repeat">
+      <a:schemeClr val="lt1"/>
+    </dgm:linClrLst>
+    <dgm:effectClrLst/>
+    <dgm:txLinClrLst/>
+    <dgm:txFillClrLst meth="repeat">
+      <a:schemeClr val="lt1"/>
+    </dgm:txFillClrLst>
+    <dgm:txEffectClrLst/>
+  </dgm:styleLbl>
+  <dgm:styleLbl name="alignImgPlace1">
+    <dgm:fillClrLst meth="repeat">
+      <a:schemeClr val="accent1">
+        <a:tint val="50000"/>
+      </a:schemeClr>
+    </dgm:fillClrLst>
+    <dgm:linClrLst meth="repeat">
+      <a:schemeClr val="lt1"/>
+    </dgm:linClrLst>
+    <dgm:effectClrLst/>
+    <dgm:txLinClrLst/>
+    <dgm:txFillClrLst meth="repeat">
+      <a:schemeClr val="lt1"/>
+    </dgm:txFillClrLst>
+    <dgm:txEffectClrLst/>
+  </dgm:styleLbl>
+  <dgm:styleLbl name="bgImgPlace1">
+    <dgm:fillClrLst meth="repeat">
+      <a:schemeClr val="accent1">
+        <a:tint val="50000"/>
+      </a:schemeClr>
+    </dgm:fillClrLst>
+    <dgm:linClrLst meth="repeat">
+      <a:schemeClr val="lt1"/>
+    </dgm:linClrLst>
+    <dgm:effectClrLst/>
+    <dgm:txLinClrLst/>
+    <dgm:txFillClrLst meth="repeat">
+      <a:schemeClr val="lt1"/>
+    </dgm:txFillClrLst>
+    <dgm:txEffectClrLst/>
+  </dgm:styleLbl>
+  <dgm:styleLbl name="sibTrans2D1">
+    <dgm:fillClrLst meth="repeat">
+      <a:schemeClr val="accent1">
+        <a:tint val="60000"/>
+      </a:schemeClr>
+    </dgm:fillClrLst>
+    <dgm:linClrLst meth="repeat">
+      <a:schemeClr val="accent1">
+        <a:tint val="60000"/>
+      </a:schemeClr>
+    </dgm:linClrLst>
+    <dgm:effectClrLst/>
+    <dgm:txLinClrLst/>
+    <dgm:txFillClrLst/>
+    <dgm:txEffectClrLst/>
+  </dgm:styleLbl>
+  <dgm:styleLbl name="fgSibTrans2D1">
+    <dgm:fillClrLst meth="repeat">
+      <a:schemeClr val="accent1">
+        <a:tint val="60000"/>
+      </a:schemeClr>
+    </dgm:fillClrLst>
+    <dgm:linClrLst meth="repeat">
+      <a:schemeClr val="accent1">
+        <a:tint val="60000"/>
+      </a:schemeClr>
+    </dgm:linClrLst>
+    <dgm:effectClrLst/>
+    <dgm:txLinClrLst/>
+    <dgm:txFillClrLst/>
+    <dgm:txEffectClrLst/>
+  </dgm:styleLbl>
+  <dgm:styleLbl name="bgSibTrans2D1">
+    <dgm:fillClrLst meth="repeat">
+      <a:schemeClr val="accent1">
+        <a:tint val="60000"/>
+      </a:schemeClr>
+    </dgm:fillClrLst>
+    <dgm:linClrLst meth="repeat">
+      <a:schemeClr val="accent1">
+        <a:tint val="60000"/>
+      </a:schemeClr>
+    </dgm:linClrLst>
+    <dgm:effectClrLst/>
+    <dgm:txLinClrLst/>
+    <dgm:txFillClrLst/>
+    <dgm:txEffectClrLst/>
+  </dgm:styleLbl>
+  <dgm:styleLbl name="sibTrans1D1">
+    <dgm:fillClrLst meth="repeat">
+      <a:schemeClr val="accent1"/>
+    </dgm:fillClrLst>
+    <dgm:linClrLst meth="repeat">
+      <a:schemeClr val="accent1"/>
+    </dgm:linClrLst>
+    <dgm:effectClrLst/>
+    <dgm:txLinClrLst/>
+    <dgm:txFillClrLst meth="repeat">
+      <a:schemeClr val="tx1"/>
+    </dgm:txFillClrLst>
+    <dgm:txEffectClrLst/>
+  </dgm:styleLbl>
+  <dgm:styleLbl name="callout">
+    <dgm:fillClrLst meth="repeat">
+      <a:schemeClr val="accent1"/>
+    </dgm:fillClrLst>
+    <dgm:linClrLst meth="repeat">
+      <a:schemeClr val="accent1">
+        <a:tint val="50000"/>
+      </a:schemeClr>
+    </dgm:linClrLst>
+    <dgm:effectClrLst/>
+    <dgm:txLinClrLst/>
+    <dgm:txFillClrLst meth="repeat">
+      <a:schemeClr val="tx1"/>
+    </dgm:txFillClrLst>
+    <dgm:txEffectClrLst/>
+  </dgm:styleLbl>
+  <dgm:styleLbl name="asst0">
+    <dgm:fillClrLst meth="repeat">
+      <a:schemeClr val="accent1"/>
+    </dgm:fillClrLst>
+    <dgm:linClrLst meth="repeat">
+      <a:schemeClr val="lt1"/>
+    </dgm:linClrLst>
+    <dgm:effectClrLst/>
+    <dgm:txLinClrLst/>
+    <dgm:txFillClrLst/>
+    <dgm:txEffectClrLst/>
+  </dgm:styleLbl>
+  <dgm:styleLbl name="asst1">
+    <dgm:fillClrLst meth="repeat">
+      <a:schemeClr val="accent1"/>
+    </dgm:fillClrLst>
+    <dgm:linClrLst meth="repeat">
+      <a:schemeClr val="lt1"/>
+    </dgm:linClrLst>
+    <dgm:effectClrLst/>
+    <dgm:txLinClrLst/>
+    <dgm:txFillClrLst/>
+    <dgm:txEffectClrLst/>
+  </dgm:styleLbl>
+  <dgm:styleLbl name="asst2">
+    <dgm:fillClrLst meth="repeat">
+      <a:schemeClr val="accent1"/>
+    </dgm:fillClrLst>
+    <dgm:linClrLst meth="repeat">
+      <a:schemeClr val="lt1"/>
+    </dgm:linClrLst>
+    <dgm:effectClrLst/>
+    <dgm:txLinClrLst/>
+    <dgm:txFillClrLst/>
+    <dgm:txEffectClrLst/>
+  </dgm:styleLbl>
+  <dgm:styleLbl name="asst3">
+    <dgm:fillClrLst meth="repeat">
+      <a:schemeClr val="accent1"/>
+    </dgm:fillClrLst>
+    <dgm:linClrLst meth="repeat">
+      <a:schemeClr val="lt1"/>
+    </dgm:linClrLst>
+    <dgm:effectClrLst/>
+    <dgm:txLinClrLst/>
+    <dgm:txFillClrLst/>
+    <dgm:txEffectClrLst/>
+  </dgm:styleLbl>
+  <dgm:styleLbl name="asst4">
+    <dgm:fillClrLst meth="repeat">
+      <a:schemeClr val="accent1"/>
+    </dgm:fillClrLst>
+    <dgm:linClrLst meth="repeat">
+      <a:schemeClr val="lt1"/>
+    </dgm:linClrLst>
+    <dgm:effectClrLst/>
+    <dgm:txLinClrLst/>
+    <dgm:txFillClrLst/>
+    <dgm:txEffectClrLst/>
+  </dgm:styleLbl>
+  <dgm:styleLbl name="parChTrans2D1">
+    <dgm:fillClrLst meth="repeat">
+      <a:schemeClr val="accent1">
+        <a:tint val="60000"/>
+      </a:schemeClr>
+    </dgm:fillClrLst>
+    <dgm:linClrLst meth="repeat">
+      <a:schemeClr val="accent1">
+        <a:tint val="60000"/>
+      </a:schemeClr>
+    </dgm:linClrLst>
+    <dgm:effectClrLst/>
+    <dgm:txLinClrLst/>
+    <dgm:txFillClrLst meth="repeat">
+      <a:schemeClr val="lt1"/>
+    </dgm:txFillClrLst>
+    <dgm:txEffectClrLst/>
+  </dgm:styleLbl>
+  <dgm:styleLbl name="parChTrans2D2">
+    <dgm:fillClrLst meth="repeat">
+      <a:schemeClr val="accent1"/>
+    </dgm:fillClrLst>
+    <dgm:linClrLst meth="repeat">
+      <a:schemeClr val="accent1"/>
+    </dgm:linClrLst>
+    <dgm:effectClrLst/>
+    <dgm:txLinClrLst/>
+    <dgm:txFillClrLst meth="repeat">
+      <a:schemeClr val="lt1"/>
+    </dgm:txFillClrLst>
+    <dgm:txEffectClrLst/>
+  </dgm:styleLbl>
+  <dgm:styleLbl name="parChTrans2D3">
+    <dgm:fillClrLst meth="repeat">
+      <a:schemeClr val="accent1"/>
+    </dgm:fillClrLst>
+    <dgm:linClrLst meth="repeat">
+      <a:schemeClr val="accent1"/>
+    </dgm:linClrLst>
+    <dgm:effectClrLst/>
+    <dgm:txLinClrLst/>
+    <dgm:txFillClrLst meth="repeat">
+      <a:schemeClr val="lt1"/>
+    </dgm:txFillClrLst>
+    <dgm:txEffectClrLst/>
+  </dgm:styleLbl>
+  <dgm:styleLbl name="parChTrans2D4">
+    <dgm:fillClrLst meth="repeat">
+      <a:schemeClr val="accent1"/>
+    </dgm:fillClrLst>
+    <dgm:linClrLst meth="repeat">
+      <a:schemeClr val="accent1"/>
+    </dgm:linClrLst>
+    <dgm:effectClrLst/>
+    <dgm:txLinClrLst/>
+    <dgm:txFillClrLst meth="repeat">
+      <a:schemeClr val="lt1"/>
+    </dgm:txFillClrLst>
+    <dgm:txEffectClrLst/>
+  </dgm:styleLbl>
+  <dgm:styleLbl name="parChTrans1D1">
+    <dgm:fillClrLst meth="repeat">
+      <a:schemeClr val="accent1"/>
+    </dgm:fillClrLst>
+    <dgm:linClrLst meth="repeat">
+      <a:schemeClr val="accent1">
+        <a:shade val="60000"/>
+      </a:schemeClr>
+    </dgm:linClrLst>
+    <dgm:effectClrLst/>
+    <dgm:txLinClrLst/>
+    <dgm:txFillClrLst meth="repeat">
+      <a:schemeClr val="tx1"/>
+    </dgm:txFillClrLst>
+    <dgm:txEffectClrLst/>
+  </dgm:styleLbl>
+  <dgm:styleLbl name="parChTrans1D2">
+    <dgm:fillClrLst meth="repeat">
+      <a:schemeClr val="accent1"/>
+    </dgm:fillClrLst>
+    <dgm:linClrLst meth="repeat">
+      <a:schemeClr val="accent1">
+        <a:shade val="60000"/>
+      </a:schemeClr>
+    </dgm:linClrLst>
+    <dgm:effectClrLst/>
+    <dgm:txLinClrLst/>
+    <dgm:txFillClrLst meth="repeat">
+      <a:schemeClr val="tx1"/>
+    </dgm:txFillClrLst>
+    <dgm:txEffectClrLst/>
+  </dgm:styleLbl>
+  <dgm:styleLbl name="parChTrans1D3">
+    <dgm:fillClrLst meth="repeat">
+      <a:schemeClr val="accent1"/>
+    </dgm:fillClrLst>
+    <dgm:linClrLst meth="repeat">
+      <a:schemeClr val="accent1">
+        <a:shade val="80000"/>
+      </a:schemeClr>
+    </dgm:linClrLst>
+    <dgm:effectClrLst/>
+    <dgm:txLinClrLst/>
+    <dgm:txFillClrLst meth="repeat">
+      <a:schemeClr val="tx1"/>
+    </dgm:txFillClrLst>
+    <dgm:txEffectClrLst/>
+  </dgm:styleLbl>
+  <dgm:styleLbl name="parChTrans1D4">
+    <dgm:fillClrLst meth="repeat">
+      <a:schemeClr val="accent1"/>
+    </dgm:fillClrLst>
+    <dgm:linClrLst meth="repeat">
+      <a:schemeClr val="accent1">
+        <a:shade val="80000"/>
+      </a:schemeClr>
+    </dgm:linClrLst>
+    <dgm:effectClrLst/>
+    <dgm:txLinClrLst/>
+    <dgm:txFillClrLst meth="repeat">
+      <a:schemeClr val="tx1"/>
+    </dgm:txFillClrLst>
+    <dgm:txEffectClrLst/>
+  </dgm:styleLbl>
+  <dgm:styleLbl name="fgAcc1">
+    <dgm:fillClrLst meth="repeat">
+      <a:schemeClr val="lt1">
+        <a:alpha val="90000"/>
+      </a:schemeClr>
+    </dgm:fillClrLst>
+    <dgm:linClrLst meth="repeat">
+      <a:schemeClr val="accent1"/>
+    </dgm:linClrLst>
+    <dgm:effectClrLst/>
+    <dgm:txLinClrLst/>
+    <dgm:txFillClrLst meth="repeat">
+      <a:schemeClr val="dk1"/>
+    </dgm:txFillClrLst>
+    <dgm:txEffectClrLst/>
+  </dgm:styleLbl>
+  <dgm:styleLbl name="conFgAcc1">
+    <dgm:fillClrLst meth="repeat">
+      <a:schemeClr val="lt1">
+        <a:alpha val="90000"/>
+      </a:schemeClr>
+    </dgm:fillClrLst>
+    <dgm:linClrLst meth="repeat">
+      <a:schemeClr val="accent1"/>
+    </dgm:linClrLst>
+    <dgm:effectClrLst/>
+    <dgm:txLinClrLst/>
+    <dgm:txFillClrLst meth="repeat">
+      <a:schemeClr val="dk1"/>
+    </dgm:txFillClrLst>
+    <dgm:txEffectClrLst/>
+  </dgm:styleLbl>
+  <dgm:styleLbl name="alignAcc1">
+    <dgm:fillClrLst meth="repeat">
+      <a:schemeClr val="lt1">
+        <a:alpha val="90000"/>
+      </a:schemeClr>
+    </dgm:fillClrLst>
+    <dgm:linClrLst meth="repeat">
+      <a:schemeClr val="accent1"/>
+    </dgm:linClrLst>
+    <dgm:effectClrLst/>
+    <dgm:txLinClrLst/>
+    <dgm:txFillClrLst meth="repeat">
+      <a:schemeClr val="dk1"/>
+    </dgm:txFillClrLst>
+    <dgm:txEffectClrLst/>
+  </dgm:styleLbl>
+  <dgm:styleLbl name="trAlignAcc1">
+    <dgm:fillClrLst meth="repeat">
+      <a:schemeClr val="lt1">
+        <a:alpha val="40000"/>
+      </a:schemeClr>
+    </dgm:fillClrLst>
+    <dgm:linClrLst meth="repeat">
+      <a:schemeClr val="accent1"/>
+    </dgm:linClrLst>
+    <dgm:effectClrLst/>
+    <dgm:txLinClrLst/>
+    <dgm:txFillClrLst meth="repeat">
+      <a:schemeClr val="dk1"/>
+    </dgm:txFillClrLst>
+    <dgm:txEffectClrLst/>
+  </dgm:styleLbl>
+  <dgm:styleLbl name="bgAcc1">
+    <dgm:fillClrLst meth="repeat">
+      <a:schemeClr val="lt1">
+        <a:alpha val="90000"/>
+      </a:schemeClr>
+    </dgm:fillClrLst>
+    <dgm:linClrLst meth="repeat">
+      <a:schemeClr val="accent1"/>
+    </dgm:linClrLst>
+    <dgm:effectClrLst/>
+    <dgm:txLinClrLst/>
+    <dgm:txFillClrLst meth="repeat">
+      <a:schemeClr val="dk1"/>
+    </dgm:txFillClrLst>
+    <dgm:txEffectClrLst/>
+  </dgm:styleLbl>
+  <dgm:styleLbl name="solidFgAcc1">
+    <dgm:fillClrLst meth="repeat">
+      <a:schemeClr val="lt1"/>
+    </dgm:fillClrLst>
+    <dgm:linClrLst meth="repeat">
+      <a:schemeClr val="accent1"/>
+    </dgm:linClrLst>
+    <dgm:effectClrLst/>
+    <dgm:txLinClrLst/>
+    <dgm:txFillClrLst meth="repeat">
+      <a:schemeClr val="dk1"/>
+    </dgm:txFillClrLst>
+    <dgm:txEffectClrLst/>
+  </dgm:styleLbl>
+  <dgm:styleLbl name="solidAlignAcc1">
+    <dgm:fillClrLst meth="repeat">
+      <a:schemeClr val="lt1"/>
+    </dgm:fillClrLst>
+    <dgm:linClrLst meth="repeat">
+      <a:schemeClr val="accent1"/>
+    </dgm:linClrLst>
+    <dgm:effectClrLst/>
+    <dgm:txLinClrLst/>
+    <dgm:txFillClrLst meth="repeat">
+      <a:schemeClr val="dk1"/>
+    </dgm:txFillClrLst>
+    <dgm:txEffectClrLst/>
+  </dgm:styleLbl>
+  <dgm:styleLbl name="solidBgAcc1">
+    <dgm:fillClrLst meth="repeat">
+      <a:schemeClr val="lt1"/>
+    </dgm:fillClrLst>
+    <dgm:linClrLst meth="repeat">
+      <a:schemeClr val="accent1"/>
+    </dgm:linClrLst>
+    <dgm:effectClrLst/>
+    <dgm:txLinClrLst/>
+    <dgm:txFillClrLst meth="repeat">
+      <a:schemeClr val="dk1"/>
+    </dgm:txFillClrLst>
+    <dgm:txEffectClrLst/>
+  </dgm:styleLbl>
+  <dgm:styleLbl name="fgAccFollowNode1">
+    <dgm:fillClrLst meth="repeat">
+      <a:schemeClr val="accent1">
+        <a:alpha val="90000"/>
+        <a:tint val="40000"/>
+      </a:schemeClr>
+    </dgm:fillClrLst>
+    <dgm:linClrLst meth="repeat">
+      <a:schemeClr val="accent1">
+        <a:alpha val="90000"/>
+        <a:tint val="40000"/>
+      </a:schemeClr>
+    </dgm:linClrLst>
+    <dgm:effectClrLst/>
+    <dgm:txLinClrLst/>
+    <dgm:txFillClrLst meth="repeat">
+      <a:schemeClr val="dk1"/>
+    </dgm:txFillClrLst>
+    <dgm:txEffectClrLst/>
+  </dgm:styleLbl>
+  <dgm:styleLbl name="alignAccFollowNode1">
+    <dgm:fillClrLst meth="repeat">
+      <a:schemeClr val="accent1">
+        <a:alpha val="90000"/>
+        <a:tint val="40000"/>
+      </a:schemeClr>
+    </dgm:fillClrLst>
+    <dgm:linClrLst meth="repeat">
+      <a:schemeClr val="accent1">
+        <a:alpha val="90000"/>
+        <a:tint val="40000"/>
+      </a:schemeClr>
+    </dgm:linClrLst>
+    <dgm:effectClrLst/>
+    <dgm:txLinClrLst/>
+    <dgm:txFillClrLst meth="repeat">
+      <a:schemeClr val="dk1"/>
+    </dgm:txFillClrLst>
+    <dgm:txEffectClrLst/>
+  </dgm:styleLbl>
+  <dgm:styleLbl name="bgAccFollowNode1">
+    <dgm:fillClrLst meth="repeat">
+      <a:schemeClr val="accent1">
+        <a:alpha val="90000"/>
+        <a:tint val="40000"/>
+      </a:schemeClr>
+    </dgm:fillClrLst>
+    <dgm:linClrLst meth="repeat">
+      <a:schemeClr val="accent1">
+        <a:alpha val="90000"/>
+        <a:tint val="40000"/>
+      </a:schemeClr>
+    </dgm:linClrLst>
+    <dgm:effectClrLst/>
+    <dgm:txLinClrLst/>
+    <dgm:txFillClrLst meth="repeat">
+      <a:schemeClr val="dk1"/>
+    </dgm:txFillClrLst>
+    <dgm:txEffectClrLst/>
+  </dgm:styleLbl>
+  <dgm:styleLbl name="fgAcc0">
+    <dgm:fillClrLst meth="repeat">
+      <a:schemeClr val="lt1">
+        <a:alpha val="90000"/>
+      </a:schemeClr>
+    </dgm:fillClrLst>
+    <dgm:linClrLst meth="repeat">
+      <a:schemeClr val="accent1"/>
+    </dgm:linClrLst>
+    <dgm:effectClrLst/>
+    <dgm:txLinClrLst/>
+    <dgm:txFillClrLst meth="repeat">
+      <a:schemeClr val="dk1"/>
+    </dgm:txFillClrLst>
+    <dgm:txEffectClrLst/>
+  </dgm:styleLbl>
+  <dgm:styleLbl name="fgAcc2">
+    <dgm:fillClrLst meth="repeat">
+      <a:schemeClr val="lt1">
+        <a:alpha val="90000"/>
+      </a:schemeClr>
+    </dgm:fillClrLst>
+    <dgm:linClrLst meth="repeat">
+      <a:schemeClr val="accent1"/>
+    </dgm:linClrLst>
+    <dgm:effectClrLst/>
+    <dgm:txLinClrLst/>
+    <dgm:txFillClrLst meth="repeat">
+      <a:schemeClr val="dk1"/>
+    </dgm:txFillClrLst>
+    <dgm:txEffectClrLst/>
+  </dgm:styleLbl>
+  <dgm:styleLbl name="fgAcc3">
+    <dgm:fillClrLst meth="repeat">
+      <a:schemeClr val="lt1">
+        <a:alpha val="90000"/>
+      </a:schemeClr>
+    </dgm:fillClrLst>
+    <dgm:linClrLst meth="repeat">
+      <a:schemeClr val="accent1"/>
+    </dgm:linClrLst>
+    <dgm:effectClrLst/>
+    <dgm:txLinClrLst/>
+    <dgm:txFillClrLst meth="repeat">
+      <a:schemeClr val="dk1"/>
+    </dgm:txFillClrLst>
+    <dgm:txEffectClrLst/>
+  </dgm:styleLbl>
+  <dgm:styleLbl name="fgAcc4">
+    <dgm:fillClrLst meth="repeat">
+      <a:schemeClr val="lt1">
+        <a:alpha val="90000"/>
+      </a:schemeClr>
+    </dgm:fillClrLst>
+    <dgm:linClrLst meth="repeat">
+      <a:schemeClr val="accent1"/>
+    </dgm:linClrLst>
+    <dgm:effectClrLst/>
+    <dgm:txLinClrLst/>
+    <dgm:txFillClrLst meth="repeat">
+      <a:schemeClr val="dk1"/>
+    </dgm:txFillClrLst>
+    <dgm:txEffectClrLst/>
+  </dgm:styleLbl>
+  <dgm:styleLbl name="bgShp">
+    <dgm:fillClrLst meth="repeat">
+      <a:schemeClr val="accent1">
+        <a:tint val="40000"/>
+      </a:schemeClr>
+    </dgm:fillClrLst>
+    <dgm:linClrLst meth="repeat">
+      <a:schemeClr val="accent1"/>
+    </dgm:linClrLst>
+    <dgm:effectClrLst/>
+    <dgm:txLinClrLst/>
+    <dgm:txFillClrLst meth="repeat">
+      <a:schemeClr val="dk1"/>
+    </dgm:txFillClrLst>
+    <dgm:txEffectClrLst/>
+  </dgm:styleLbl>
+  <dgm:styleLbl name="dkBgShp">
+    <dgm:fillClrLst meth="repeat">
+      <a:schemeClr val="accent1">
+        <a:shade val="80000"/>
+      </a:schemeClr>
+    </dgm:fillClrLst>
+    <dgm:linClrLst meth="repeat">
+      <a:schemeClr val="accent1"/>
+    </dgm:linClrLst>
+    <dgm:effectClrLst/>
+    <dgm:txLinClrLst/>
+    <dgm:txFillClrLst meth="repeat">
+      <a:schemeClr val="lt1"/>
+    </dgm:txFillClrLst>
+    <dgm:txEffectClrLst/>
+  </dgm:styleLbl>
+  <dgm:styleLbl name="trBgShp">
+    <dgm:fillClrLst meth="repeat">
+      <a:schemeClr val="accent1">
+        <a:tint val="50000"/>
+        <a:alpha val="40000"/>
+      </a:schemeClr>
+    </dgm:fillClrLst>
+    <dgm:linClrLst meth="repeat">
+      <a:schemeClr val="accent1"/>
+    </dgm:linClrLst>
+    <dgm:effectClrLst/>
+    <dgm:txLinClrLst/>
+    <dgm:txFillClrLst meth="repeat">
+      <a:schemeClr val="lt1"/>
+    </dgm:txFillClrLst>
+    <dgm:txEffectClrLst/>
+  </dgm:styleLbl>
+  <dgm:styleLbl name="fgShp">
+    <dgm:fillClrLst meth="repeat">
+      <a:schemeClr val="accent1">
+        <a:tint val="60000"/>
+      </a:schemeClr>
+    </dgm:fillClrLst>
+    <dgm:linClrLst meth="repeat">
+      <a:schemeClr val="lt1"/>
+    </dgm:linClrLst>
+    <dgm:effectClrLst/>
+    <dgm:txLinClrLst/>
+    <dgm:txFillClrLst meth="repeat">
+      <a:schemeClr val="dk1"/>
+    </dgm:txFillClrLst>
+    <dgm:txEffectClrLst/>
+  </dgm:styleLbl>
+  <dgm:styleLbl name="revTx">
+    <dgm:fillClrLst meth="repeat">
+      <a:schemeClr val="lt1">
+        <a:alpha val="0"/>
+      </a:schemeClr>
+    </dgm:fillClrLst>
+    <dgm:linClrLst meth="repeat">
+      <a:schemeClr val="dk1">
+        <a:alpha val="0"/>
+      </a:schemeClr>
+    </dgm:linClrLst>
+    <dgm:effectClrLst/>
+    <dgm:txLinClrLst/>
+    <dgm:txFillClrLst meth="repeat">
+      <a:schemeClr val="tx1"/>
+    </dgm:txFillClrLst>
+    <dgm:txEffectClrLst/>
+  </dgm:styleLbl>
+</dgm:colorsDef>
+</file>
+
+<file path=ppt/diagrams/colors5.xml><?xml version="1.0" encoding="utf-8"?>
+<dgm:colorsDef xmlns:dgm="http://schemas.openxmlformats.org/drawingml/2006/diagram" xmlns:a="http://schemas.openxmlformats.org/drawingml/2006/main" uniqueId="urn:microsoft.com/office/officeart/2005/8/colors/accent1_2">
+  <dgm:title val=""/>
+  <dgm:desc val=""/>
+  <dgm:catLst>
+    <dgm:cat type="accent1" pri="11200"/>
+  </dgm:catLst>
+  <dgm:styleLbl name="node0">
+    <dgm:fillClrLst meth="repeat">
+      <a:schemeClr val="accent1"/>
+    </dgm:fillClrLst>
+    <dgm:linClrLst meth="repeat">
+      <a:schemeClr val="lt1"/>
+    </dgm:linClrLst>
+    <dgm:effectClrLst/>
+    <dgm:txLinClrLst/>
+    <dgm:txFillClrLst/>
+    <dgm:txEffectClrLst/>
+  </dgm:styleLbl>
+  <dgm:styleLbl name="alignNode1">
+    <dgm:fillClrLst meth="repeat">
+      <a:schemeClr val="accent1"/>
+    </dgm:fillClrLst>
+    <dgm:linClrLst meth="repeat">
+      <a:schemeClr val="accent1"/>
+    </dgm:linClrLst>
+    <dgm:effectClrLst/>
+    <dgm:txLinClrLst/>
+    <dgm:txFillClrLst/>
+    <dgm:txEffectClrLst/>
+  </dgm:styleLbl>
+  <dgm:styleLbl name="node1">
+    <dgm:fillClrLst meth="repeat">
+      <a:schemeClr val="accent1"/>
+    </dgm:fillClrLst>
+    <dgm:linClrLst meth="repeat">
+      <a:schemeClr val="lt1"/>
+    </dgm:linClrLst>
+    <dgm:effectClrLst/>
+    <dgm:txLinClrLst/>
+    <dgm:txFillClrLst/>
+    <dgm:txEffectClrLst/>
+  </dgm:styleLbl>
+  <dgm:styleLbl name="lnNode1">
+    <dgm:fillClrLst meth="repeat">
+      <a:schemeClr val="accent1"/>
+    </dgm:fillClrLst>
+    <dgm:linClrLst meth="repeat">
+      <a:schemeClr val="lt1"/>
+    </dgm:linClrLst>
+    <dgm:effectClrLst/>
+    <dgm:txLinClrLst/>
+    <dgm:txFillClrLst/>
+    <dgm:txEffectClrLst/>
+  </dgm:styleLbl>
+  <dgm:styleLbl name="vennNode1">
+    <dgm:fillClrLst meth="repeat">
+      <a:schemeClr val="accent1">
+        <a:alpha val="50000"/>
+      </a:schemeClr>
+    </dgm:fillClrLst>
+    <dgm:linClrLst meth="repeat">
+      <a:schemeClr val="lt1"/>
+    </dgm:linClrLst>
+    <dgm:effectClrLst/>
+    <dgm:txLinClrLst/>
+    <dgm:txFillClrLst/>
+    <dgm:txEffectClrLst/>
+  </dgm:styleLbl>
+  <dgm:styleLbl name="node2">
+    <dgm:fillClrLst meth="repeat">
+      <a:schemeClr val="accent1"/>
+    </dgm:fillClrLst>
+    <dgm:linClrLst meth="repeat">
+      <a:schemeClr val="lt1"/>
+    </dgm:linClrLst>
+    <dgm:effectClrLst/>
+    <dgm:txLinClrLst/>
+    <dgm:txFillClrLst/>
+    <dgm:txEffectClrLst/>
+  </dgm:styleLbl>
+  <dgm:styleLbl name="node3">
+    <dgm:fillClrLst meth="repeat">
+      <a:schemeClr val="accent1"/>
+    </dgm:fillClrLst>
+    <dgm:linClrLst meth="repeat">
+      <a:schemeClr val="lt1"/>
+    </dgm:linClrLst>
+    <dgm:effectClrLst/>
+    <dgm:txLinClrLst/>
+    <dgm:txFillClrLst/>
+    <dgm:txEffectClrLst/>
+  </dgm:styleLbl>
+  <dgm:styleLbl name="node4">
+    <dgm:fillClrLst meth="repeat">
+      <a:schemeClr val="accent1"/>
+    </dgm:fillClrLst>
+    <dgm:linClrLst meth="repeat">
+      <a:schemeClr val="lt1"/>
+    </dgm:linClrLst>
+    <dgm:effectClrLst/>
+    <dgm:txLinClrLst/>
+    <dgm:txFillClrLst/>
+    <dgm:txEffectClrLst/>
+  </dgm:styleLbl>
+  <dgm:styleLbl name="fgImgPlace1">
+    <dgm:fillClrLst meth="repeat">
+      <a:schemeClr val="accent1">
+        <a:tint val="50000"/>
+      </a:schemeClr>
+    </dgm:fillClrLst>
+    <dgm:linClrLst meth="repeat">
+      <a:schemeClr val="lt1"/>
+    </dgm:linClrLst>
+    <dgm:effectClrLst/>
+    <dgm:txLinClrLst/>
+    <dgm:txFillClrLst meth="repeat">
+      <a:schemeClr val="lt1"/>
+    </dgm:txFillClrLst>
+    <dgm:txEffectClrLst/>
+  </dgm:styleLbl>
+  <dgm:styleLbl name="alignImgPlace1">
+    <dgm:fillClrLst meth="repeat">
+      <a:schemeClr val="accent1">
+        <a:tint val="50000"/>
+      </a:schemeClr>
+    </dgm:fillClrLst>
+    <dgm:linClrLst meth="repeat">
+      <a:schemeClr val="lt1"/>
+    </dgm:linClrLst>
+    <dgm:effectClrLst/>
+    <dgm:txLinClrLst/>
+    <dgm:txFillClrLst meth="repeat">
+      <a:schemeClr val="lt1"/>
+    </dgm:txFillClrLst>
+    <dgm:txEffectClrLst/>
+  </dgm:styleLbl>
+  <dgm:styleLbl name="bgImgPlace1">
+    <dgm:fillClrLst meth="repeat">
+      <a:schemeClr val="accent1">
+        <a:tint val="50000"/>
+      </a:schemeClr>
+    </dgm:fillClrLst>
+    <dgm:linClrLst meth="repeat">
+      <a:schemeClr val="lt1"/>
+    </dgm:linClrLst>
+    <dgm:effectClrLst/>
+    <dgm:txLinClrLst/>
+    <dgm:txFillClrLst meth="repeat">
+      <a:schemeClr val="lt1"/>
+    </dgm:txFillClrLst>
+    <dgm:txEffectClrLst/>
+  </dgm:styleLbl>
+  <dgm:styleLbl name="sibTrans2D1">
+    <dgm:fillClrLst meth="repeat">
+      <a:schemeClr val="accent1">
+        <a:tint val="60000"/>
+      </a:schemeClr>
+    </dgm:fillClrLst>
+    <dgm:linClrLst meth="repeat">
+      <a:schemeClr val="accent1">
+        <a:tint val="60000"/>
+      </a:schemeClr>
+    </dgm:linClrLst>
+    <dgm:effectClrLst/>
+    <dgm:txLinClrLst/>
+    <dgm:txFillClrLst/>
+    <dgm:txEffectClrLst/>
+  </dgm:styleLbl>
+  <dgm:styleLbl name="fgSibTrans2D1">
+    <dgm:fillClrLst meth="repeat">
+      <a:schemeClr val="accent1">
+        <a:tint val="60000"/>
+      </a:schemeClr>
+    </dgm:fillClrLst>
+    <dgm:linClrLst meth="repeat">
+      <a:schemeClr val="accent1">
+        <a:tint val="60000"/>
+      </a:schemeClr>
+    </dgm:linClrLst>
+    <dgm:effectClrLst/>
+    <dgm:txLinClrLst/>
+    <dgm:txFillClrLst/>
+    <dgm:txEffectClrLst/>
+  </dgm:styleLbl>
+  <dgm:styleLbl name="bgSibTrans2D1">
+    <dgm:fillClrLst meth="repeat">
+      <a:schemeClr val="accent1">
+        <a:tint val="60000"/>
+      </a:schemeClr>
+    </dgm:fillClrLst>
+    <dgm:linClrLst meth="repeat">
+      <a:schemeClr val="accent1">
+        <a:tint val="60000"/>
+      </a:schemeClr>
+    </dgm:linClrLst>
+    <dgm:effectClrLst/>
+    <dgm:txLinClrLst/>
+    <dgm:txFillClrLst/>
+    <dgm:txEffectClrLst/>
+  </dgm:styleLbl>
+  <dgm:styleLbl name="sibTrans1D1">
+    <dgm:fillClrLst meth="repeat">
+      <a:schemeClr val="accent1"/>
+    </dgm:fillClrLst>
+    <dgm:linClrLst meth="repeat">
+      <a:schemeClr val="accent1"/>
+    </dgm:linClrLst>
+    <dgm:effectClrLst/>
+    <dgm:txLinClrLst/>
+    <dgm:txFillClrLst meth="repeat">
+      <a:schemeClr val="tx1"/>
+    </dgm:txFillClrLst>
+    <dgm:txEffectClrLst/>
+  </dgm:styleLbl>
+  <dgm:styleLbl name="callout">
+    <dgm:fillClrLst meth="repeat">
+      <a:schemeClr val="accent1"/>
+    </dgm:fillClrLst>
+    <dgm:linClrLst meth="repeat">
+      <a:schemeClr val="accent1">
+        <a:tint val="50000"/>
+      </a:schemeClr>
+    </dgm:linClrLst>
+    <dgm:effectClrLst/>
+    <dgm:txLinClrLst/>
+    <dgm:txFillClrLst meth="repeat">
+      <a:schemeClr val="tx1"/>
+    </dgm:txFillClrLst>
+    <dgm:txEffectClrLst/>
+  </dgm:styleLbl>
+  <dgm:styleLbl name="asst0">
+    <dgm:fillClrLst meth="repeat">
+      <a:schemeClr val="accent1"/>
+    </dgm:fillClrLst>
+    <dgm:linClrLst meth="repeat">
+      <a:schemeClr val="lt1"/>
+    </dgm:linClrLst>
+    <dgm:effectClrLst/>
+    <dgm:txLinClrLst/>
+    <dgm:txFillClrLst/>
+    <dgm:txEffectClrLst/>
+  </dgm:styleLbl>
+  <dgm:styleLbl name="asst1">
+    <dgm:fillClrLst meth="repeat">
+      <a:schemeClr val="accent1"/>
+    </dgm:fillClrLst>
+    <dgm:linClrLst meth="repeat">
+      <a:schemeClr val="lt1"/>
+    </dgm:linClrLst>
+    <dgm:effectClrLst/>
+    <dgm:txLinClrLst/>
+    <dgm:txFillClrLst/>
+    <dgm:txEffectClrLst/>
+  </dgm:styleLbl>
+  <dgm:styleLbl name="asst2">
+    <dgm:fillClrLst meth="repeat">
+      <a:schemeClr val="accent1"/>
+    </dgm:fillClrLst>
+    <dgm:linClrLst meth="repeat">
+      <a:schemeClr val="lt1"/>
+    </dgm:linClrLst>
+    <dgm:effectClrLst/>
+    <dgm:txLinClrLst/>
+    <dgm:txFillClrLst/>
+    <dgm:txEffectClrLst/>
+  </dgm:styleLbl>
+  <dgm:styleLbl name="asst3">
+    <dgm:fillClrLst meth="repeat">
+      <a:schemeClr val="accent1"/>
+    </dgm:fillClrLst>
+    <dgm:linClrLst meth="repeat">
+      <a:schemeClr val="lt1"/>
+    </dgm:linClrLst>
+    <dgm:effectClrLst/>
+    <dgm:txLinClrLst/>
+    <dgm:txFillClrLst/>
+    <dgm:txEffectClrLst/>
+  </dgm:styleLbl>
+  <dgm:styleLbl name="asst4">
+    <dgm:fillClrLst meth="repeat">
+      <a:schemeClr val="accent1"/>
+    </dgm:fillClrLst>
+    <dgm:linClrLst meth="repeat">
+      <a:schemeClr val="lt1"/>
+    </dgm:linClrLst>
+    <dgm:effectClrLst/>
+    <dgm:txLinClrLst/>
+    <dgm:txFillClrLst/>
+    <dgm:txEffectClrLst/>
+  </dgm:styleLbl>
+  <dgm:styleLbl name="parChTrans2D1">
+    <dgm:fillClrLst meth="repeat">
+      <a:schemeClr val="accent1">
+        <a:tint val="60000"/>
+      </a:schemeClr>
+    </dgm:fillClrLst>
+    <dgm:linClrLst meth="repeat">
+      <a:schemeClr val="accent1">
+        <a:tint val="60000"/>
+      </a:schemeClr>
+    </dgm:linClrLst>
+    <dgm:effectClrLst/>
+    <dgm:txLinClrLst/>
+    <dgm:txFillClrLst meth="repeat">
+      <a:schemeClr val="lt1"/>
+    </dgm:txFillClrLst>
+    <dgm:txEffectClrLst/>
+  </dgm:styleLbl>
+  <dgm:styleLbl name="parChTrans2D2">
+    <dgm:fillClrLst meth="repeat">
+      <a:schemeClr val="accent1"/>
+    </dgm:fillClrLst>
+    <dgm:linClrLst meth="repeat">
+      <a:schemeClr val="accent1"/>
+    </dgm:linClrLst>
+    <dgm:effectClrLst/>
+    <dgm:txLinClrLst/>
+    <dgm:txFillClrLst meth="repeat">
+      <a:schemeClr val="lt1"/>
+    </dgm:txFillClrLst>
+    <dgm:txEffectClrLst/>
+  </dgm:styleLbl>
+  <dgm:styleLbl name="parChTrans2D3">
+    <dgm:fillClrLst meth="repeat">
+      <a:schemeClr val="accent1"/>
+    </dgm:fillClrLst>
+    <dgm:linClrLst meth="repeat">
+      <a:schemeClr val="accent1"/>
+    </dgm:linClrLst>
+    <dgm:effectClrLst/>
+    <dgm:txLinClrLst/>
+    <dgm:txFillClrLst meth="repeat">
+      <a:schemeClr val="lt1"/>
+    </dgm:txFillClrLst>
+    <dgm:txEffectClrLst/>
+  </dgm:styleLbl>
+  <dgm:styleLbl name="parChTrans2D4">
+    <dgm:fillClrLst meth="repeat">
+      <a:schemeClr val="accent1"/>
+    </dgm:fillClrLst>
+    <dgm:linClrLst meth="repeat">
+      <a:schemeClr val="accent1"/>
+    </dgm:linClrLst>
+    <dgm:effectClrLst/>
+    <dgm:txLinClrLst/>
+    <dgm:txFillClrLst meth="repeat">
+      <a:schemeClr val="lt1"/>
+    </dgm:txFillClrLst>
+    <dgm:txEffectClrLst/>
+  </dgm:styleLbl>
+  <dgm:styleLbl name="parChTrans1D1">
+    <dgm:fillClrLst meth="repeat">
+      <a:schemeClr val="accent1"/>
+    </dgm:fillClrLst>
+    <dgm:linClrLst meth="repeat">
+      <a:schemeClr val="accent1">
+        <a:shade val="60000"/>
+      </a:schemeClr>
+    </dgm:linClrLst>
+    <dgm:effectClrLst/>
+    <dgm:txLinClrLst/>
+    <dgm:txFillClrLst meth="repeat">
+      <a:schemeClr val="tx1"/>
+    </dgm:txFillClrLst>
+    <dgm:txEffectClrLst/>
+  </dgm:styleLbl>
+  <dgm:styleLbl name="parChTrans1D2">
+    <dgm:fillClrLst meth="repeat">
+      <a:schemeClr val="accent1"/>
+    </dgm:fillClrLst>
+    <dgm:linClrLst meth="repeat">
+      <a:schemeClr val="accent1">
+        <a:shade val="60000"/>
+      </a:schemeClr>
+    </dgm:linClrLst>
+    <dgm:effectClrLst/>
+    <dgm:txLinClrLst/>
+    <dgm:txFillClrLst meth="repeat">
+      <a:schemeClr val="tx1"/>
+    </dgm:txFillClrLst>
+    <dgm:txEffectClrLst/>
+  </dgm:styleLbl>
+  <dgm:styleLbl name="parChTrans1D3">
+    <dgm:fillClrLst meth="repeat">
+      <a:schemeClr val="accent1"/>
+    </dgm:fillClrLst>
+    <dgm:linClrLst meth="repeat">
+      <a:schemeClr val="accent1">
+        <a:shade val="80000"/>
+      </a:schemeClr>
+    </dgm:linClrLst>
+    <dgm:effectClrLst/>
+    <dgm:txLinClrLst/>
+    <dgm:txFillClrLst meth="repeat">
+      <a:schemeClr val="tx1"/>
+    </dgm:txFillClrLst>
+    <dgm:txEffectClrLst/>
+  </dgm:styleLbl>
+  <dgm:styleLbl name="parChTrans1D4">
+    <dgm:fillClrLst meth="repeat">
+      <a:schemeClr val="accent1"/>
+    </dgm:fillClrLst>
+    <dgm:linClrLst meth="repeat">
+      <a:schemeClr val="accent1">
+        <a:shade val="80000"/>
+      </a:schemeClr>
+    </dgm:linClrLst>
+    <dgm:effectClrLst/>
+    <dgm:txLinClrLst/>
+    <dgm:txFillClrLst meth="repeat">
+      <a:schemeClr val="tx1"/>
+    </dgm:txFillClrLst>
+    <dgm:txEffectClrLst/>
+  </dgm:styleLbl>
+  <dgm:styleLbl name="fgAcc1">
+    <dgm:fillClrLst meth="repeat">
+      <a:schemeClr val="lt1">
+        <a:alpha val="90000"/>
+      </a:schemeClr>
+    </dgm:fillClrLst>
+    <dgm:linClrLst meth="repeat">
+      <a:schemeClr val="accent1"/>
+    </dgm:linClrLst>
+    <dgm:effectClrLst/>
+    <dgm:txLinClrLst/>
+    <dgm:txFillClrLst meth="repeat">
+      <a:schemeClr val="dk1"/>
+    </dgm:txFillClrLst>
+    <dgm:txEffectClrLst/>
+  </dgm:styleLbl>
+  <dgm:styleLbl name="conFgAcc1">
+    <dgm:fillClrLst meth="repeat">
+      <a:schemeClr val="lt1">
+        <a:alpha val="90000"/>
+      </a:schemeClr>
+    </dgm:fillClrLst>
+    <dgm:linClrLst meth="repeat">
+      <a:schemeClr val="accent1"/>
+    </dgm:linClrLst>
+    <dgm:effectClrLst/>
+    <dgm:txLinClrLst/>
+    <dgm:txFillClrLst meth="repeat">
+      <a:schemeClr val="dk1"/>
+    </dgm:txFillClrLst>
+    <dgm:txEffectClrLst/>
+  </dgm:styleLbl>
+  <dgm:styleLbl name="alignAcc1">
+    <dgm:fillClrLst meth="repeat">
+      <a:schemeClr val="lt1">
+        <a:alpha val="90000"/>
+      </a:schemeClr>
+    </dgm:fillClrLst>
+    <dgm:linClrLst meth="repeat">
+      <a:schemeClr val="accent1"/>
+    </dgm:linClrLst>
+    <dgm:effectClrLst/>
+    <dgm:txLinClrLst/>
+    <dgm:txFillClrLst meth="repeat">
+      <a:schemeClr val="dk1"/>
+    </dgm:txFillClrLst>
+    <dgm:txEffectClrLst/>
+  </dgm:styleLbl>
+  <dgm:styleLbl name="trAlignAcc1">
+    <dgm:fillClrLst meth="repeat">
+      <a:schemeClr val="lt1">
+        <a:alpha val="40000"/>
+      </a:schemeClr>
+    </dgm:fillClrLst>
+    <dgm:linClrLst meth="repeat">
+      <a:schemeClr val="accent1"/>
+    </dgm:linClrLst>
+    <dgm:effectClrLst/>
+    <dgm:txLinClrLst/>
+    <dgm:txFillClrLst meth="repeat">
+      <a:schemeClr val="dk1"/>
+    </dgm:txFillClrLst>
+    <dgm:txEffectClrLst/>
+  </dgm:styleLbl>
+  <dgm:styleLbl name="bgAcc1">
+    <dgm:fillClrLst meth="repeat">
+      <a:schemeClr val="lt1">
+        <a:alpha val="90000"/>
+      </a:schemeClr>
+    </dgm:fillClrLst>
+    <dgm:linClrLst meth="repeat">
+      <a:schemeClr val="accent1"/>
+    </dgm:linClrLst>
+    <dgm:effectClrLst/>
+    <dgm:txLinClrLst/>
+    <dgm:txFillClrLst meth="repeat">
+      <a:schemeClr val="dk1"/>
+    </dgm:txFillClrLst>
+    <dgm:txEffectClrLst/>
+  </dgm:styleLbl>
+  <dgm:styleLbl name="solidFgAcc1">
+    <dgm:fillClrLst meth="repeat">
+      <a:schemeClr val="lt1"/>
+    </dgm:fillClrLst>
+    <dgm:linClrLst meth="repeat">
+      <a:schemeClr val="accent1"/>
+    </dgm:linClrLst>
+    <dgm:effectClrLst/>
+    <dgm:txLinClrLst/>
+    <dgm:txFillClrLst meth="repeat">
+      <a:schemeClr val="dk1"/>
+    </dgm:txFillClrLst>
+    <dgm:txEffectClrLst/>
+  </dgm:styleLbl>
+  <dgm:styleLbl name="solidAlignAcc1">
+    <dgm:fillClrLst meth="repeat">
+      <a:schemeClr val="lt1"/>
+    </dgm:fillClrLst>
+    <dgm:linClrLst meth="repeat">
+      <a:schemeClr val="accent1"/>
+    </dgm:linClrLst>
+    <dgm:effectClrLst/>
+    <dgm:txLinClrLst/>
+    <dgm:txFillClrLst meth="repeat">
+      <a:schemeClr val="dk1"/>
+    </dgm:txFillClrLst>
+    <dgm:txEffectClrLst/>
+  </dgm:styleLbl>
+  <dgm:styleLbl name="solidBgAcc1">
+    <dgm:fillClrLst meth="repeat">
+      <a:schemeClr val="lt1"/>
+    </dgm:fillClrLst>
+    <dgm:linClrLst meth="repeat">
+      <a:schemeClr val="accent1"/>
+    </dgm:linClrLst>
+    <dgm:effectClrLst/>
+    <dgm:txLinClrLst/>
+    <dgm:txFillClrLst meth="repeat">
+      <a:schemeClr val="dk1"/>
+    </dgm:txFillClrLst>
+    <dgm:txEffectClrLst/>
+  </dgm:styleLbl>
+  <dgm:styleLbl name="fgAccFollowNode1">
+    <dgm:fillClrLst meth="repeat">
+      <a:schemeClr val="accent1">
+        <a:alpha val="90000"/>
+        <a:tint val="40000"/>
+      </a:schemeClr>
+    </dgm:fillClrLst>
+    <dgm:linClrLst meth="repeat">
+      <a:schemeClr val="accent1">
+        <a:alpha val="90000"/>
+        <a:tint val="40000"/>
+      </a:schemeClr>
+    </dgm:linClrLst>
+    <dgm:effectClrLst/>
+    <dgm:txLinClrLst/>
+    <dgm:txFillClrLst meth="repeat">
+      <a:schemeClr val="dk1"/>
+    </dgm:txFillClrLst>
+    <dgm:txEffectClrLst/>
+  </dgm:styleLbl>
+  <dgm:styleLbl name="alignAccFollowNode1">
+    <dgm:fillClrLst meth="repeat">
+      <a:schemeClr val="accent1">
+        <a:alpha val="90000"/>
+        <a:tint val="40000"/>
+      </a:schemeClr>
+    </dgm:fillClrLst>
+    <dgm:linClrLst meth="repeat">
+      <a:schemeClr val="accent1">
+        <a:alpha val="90000"/>
+        <a:tint val="40000"/>
+      </a:schemeClr>
+    </dgm:linClrLst>
+    <dgm:effectClrLst/>
+    <dgm:txLinClrLst/>
+    <dgm:txFillClrLst meth="repeat">
+      <a:schemeClr val="dk1"/>
+    </dgm:txFillClrLst>
+    <dgm:txEffectClrLst/>
+  </dgm:styleLbl>
+  <dgm:styleLbl name="bgAccFollowNode1">
+    <dgm:fillClrLst meth="repeat">
+      <a:schemeClr val="accent1">
+        <a:alpha val="90000"/>
+        <a:tint val="40000"/>
+      </a:schemeClr>
+    </dgm:fillClrLst>
+    <dgm:linClrLst meth="repeat">
+      <a:schemeClr val="accent1">
+        <a:alpha val="90000"/>
+        <a:tint val="40000"/>
+      </a:schemeClr>
+    </dgm:linClrLst>
+    <dgm:effectClrLst/>
+    <dgm:txLinClrLst/>
+    <dgm:txFillClrLst meth="repeat">
+      <a:schemeClr val="dk1"/>
+    </dgm:txFillClrLst>
+    <dgm:txEffectClrLst/>
+  </dgm:styleLbl>
+  <dgm:styleLbl name="fgAcc0">
+    <dgm:fillClrLst meth="repeat">
+      <a:schemeClr val="lt1">
+        <a:alpha val="90000"/>
+      </a:schemeClr>
+    </dgm:fillClrLst>
+    <dgm:linClrLst meth="repeat">
+      <a:schemeClr val="accent1"/>
+    </dgm:linClrLst>
+    <dgm:effectClrLst/>
+    <dgm:txLinClrLst/>
+    <dgm:txFillClrLst meth="repeat">
+      <a:schemeClr val="dk1"/>
+    </dgm:txFillClrLst>
+    <dgm:txEffectClrLst/>
+  </dgm:styleLbl>
+  <dgm:styleLbl name="fgAcc2">
+    <dgm:fillClrLst meth="repeat">
+      <a:schemeClr val="lt1">
+        <a:alpha val="90000"/>
+      </a:schemeClr>
+    </dgm:fillClrLst>
+    <dgm:linClrLst meth="repeat">
+      <a:schemeClr val="accent1"/>
+    </dgm:linClrLst>
+    <dgm:effectClrLst/>
+    <dgm:txLinClrLst/>
+    <dgm:txFillClrLst meth="repeat">
+      <a:schemeClr val="dk1"/>
+    </dgm:txFillClrLst>
+    <dgm:txEffectClrLst/>
+  </dgm:styleLbl>
+  <dgm:styleLbl name="fgAcc3">
+    <dgm:fillClrLst meth="repeat">
+      <a:schemeClr val="lt1">
+        <a:alpha val="90000"/>
+      </a:schemeClr>
+    </dgm:fillClrLst>
+    <dgm:linClrLst meth="repeat">
+      <a:schemeClr val="accent1"/>
+    </dgm:linClrLst>
+    <dgm:effectClrLst/>
+    <dgm:txLinClrLst/>
+    <dgm:txFillClrLst meth="repeat">
+      <a:schemeClr val="dk1"/>
+    </dgm:txFillClrLst>
+    <dgm:txEffectClrLst/>
+  </dgm:styleLbl>
+  <dgm:styleLbl name="fgAcc4">
+    <dgm:fillClrLst meth="repeat">
+      <a:schemeClr val="lt1">
+        <a:alpha val="90000"/>
+      </a:schemeClr>
+    </dgm:fillClrLst>
+    <dgm:linClrLst meth="repeat">
+      <a:schemeClr val="accent1"/>
+    </dgm:linClrLst>
+    <dgm:effectClrLst/>
+    <dgm:txLinClrLst/>
+    <dgm:txFillClrLst meth="repeat">
+      <a:schemeClr val="dk1"/>
+    </dgm:txFillClrLst>
+    <dgm:txEffectClrLst/>
+  </dgm:styleLbl>
+  <dgm:styleLbl name="bgShp">
+    <dgm:fillClrLst meth="repeat">
+      <a:schemeClr val="accent1">
+        <a:tint val="40000"/>
+      </a:schemeClr>
+    </dgm:fillClrLst>
+    <dgm:linClrLst meth="repeat">
+      <a:schemeClr val="accent1"/>
+    </dgm:linClrLst>
+    <dgm:effectClrLst/>
+    <dgm:txLinClrLst/>
+    <dgm:txFillClrLst meth="repeat">
+      <a:schemeClr val="dk1"/>
+    </dgm:txFillClrLst>
+    <dgm:txEffectClrLst/>
+  </dgm:styleLbl>
+  <dgm:styleLbl name="dkBgShp">
+    <dgm:fillClrLst meth="repeat">
+      <a:schemeClr val="accent1">
+        <a:shade val="80000"/>
+      </a:schemeClr>
+    </dgm:fillClrLst>
+    <dgm:linClrLst meth="repeat">
+      <a:schemeClr val="accent1"/>
+    </dgm:linClrLst>
+    <dgm:effectClrLst/>
+    <dgm:txLinClrLst/>
+    <dgm:txFillClrLst meth="repeat">
+      <a:schemeClr val="lt1"/>
+    </dgm:txFillClrLst>
+    <dgm:txEffectClrLst/>
+  </dgm:styleLbl>
+  <dgm:styleLbl name="trBgShp">
+    <dgm:fillClrLst meth="repeat">
+      <a:schemeClr val="accent1">
+        <a:tint val="50000"/>
+        <a:alpha val="40000"/>
+      </a:schemeClr>
+    </dgm:fillClrLst>
+    <dgm:linClrLst meth="repeat">
+      <a:schemeClr val="accent1"/>
+    </dgm:linClrLst>
+    <dgm:effectClrLst/>
+    <dgm:txLinClrLst/>
+    <dgm:txFillClrLst meth="repeat">
+      <a:schemeClr val="lt1"/>
+    </dgm:txFillClrLst>
+    <dgm:txEffectClrLst/>
+  </dgm:styleLbl>
+  <dgm:styleLbl name="fgShp">
+    <dgm:fillClrLst meth="repeat">
+      <a:schemeClr val="accent1">
+        <a:tint val="60000"/>
+      </a:schemeClr>
+    </dgm:fillClrLst>
+    <dgm:linClrLst meth="repeat">
+      <a:schemeClr val="lt1"/>
+    </dgm:linClrLst>
+    <dgm:effectClrLst/>
+    <dgm:txLinClrLst/>
+    <dgm:txFillClrLst meth="repeat">
+      <a:schemeClr val="dk1"/>
+    </dgm:txFillClrLst>
+    <dgm:txEffectClrLst/>
+  </dgm:styleLbl>
+  <dgm:styleLbl name="revTx">
+    <dgm:fillClrLst meth="repeat">
+      <a:schemeClr val="lt1">
+        <a:alpha val="0"/>
+      </a:schemeClr>
+    </dgm:fillClrLst>
+    <dgm:linClrLst meth="repeat">
+      <a:schemeClr val="dk1">
+        <a:alpha val="0"/>
+      </a:schemeClr>
+    </dgm:linClrLst>
+    <dgm:effectClrLst/>
+    <dgm:txLinClrLst/>
+    <dgm:txFillClrLst meth="repeat">
+      <a:schemeClr val="tx1"/>
+    </dgm:txFillClrLst>
+    <dgm:txEffectClrLst/>
+  </dgm:styleLbl>
+</dgm:colorsDef>
+</file>
+
+<file path=ppt/diagrams/colors6.xml><?xml version="1.0" encoding="utf-8"?>
 <dgm:colorsDef xmlns:dgm="http://schemas.openxmlformats.org/drawingml/2006/diagram" xmlns:a="http://schemas.openxmlformats.org/drawingml/2006/main" uniqueId="urn:microsoft.com/office/officeart/2005/8/colors/accent1_2">
   <dgm:title val=""/>
   <dgm:desc val=""/>
@@ -2940,6 +5182,758 @@
             </a:rPr>
             <a:t>Clasificador</a:t>
           </a:r>
+        </a:p>
+      </dgm:t>
+    </dgm:pt>
+    <dgm:pt modelId="{D35ABA41-4F5F-42E9-86E9-2B193A88F700}" type="parTrans" cxnId="{DCC656B9-4313-4FF5-A9B4-A6F690EF2C37}">
+      <dgm:prSet/>
+      <dgm:spPr/>
+      <dgm:t>
+        <a:bodyPr/>
+        <a:lstStyle/>
+        <a:p>
+          <a:endParaRPr lang="es-CO" sz="1000"/>
+        </a:p>
+      </dgm:t>
+    </dgm:pt>
+    <dgm:pt modelId="{2611B249-AF71-463B-8BA5-DE3CB7170945}" type="sibTrans" cxnId="{DCC656B9-4313-4FF5-A9B4-A6F690EF2C37}">
+      <dgm:prSet/>
+      <dgm:spPr/>
+      <dgm:t>
+        <a:bodyPr/>
+        <a:lstStyle/>
+        <a:p>
+          <a:endParaRPr lang="es-CO" sz="1000"/>
+        </a:p>
+      </dgm:t>
+    </dgm:pt>
+    <dgm:pt modelId="{4E8BC56F-03E2-4B2E-99CD-057526CA962C}" type="pres">
+      <dgm:prSet presAssocID="{36A8D03A-44AC-4C63-B978-72E85B6809A5}" presName="Name0" presStyleCnt="0">
+        <dgm:presLayoutVars>
+          <dgm:dir/>
+          <dgm:resizeHandles val="exact"/>
+        </dgm:presLayoutVars>
+      </dgm:prSet>
+      <dgm:spPr/>
+    </dgm:pt>
+    <dgm:pt modelId="{A7910372-D016-44AD-BD92-7CF81AC1A796}" type="pres">
+      <dgm:prSet presAssocID="{367D3AB4-B813-495D-96C6-50DE5BD8A9DF}" presName="parTxOnly" presStyleLbl="node1" presStyleIdx="0" presStyleCnt="3">
+        <dgm:presLayoutVars>
+          <dgm:bulletEnabled val="1"/>
+        </dgm:presLayoutVars>
+      </dgm:prSet>
+      <dgm:spPr/>
+    </dgm:pt>
+    <dgm:pt modelId="{6E921ACE-D49E-4A88-92B5-C30B4CAFE3AB}" type="pres">
+      <dgm:prSet presAssocID="{7F746A2B-1A98-4286-8034-8D7F9AB9F646}" presName="parSpace" presStyleCnt="0"/>
+      <dgm:spPr/>
+    </dgm:pt>
+    <dgm:pt modelId="{EBC7109A-BDAA-4A94-A727-63CD73DE636E}" type="pres">
+      <dgm:prSet presAssocID="{DDB72D9F-CB6B-414D-9FCA-41E855B64197}" presName="parTxOnly" presStyleLbl="node1" presStyleIdx="1" presStyleCnt="3">
+        <dgm:presLayoutVars>
+          <dgm:bulletEnabled val="1"/>
+        </dgm:presLayoutVars>
+      </dgm:prSet>
+      <dgm:spPr/>
+    </dgm:pt>
+    <dgm:pt modelId="{4AAA618C-3EE3-46DD-84ED-6B442FCCE268}" type="pres">
+      <dgm:prSet presAssocID="{357AD67C-1D6D-4BFF-83F2-36D3AF84464F}" presName="parSpace" presStyleCnt="0"/>
+      <dgm:spPr/>
+    </dgm:pt>
+    <dgm:pt modelId="{DB21AF20-3FEA-4EC4-AE83-9AF2AF1144A5}" type="pres">
+      <dgm:prSet presAssocID="{2B31154C-066A-42F8-84A0-B4B76D70940E}" presName="parTxOnly" presStyleLbl="node1" presStyleIdx="2" presStyleCnt="3" custLinFactNeighborX="1494" custLinFactNeighborY="0">
+        <dgm:presLayoutVars>
+          <dgm:bulletEnabled val="1"/>
+        </dgm:presLayoutVars>
+      </dgm:prSet>
+      <dgm:spPr/>
+    </dgm:pt>
+  </dgm:ptLst>
+  <dgm:cxnLst>
+    <dgm:cxn modelId="{612BE431-29D5-4A85-81BD-02FB6881828F}" type="presOf" srcId="{DDB72D9F-CB6B-414D-9FCA-41E855B64197}" destId="{EBC7109A-BDAA-4A94-A727-63CD73DE636E}" srcOrd="0" destOrd="0" presId="urn:microsoft.com/office/officeart/2005/8/layout/hChevron3"/>
+    <dgm:cxn modelId="{1682B672-986E-43B8-ABE6-01EC4A7AA420}" type="presOf" srcId="{367D3AB4-B813-495D-96C6-50DE5BD8A9DF}" destId="{A7910372-D016-44AD-BD92-7CF81AC1A796}" srcOrd="0" destOrd="0" presId="urn:microsoft.com/office/officeart/2005/8/layout/hChevron3"/>
+    <dgm:cxn modelId="{8CF67B81-C59A-4F7F-A08D-0754A4913CB6}" srcId="{36A8D03A-44AC-4C63-B978-72E85B6809A5}" destId="{367D3AB4-B813-495D-96C6-50DE5BD8A9DF}" srcOrd="0" destOrd="0" parTransId="{E13639A0-3EB5-49F3-BDE5-A669B4FF216A}" sibTransId="{7F746A2B-1A98-4286-8034-8D7F9AB9F646}"/>
+    <dgm:cxn modelId="{637F509D-D6F5-4450-B987-B1B5094C6BB8}" type="presOf" srcId="{2B31154C-066A-42F8-84A0-B4B76D70940E}" destId="{DB21AF20-3FEA-4EC4-AE83-9AF2AF1144A5}" srcOrd="0" destOrd="0" presId="urn:microsoft.com/office/officeart/2005/8/layout/hChevron3"/>
+    <dgm:cxn modelId="{DCC656B9-4313-4FF5-A9B4-A6F690EF2C37}" srcId="{36A8D03A-44AC-4C63-B978-72E85B6809A5}" destId="{2B31154C-066A-42F8-84A0-B4B76D70940E}" srcOrd="2" destOrd="0" parTransId="{D35ABA41-4F5F-42E9-86E9-2B193A88F700}" sibTransId="{2611B249-AF71-463B-8BA5-DE3CB7170945}"/>
+    <dgm:cxn modelId="{6EE416ED-1EED-4649-956F-B5D42932DB7E}" srcId="{36A8D03A-44AC-4C63-B978-72E85B6809A5}" destId="{DDB72D9F-CB6B-414D-9FCA-41E855B64197}" srcOrd="1" destOrd="0" parTransId="{640B13A2-19C8-4CAD-95A5-988F3374DBF2}" sibTransId="{357AD67C-1D6D-4BFF-83F2-36D3AF84464F}"/>
+    <dgm:cxn modelId="{FA294BF5-6DE0-43F2-BA6C-5DC19ED011FE}" type="presOf" srcId="{36A8D03A-44AC-4C63-B978-72E85B6809A5}" destId="{4E8BC56F-03E2-4B2E-99CD-057526CA962C}" srcOrd="0" destOrd="0" presId="urn:microsoft.com/office/officeart/2005/8/layout/hChevron3"/>
+    <dgm:cxn modelId="{CCE00884-0BB4-4109-8941-BE713A141F6A}" type="presParOf" srcId="{4E8BC56F-03E2-4B2E-99CD-057526CA962C}" destId="{A7910372-D016-44AD-BD92-7CF81AC1A796}" srcOrd="0" destOrd="0" presId="urn:microsoft.com/office/officeart/2005/8/layout/hChevron3"/>
+    <dgm:cxn modelId="{7EE2E806-9649-4582-9A97-AD9CC8913E01}" type="presParOf" srcId="{4E8BC56F-03E2-4B2E-99CD-057526CA962C}" destId="{6E921ACE-D49E-4A88-92B5-C30B4CAFE3AB}" srcOrd="1" destOrd="0" presId="urn:microsoft.com/office/officeart/2005/8/layout/hChevron3"/>
+    <dgm:cxn modelId="{67398274-2C86-41C0-AD4C-905E64121B44}" type="presParOf" srcId="{4E8BC56F-03E2-4B2E-99CD-057526CA962C}" destId="{EBC7109A-BDAA-4A94-A727-63CD73DE636E}" srcOrd="2" destOrd="0" presId="urn:microsoft.com/office/officeart/2005/8/layout/hChevron3"/>
+    <dgm:cxn modelId="{3848F274-E522-449E-8958-9309182AC6B5}" type="presParOf" srcId="{4E8BC56F-03E2-4B2E-99CD-057526CA962C}" destId="{4AAA618C-3EE3-46DD-84ED-6B442FCCE268}" srcOrd="3" destOrd="0" presId="urn:microsoft.com/office/officeart/2005/8/layout/hChevron3"/>
+    <dgm:cxn modelId="{18DC855B-2702-49EA-B33B-5E767E6CF33E}" type="presParOf" srcId="{4E8BC56F-03E2-4B2E-99CD-057526CA962C}" destId="{DB21AF20-3FEA-4EC4-AE83-9AF2AF1144A5}" srcOrd="4" destOrd="0" presId="urn:microsoft.com/office/officeart/2005/8/layout/hChevron3"/>
+  </dgm:cxnLst>
+  <dgm:bg/>
+  <dgm:whole/>
+  <dgm:extLst>
+    <a:ext uri="http://schemas.microsoft.com/office/drawing/2008/diagram">
+      <dsp:dataModelExt xmlns:dsp="http://schemas.microsoft.com/office/drawing/2008/diagram" relId="rId16" minVer="http://schemas.openxmlformats.org/drawingml/2006/diagram"/>
+    </a:ext>
+    <a:ext uri="{C62137D5-CB1D-491B-B009-E17868A290BF}">
+      <dgm14:recolorImg xmlns:dgm14="http://schemas.microsoft.com/office/drawing/2010/diagram" val="1"/>
+    </a:ext>
+  </dgm:extLst>
+</dgm:dataModel>
+</file>
+
+<file path=ppt/diagrams/data4.xml><?xml version="1.0" encoding="utf-8"?>
+<dgm:dataModel xmlns:dgm="http://schemas.openxmlformats.org/drawingml/2006/diagram" xmlns:a="http://schemas.openxmlformats.org/drawingml/2006/main">
+  <dgm:ptLst>
+    <dgm:pt modelId="{36A8D03A-44AC-4C63-B978-72E85B6809A5}" type="doc">
+      <dgm:prSet loTypeId="urn:microsoft.com/office/officeart/2005/8/layout/hChevron3" loCatId="process" qsTypeId="urn:microsoft.com/office/officeart/2005/8/quickstyle/simple1" qsCatId="simple" csTypeId="urn:microsoft.com/office/officeart/2005/8/colors/accent1_2" csCatId="accent1" phldr="1"/>
+      <dgm:spPr/>
+    </dgm:pt>
+    <dgm:pt modelId="{367D3AB4-B813-495D-96C6-50DE5BD8A9DF}">
+      <dgm:prSet phldrT="[Text]" custT="1"/>
+      <dgm:spPr>
+        <a:solidFill>
+          <a:srgbClr val="F4623A"/>
+        </a:solidFill>
+        <a:ln>
+          <a:solidFill>
+            <a:srgbClr val="F4623A"/>
+          </a:solidFill>
+        </a:ln>
+      </dgm:spPr>
+      <dgm:t>
+        <a:bodyPr/>
+        <a:lstStyle/>
+        <a:p>
+          <a:r>
+            <a:rPr lang="es-CO" sz="1000" dirty="0">
+              <a:latin typeface="Arial" panose="020B0604020202020204" pitchFamily="34" charset="0"/>
+              <a:cs typeface="Arial" panose="020B0604020202020204" pitchFamily="34" charset="0"/>
+            </a:rPr>
+            <a:t>Dimensional </a:t>
+          </a:r>
+          <a:r>
+            <a:rPr lang="es-CO" sz="1000" dirty="0" err="1">
+              <a:latin typeface="Arial" panose="020B0604020202020204" pitchFamily="34" charset="0"/>
+              <a:cs typeface="Arial" panose="020B0604020202020204" pitchFamily="34" charset="0"/>
+            </a:rPr>
+            <a:t>Reduction</a:t>
+          </a:r>
+          <a:endParaRPr lang="es-CO" sz="1000" dirty="0">
+            <a:latin typeface="Arial" panose="020B0604020202020204" pitchFamily="34" charset="0"/>
+            <a:cs typeface="Arial" panose="020B0604020202020204" pitchFamily="34" charset="0"/>
+          </a:endParaRPr>
+        </a:p>
+      </dgm:t>
+    </dgm:pt>
+    <dgm:pt modelId="{E13639A0-3EB5-49F3-BDE5-A669B4FF216A}" type="parTrans" cxnId="{8CF67B81-C59A-4F7F-A08D-0754A4913CB6}">
+      <dgm:prSet/>
+      <dgm:spPr/>
+      <dgm:t>
+        <a:bodyPr/>
+        <a:lstStyle/>
+        <a:p>
+          <a:endParaRPr lang="es-CO" sz="1000"/>
+        </a:p>
+      </dgm:t>
+    </dgm:pt>
+    <dgm:pt modelId="{7F746A2B-1A98-4286-8034-8D7F9AB9F646}" type="sibTrans" cxnId="{8CF67B81-C59A-4F7F-A08D-0754A4913CB6}">
+      <dgm:prSet/>
+      <dgm:spPr/>
+      <dgm:t>
+        <a:bodyPr/>
+        <a:lstStyle/>
+        <a:p>
+          <a:endParaRPr lang="es-CO" sz="1000"/>
+        </a:p>
+      </dgm:t>
+    </dgm:pt>
+    <dgm:pt modelId="{DDB72D9F-CB6B-414D-9FCA-41E855B64197}">
+      <dgm:prSet phldrT="[Text]" custT="1"/>
+      <dgm:spPr>
+        <a:solidFill>
+          <a:schemeClr val="accent2">
+            <a:lumMod val="20000"/>
+            <a:lumOff val="80000"/>
+          </a:schemeClr>
+        </a:solidFill>
+        <a:ln>
+          <a:solidFill>
+            <a:schemeClr val="accent2">
+              <a:lumMod val="75000"/>
+            </a:schemeClr>
+          </a:solidFill>
+        </a:ln>
+      </dgm:spPr>
+      <dgm:t>
+        <a:bodyPr/>
+        <a:lstStyle/>
+        <a:p>
+          <a:r>
+            <a:rPr lang="es-CO" sz="1000" dirty="0" err="1">
+              <a:latin typeface="Arial" panose="020B0604020202020204" pitchFamily="34" charset="0"/>
+              <a:cs typeface="Arial" panose="020B0604020202020204" pitchFamily="34" charset="0"/>
+            </a:rPr>
+            <a:t>Feature</a:t>
+          </a:r>
+          <a:r>
+            <a:rPr lang="es-CO" sz="1000" dirty="0">
+              <a:latin typeface="Arial" panose="020B0604020202020204" pitchFamily="34" charset="0"/>
+              <a:cs typeface="Arial" panose="020B0604020202020204" pitchFamily="34" charset="0"/>
+            </a:rPr>
+            <a:t> </a:t>
+          </a:r>
+          <a:r>
+            <a:rPr lang="es-CO" sz="1000" dirty="0" err="1">
+              <a:latin typeface="Arial" panose="020B0604020202020204" pitchFamily="34" charset="0"/>
+              <a:cs typeface="Arial" panose="020B0604020202020204" pitchFamily="34" charset="0"/>
+            </a:rPr>
+            <a:t>Extraction</a:t>
+          </a:r>
+          <a:endParaRPr lang="es-CO" sz="1000" dirty="0">
+            <a:latin typeface="Arial" panose="020B0604020202020204" pitchFamily="34" charset="0"/>
+            <a:cs typeface="Arial" panose="020B0604020202020204" pitchFamily="34" charset="0"/>
+          </a:endParaRPr>
+        </a:p>
+      </dgm:t>
+    </dgm:pt>
+    <dgm:pt modelId="{640B13A2-19C8-4CAD-95A5-988F3374DBF2}" type="parTrans" cxnId="{6EE416ED-1EED-4649-956F-B5D42932DB7E}">
+      <dgm:prSet/>
+      <dgm:spPr/>
+      <dgm:t>
+        <a:bodyPr/>
+        <a:lstStyle/>
+        <a:p>
+          <a:endParaRPr lang="es-CO" sz="1000"/>
+        </a:p>
+      </dgm:t>
+    </dgm:pt>
+    <dgm:pt modelId="{357AD67C-1D6D-4BFF-83F2-36D3AF84464F}" type="sibTrans" cxnId="{6EE416ED-1EED-4649-956F-B5D42932DB7E}">
+      <dgm:prSet/>
+      <dgm:spPr/>
+      <dgm:t>
+        <a:bodyPr/>
+        <a:lstStyle/>
+        <a:p>
+          <a:endParaRPr lang="es-CO" sz="1000"/>
+        </a:p>
+      </dgm:t>
+    </dgm:pt>
+    <dgm:pt modelId="{2B31154C-066A-42F8-84A0-B4B76D70940E}">
+      <dgm:prSet phldrT="[Text]" custT="1"/>
+      <dgm:spPr>
+        <a:solidFill>
+          <a:schemeClr val="accent2">
+            <a:lumMod val="20000"/>
+            <a:lumOff val="80000"/>
+          </a:schemeClr>
+        </a:solidFill>
+        <a:ln>
+          <a:solidFill>
+            <a:schemeClr val="accent2">
+              <a:lumMod val="75000"/>
+            </a:schemeClr>
+          </a:solidFill>
+        </a:ln>
+      </dgm:spPr>
+      <dgm:t>
+        <a:bodyPr/>
+        <a:lstStyle/>
+        <a:p>
+          <a:r>
+            <a:rPr lang="es-CO" sz="1000" dirty="0" err="1">
+              <a:latin typeface="Arial" panose="020B0604020202020204" pitchFamily="34" charset="0"/>
+              <a:cs typeface="Arial" panose="020B0604020202020204" pitchFamily="34" charset="0"/>
+            </a:rPr>
+            <a:t>Classifier</a:t>
+          </a:r>
+          <a:endParaRPr lang="es-CO" sz="1000" dirty="0">
+            <a:latin typeface="Arial" panose="020B0604020202020204" pitchFamily="34" charset="0"/>
+            <a:cs typeface="Arial" panose="020B0604020202020204" pitchFamily="34" charset="0"/>
+          </a:endParaRPr>
+        </a:p>
+      </dgm:t>
+    </dgm:pt>
+    <dgm:pt modelId="{D35ABA41-4F5F-42E9-86E9-2B193A88F700}" type="parTrans" cxnId="{DCC656B9-4313-4FF5-A9B4-A6F690EF2C37}">
+      <dgm:prSet/>
+      <dgm:spPr/>
+      <dgm:t>
+        <a:bodyPr/>
+        <a:lstStyle/>
+        <a:p>
+          <a:endParaRPr lang="es-CO" sz="1000"/>
+        </a:p>
+      </dgm:t>
+    </dgm:pt>
+    <dgm:pt modelId="{2611B249-AF71-463B-8BA5-DE3CB7170945}" type="sibTrans" cxnId="{DCC656B9-4313-4FF5-A9B4-A6F690EF2C37}">
+      <dgm:prSet/>
+      <dgm:spPr/>
+      <dgm:t>
+        <a:bodyPr/>
+        <a:lstStyle/>
+        <a:p>
+          <a:endParaRPr lang="es-CO" sz="1000"/>
+        </a:p>
+      </dgm:t>
+    </dgm:pt>
+    <dgm:pt modelId="{4E8BC56F-03E2-4B2E-99CD-057526CA962C}" type="pres">
+      <dgm:prSet presAssocID="{36A8D03A-44AC-4C63-B978-72E85B6809A5}" presName="Name0" presStyleCnt="0">
+        <dgm:presLayoutVars>
+          <dgm:dir/>
+          <dgm:resizeHandles val="exact"/>
+        </dgm:presLayoutVars>
+      </dgm:prSet>
+      <dgm:spPr/>
+    </dgm:pt>
+    <dgm:pt modelId="{A7910372-D016-44AD-BD92-7CF81AC1A796}" type="pres">
+      <dgm:prSet presAssocID="{367D3AB4-B813-495D-96C6-50DE5BD8A9DF}" presName="parTxOnly" presStyleLbl="node1" presStyleIdx="0" presStyleCnt="3">
+        <dgm:presLayoutVars>
+          <dgm:bulletEnabled val="1"/>
+        </dgm:presLayoutVars>
+      </dgm:prSet>
+      <dgm:spPr/>
+    </dgm:pt>
+    <dgm:pt modelId="{6E921ACE-D49E-4A88-92B5-C30B4CAFE3AB}" type="pres">
+      <dgm:prSet presAssocID="{7F746A2B-1A98-4286-8034-8D7F9AB9F646}" presName="parSpace" presStyleCnt="0"/>
+      <dgm:spPr/>
+    </dgm:pt>
+    <dgm:pt modelId="{EBC7109A-BDAA-4A94-A727-63CD73DE636E}" type="pres">
+      <dgm:prSet presAssocID="{DDB72D9F-CB6B-414D-9FCA-41E855B64197}" presName="parTxOnly" presStyleLbl="node1" presStyleIdx="1" presStyleCnt="3">
+        <dgm:presLayoutVars>
+          <dgm:bulletEnabled val="1"/>
+        </dgm:presLayoutVars>
+      </dgm:prSet>
+      <dgm:spPr/>
+    </dgm:pt>
+    <dgm:pt modelId="{4AAA618C-3EE3-46DD-84ED-6B442FCCE268}" type="pres">
+      <dgm:prSet presAssocID="{357AD67C-1D6D-4BFF-83F2-36D3AF84464F}" presName="parSpace" presStyleCnt="0"/>
+      <dgm:spPr/>
+    </dgm:pt>
+    <dgm:pt modelId="{DB21AF20-3FEA-4EC4-AE83-9AF2AF1144A5}" type="pres">
+      <dgm:prSet presAssocID="{2B31154C-066A-42F8-84A0-B4B76D70940E}" presName="parTxOnly" presStyleLbl="node1" presStyleIdx="2" presStyleCnt="3" custLinFactNeighborX="1494" custLinFactNeighborY="0">
+        <dgm:presLayoutVars>
+          <dgm:bulletEnabled val="1"/>
+        </dgm:presLayoutVars>
+      </dgm:prSet>
+      <dgm:spPr/>
+    </dgm:pt>
+  </dgm:ptLst>
+  <dgm:cxnLst>
+    <dgm:cxn modelId="{612BE431-29D5-4A85-81BD-02FB6881828F}" type="presOf" srcId="{DDB72D9F-CB6B-414D-9FCA-41E855B64197}" destId="{EBC7109A-BDAA-4A94-A727-63CD73DE636E}" srcOrd="0" destOrd="0" presId="urn:microsoft.com/office/officeart/2005/8/layout/hChevron3"/>
+    <dgm:cxn modelId="{1682B672-986E-43B8-ABE6-01EC4A7AA420}" type="presOf" srcId="{367D3AB4-B813-495D-96C6-50DE5BD8A9DF}" destId="{A7910372-D016-44AD-BD92-7CF81AC1A796}" srcOrd="0" destOrd="0" presId="urn:microsoft.com/office/officeart/2005/8/layout/hChevron3"/>
+    <dgm:cxn modelId="{8CF67B81-C59A-4F7F-A08D-0754A4913CB6}" srcId="{36A8D03A-44AC-4C63-B978-72E85B6809A5}" destId="{367D3AB4-B813-495D-96C6-50DE5BD8A9DF}" srcOrd="0" destOrd="0" parTransId="{E13639A0-3EB5-49F3-BDE5-A669B4FF216A}" sibTransId="{7F746A2B-1A98-4286-8034-8D7F9AB9F646}"/>
+    <dgm:cxn modelId="{637F509D-D6F5-4450-B987-B1B5094C6BB8}" type="presOf" srcId="{2B31154C-066A-42F8-84A0-B4B76D70940E}" destId="{DB21AF20-3FEA-4EC4-AE83-9AF2AF1144A5}" srcOrd="0" destOrd="0" presId="urn:microsoft.com/office/officeart/2005/8/layout/hChevron3"/>
+    <dgm:cxn modelId="{DCC656B9-4313-4FF5-A9B4-A6F690EF2C37}" srcId="{36A8D03A-44AC-4C63-B978-72E85B6809A5}" destId="{2B31154C-066A-42F8-84A0-B4B76D70940E}" srcOrd="2" destOrd="0" parTransId="{D35ABA41-4F5F-42E9-86E9-2B193A88F700}" sibTransId="{2611B249-AF71-463B-8BA5-DE3CB7170945}"/>
+    <dgm:cxn modelId="{6EE416ED-1EED-4649-956F-B5D42932DB7E}" srcId="{36A8D03A-44AC-4C63-B978-72E85B6809A5}" destId="{DDB72D9F-CB6B-414D-9FCA-41E855B64197}" srcOrd="1" destOrd="0" parTransId="{640B13A2-19C8-4CAD-95A5-988F3374DBF2}" sibTransId="{357AD67C-1D6D-4BFF-83F2-36D3AF84464F}"/>
+    <dgm:cxn modelId="{FA294BF5-6DE0-43F2-BA6C-5DC19ED011FE}" type="presOf" srcId="{36A8D03A-44AC-4C63-B978-72E85B6809A5}" destId="{4E8BC56F-03E2-4B2E-99CD-057526CA962C}" srcOrd="0" destOrd="0" presId="urn:microsoft.com/office/officeart/2005/8/layout/hChevron3"/>
+    <dgm:cxn modelId="{CCE00884-0BB4-4109-8941-BE713A141F6A}" type="presParOf" srcId="{4E8BC56F-03E2-4B2E-99CD-057526CA962C}" destId="{A7910372-D016-44AD-BD92-7CF81AC1A796}" srcOrd="0" destOrd="0" presId="urn:microsoft.com/office/officeart/2005/8/layout/hChevron3"/>
+    <dgm:cxn modelId="{7EE2E806-9649-4582-9A97-AD9CC8913E01}" type="presParOf" srcId="{4E8BC56F-03E2-4B2E-99CD-057526CA962C}" destId="{6E921ACE-D49E-4A88-92B5-C30B4CAFE3AB}" srcOrd="1" destOrd="0" presId="urn:microsoft.com/office/officeart/2005/8/layout/hChevron3"/>
+    <dgm:cxn modelId="{67398274-2C86-41C0-AD4C-905E64121B44}" type="presParOf" srcId="{4E8BC56F-03E2-4B2E-99CD-057526CA962C}" destId="{EBC7109A-BDAA-4A94-A727-63CD73DE636E}" srcOrd="2" destOrd="0" presId="urn:microsoft.com/office/officeart/2005/8/layout/hChevron3"/>
+    <dgm:cxn modelId="{3848F274-E522-449E-8958-9309182AC6B5}" type="presParOf" srcId="{4E8BC56F-03E2-4B2E-99CD-057526CA962C}" destId="{4AAA618C-3EE3-46DD-84ED-6B442FCCE268}" srcOrd="3" destOrd="0" presId="urn:microsoft.com/office/officeart/2005/8/layout/hChevron3"/>
+    <dgm:cxn modelId="{18DC855B-2702-49EA-B33B-5E767E6CF33E}" type="presParOf" srcId="{4E8BC56F-03E2-4B2E-99CD-057526CA962C}" destId="{DB21AF20-3FEA-4EC4-AE83-9AF2AF1144A5}" srcOrd="4" destOrd="0" presId="urn:microsoft.com/office/officeart/2005/8/layout/hChevron3"/>
+  </dgm:cxnLst>
+  <dgm:bg/>
+  <dgm:whole/>
+  <dgm:extLst>
+    <a:ext uri="http://schemas.microsoft.com/office/drawing/2008/diagram">
+      <dsp:dataModelExt xmlns:dsp="http://schemas.microsoft.com/office/drawing/2008/diagram" relId="rId6" minVer="http://schemas.openxmlformats.org/drawingml/2006/diagram"/>
+    </a:ext>
+    <a:ext uri="{C62137D5-CB1D-491B-B009-E17868A290BF}">
+      <dgm14:recolorImg xmlns:dgm14="http://schemas.microsoft.com/office/drawing/2010/diagram" val="1"/>
+    </a:ext>
+  </dgm:extLst>
+</dgm:dataModel>
+</file>
+
+<file path=ppt/diagrams/data5.xml><?xml version="1.0" encoding="utf-8"?>
+<dgm:dataModel xmlns:dgm="http://schemas.openxmlformats.org/drawingml/2006/diagram" xmlns:a="http://schemas.openxmlformats.org/drawingml/2006/main">
+  <dgm:ptLst>
+    <dgm:pt modelId="{36A8D03A-44AC-4C63-B978-72E85B6809A5}" type="doc">
+      <dgm:prSet loTypeId="urn:microsoft.com/office/officeart/2005/8/layout/hChevron3" loCatId="process" qsTypeId="urn:microsoft.com/office/officeart/2005/8/quickstyle/simple1" qsCatId="simple" csTypeId="urn:microsoft.com/office/officeart/2005/8/colors/accent1_2" csCatId="accent1" phldr="1"/>
+      <dgm:spPr/>
+    </dgm:pt>
+    <dgm:pt modelId="{367D3AB4-B813-495D-96C6-50DE5BD8A9DF}">
+      <dgm:prSet phldrT="[Text]" custT="1"/>
+      <dgm:spPr>
+        <a:solidFill>
+          <a:srgbClr val="F4623A"/>
+        </a:solidFill>
+        <a:ln>
+          <a:solidFill>
+            <a:srgbClr val="F4623A"/>
+          </a:solidFill>
+        </a:ln>
+      </dgm:spPr>
+      <dgm:t>
+        <a:bodyPr/>
+        <a:lstStyle/>
+        <a:p>
+          <a:r>
+            <a:rPr lang="es-CO" sz="1000" dirty="0">
+              <a:latin typeface="Arial" panose="020B0604020202020204" pitchFamily="34" charset="0"/>
+              <a:cs typeface="Arial" panose="020B0604020202020204" pitchFamily="34" charset="0"/>
+            </a:rPr>
+            <a:t>Dimensional </a:t>
+          </a:r>
+          <a:r>
+            <a:rPr lang="es-CO" sz="1000" dirty="0" err="1">
+              <a:latin typeface="Arial" panose="020B0604020202020204" pitchFamily="34" charset="0"/>
+              <a:cs typeface="Arial" panose="020B0604020202020204" pitchFamily="34" charset="0"/>
+            </a:rPr>
+            <a:t>Reduction</a:t>
+          </a:r>
+          <a:endParaRPr lang="es-CO" sz="1000" dirty="0">
+            <a:latin typeface="Arial" panose="020B0604020202020204" pitchFamily="34" charset="0"/>
+            <a:cs typeface="Arial" panose="020B0604020202020204" pitchFamily="34" charset="0"/>
+          </a:endParaRPr>
+        </a:p>
+      </dgm:t>
+    </dgm:pt>
+    <dgm:pt modelId="{E13639A0-3EB5-49F3-BDE5-A669B4FF216A}" type="parTrans" cxnId="{8CF67B81-C59A-4F7F-A08D-0754A4913CB6}">
+      <dgm:prSet/>
+      <dgm:spPr/>
+      <dgm:t>
+        <a:bodyPr/>
+        <a:lstStyle/>
+        <a:p>
+          <a:endParaRPr lang="es-CO" sz="1000"/>
+        </a:p>
+      </dgm:t>
+    </dgm:pt>
+    <dgm:pt modelId="{7F746A2B-1A98-4286-8034-8D7F9AB9F646}" type="sibTrans" cxnId="{8CF67B81-C59A-4F7F-A08D-0754A4913CB6}">
+      <dgm:prSet/>
+      <dgm:spPr/>
+      <dgm:t>
+        <a:bodyPr/>
+        <a:lstStyle/>
+        <a:p>
+          <a:endParaRPr lang="es-CO" sz="1000"/>
+        </a:p>
+      </dgm:t>
+    </dgm:pt>
+    <dgm:pt modelId="{DDB72D9F-CB6B-414D-9FCA-41E855B64197}">
+      <dgm:prSet phldrT="[Text]" custT="1"/>
+      <dgm:spPr>
+        <a:solidFill>
+          <a:srgbClr val="F4623A"/>
+        </a:solidFill>
+        <a:ln>
+          <a:solidFill>
+            <a:schemeClr val="accent2">
+              <a:lumMod val="75000"/>
+            </a:schemeClr>
+          </a:solidFill>
+        </a:ln>
+      </dgm:spPr>
+      <dgm:t>
+        <a:bodyPr/>
+        <a:lstStyle/>
+        <a:p>
+          <a:r>
+            <a:rPr lang="es-CO" sz="1000">
+              <a:latin typeface="Arial" panose="020B0604020202020204" pitchFamily="34" charset="0"/>
+              <a:cs typeface="Arial" panose="020B0604020202020204" pitchFamily="34" charset="0"/>
+            </a:rPr>
+            <a:t>Feature Extraction</a:t>
+          </a:r>
+          <a:endParaRPr lang="es-CO" sz="1000" dirty="0">
+            <a:latin typeface="Arial" panose="020B0604020202020204" pitchFamily="34" charset="0"/>
+            <a:cs typeface="Arial" panose="020B0604020202020204" pitchFamily="34" charset="0"/>
+          </a:endParaRPr>
+        </a:p>
+      </dgm:t>
+    </dgm:pt>
+    <dgm:pt modelId="{640B13A2-19C8-4CAD-95A5-988F3374DBF2}" type="parTrans" cxnId="{6EE416ED-1EED-4649-956F-B5D42932DB7E}">
+      <dgm:prSet/>
+      <dgm:spPr/>
+      <dgm:t>
+        <a:bodyPr/>
+        <a:lstStyle/>
+        <a:p>
+          <a:endParaRPr lang="es-CO" sz="1000"/>
+        </a:p>
+      </dgm:t>
+    </dgm:pt>
+    <dgm:pt modelId="{357AD67C-1D6D-4BFF-83F2-36D3AF84464F}" type="sibTrans" cxnId="{6EE416ED-1EED-4649-956F-B5D42932DB7E}">
+      <dgm:prSet/>
+      <dgm:spPr/>
+      <dgm:t>
+        <a:bodyPr/>
+        <a:lstStyle/>
+        <a:p>
+          <a:endParaRPr lang="es-CO" sz="1000"/>
+        </a:p>
+      </dgm:t>
+    </dgm:pt>
+    <dgm:pt modelId="{2B31154C-066A-42F8-84A0-B4B76D70940E}">
+      <dgm:prSet phldrT="[Text]" custT="1"/>
+      <dgm:spPr>
+        <a:solidFill>
+          <a:schemeClr val="accent2">
+            <a:lumMod val="20000"/>
+            <a:lumOff val="80000"/>
+          </a:schemeClr>
+        </a:solidFill>
+        <a:ln>
+          <a:solidFill>
+            <a:schemeClr val="accent2">
+              <a:lumMod val="75000"/>
+            </a:schemeClr>
+          </a:solidFill>
+        </a:ln>
+      </dgm:spPr>
+      <dgm:t>
+        <a:bodyPr/>
+        <a:lstStyle/>
+        <a:p>
+          <a:r>
+            <a:rPr lang="es-CO" sz="1000">
+              <a:latin typeface="Arial" panose="020B0604020202020204" pitchFamily="34" charset="0"/>
+              <a:cs typeface="Arial" panose="020B0604020202020204" pitchFamily="34" charset="0"/>
+            </a:rPr>
+            <a:t>Classifier</a:t>
+          </a:r>
+          <a:endParaRPr lang="es-CO" sz="1000" dirty="0">
+            <a:latin typeface="Arial" panose="020B0604020202020204" pitchFamily="34" charset="0"/>
+            <a:cs typeface="Arial" panose="020B0604020202020204" pitchFamily="34" charset="0"/>
+          </a:endParaRPr>
+        </a:p>
+      </dgm:t>
+    </dgm:pt>
+    <dgm:pt modelId="{D35ABA41-4F5F-42E9-86E9-2B193A88F700}" type="parTrans" cxnId="{DCC656B9-4313-4FF5-A9B4-A6F690EF2C37}">
+      <dgm:prSet/>
+      <dgm:spPr/>
+      <dgm:t>
+        <a:bodyPr/>
+        <a:lstStyle/>
+        <a:p>
+          <a:endParaRPr lang="es-CO" sz="1000"/>
+        </a:p>
+      </dgm:t>
+    </dgm:pt>
+    <dgm:pt modelId="{2611B249-AF71-463B-8BA5-DE3CB7170945}" type="sibTrans" cxnId="{DCC656B9-4313-4FF5-A9B4-A6F690EF2C37}">
+      <dgm:prSet/>
+      <dgm:spPr/>
+      <dgm:t>
+        <a:bodyPr/>
+        <a:lstStyle/>
+        <a:p>
+          <a:endParaRPr lang="es-CO" sz="1000"/>
+        </a:p>
+      </dgm:t>
+    </dgm:pt>
+    <dgm:pt modelId="{4E8BC56F-03E2-4B2E-99CD-057526CA962C}" type="pres">
+      <dgm:prSet presAssocID="{36A8D03A-44AC-4C63-B978-72E85B6809A5}" presName="Name0" presStyleCnt="0">
+        <dgm:presLayoutVars>
+          <dgm:dir/>
+          <dgm:resizeHandles val="exact"/>
+        </dgm:presLayoutVars>
+      </dgm:prSet>
+      <dgm:spPr/>
+    </dgm:pt>
+    <dgm:pt modelId="{A7910372-D016-44AD-BD92-7CF81AC1A796}" type="pres">
+      <dgm:prSet presAssocID="{367D3AB4-B813-495D-96C6-50DE5BD8A9DF}" presName="parTxOnly" presStyleLbl="node1" presStyleIdx="0" presStyleCnt="3">
+        <dgm:presLayoutVars>
+          <dgm:bulletEnabled val="1"/>
+        </dgm:presLayoutVars>
+      </dgm:prSet>
+      <dgm:spPr/>
+    </dgm:pt>
+    <dgm:pt modelId="{6E921ACE-D49E-4A88-92B5-C30B4CAFE3AB}" type="pres">
+      <dgm:prSet presAssocID="{7F746A2B-1A98-4286-8034-8D7F9AB9F646}" presName="parSpace" presStyleCnt="0"/>
+      <dgm:spPr/>
+    </dgm:pt>
+    <dgm:pt modelId="{EBC7109A-BDAA-4A94-A727-63CD73DE636E}" type="pres">
+      <dgm:prSet presAssocID="{DDB72D9F-CB6B-414D-9FCA-41E855B64197}" presName="parTxOnly" presStyleLbl="node1" presStyleIdx="1" presStyleCnt="3">
+        <dgm:presLayoutVars>
+          <dgm:bulletEnabled val="1"/>
+        </dgm:presLayoutVars>
+      </dgm:prSet>
+      <dgm:spPr/>
+    </dgm:pt>
+    <dgm:pt modelId="{4AAA618C-3EE3-46DD-84ED-6B442FCCE268}" type="pres">
+      <dgm:prSet presAssocID="{357AD67C-1D6D-4BFF-83F2-36D3AF84464F}" presName="parSpace" presStyleCnt="0"/>
+      <dgm:spPr/>
+    </dgm:pt>
+    <dgm:pt modelId="{DB21AF20-3FEA-4EC4-AE83-9AF2AF1144A5}" type="pres">
+      <dgm:prSet presAssocID="{2B31154C-066A-42F8-84A0-B4B76D70940E}" presName="parTxOnly" presStyleLbl="node1" presStyleIdx="2" presStyleCnt="3" custLinFactNeighborX="1494" custLinFactNeighborY="0">
+        <dgm:presLayoutVars>
+          <dgm:bulletEnabled val="1"/>
+        </dgm:presLayoutVars>
+      </dgm:prSet>
+      <dgm:spPr/>
+    </dgm:pt>
+  </dgm:ptLst>
+  <dgm:cxnLst>
+    <dgm:cxn modelId="{612BE431-29D5-4A85-81BD-02FB6881828F}" type="presOf" srcId="{DDB72D9F-CB6B-414D-9FCA-41E855B64197}" destId="{EBC7109A-BDAA-4A94-A727-63CD73DE636E}" srcOrd="0" destOrd="0" presId="urn:microsoft.com/office/officeart/2005/8/layout/hChevron3"/>
+    <dgm:cxn modelId="{1682B672-986E-43B8-ABE6-01EC4A7AA420}" type="presOf" srcId="{367D3AB4-B813-495D-96C6-50DE5BD8A9DF}" destId="{A7910372-D016-44AD-BD92-7CF81AC1A796}" srcOrd="0" destOrd="0" presId="urn:microsoft.com/office/officeart/2005/8/layout/hChevron3"/>
+    <dgm:cxn modelId="{8CF67B81-C59A-4F7F-A08D-0754A4913CB6}" srcId="{36A8D03A-44AC-4C63-B978-72E85B6809A5}" destId="{367D3AB4-B813-495D-96C6-50DE5BD8A9DF}" srcOrd="0" destOrd="0" parTransId="{E13639A0-3EB5-49F3-BDE5-A669B4FF216A}" sibTransId="{7F746A2B-1A98-4286-8034-8D7F9AB9F646}"/>
+    <dgm:cxn modelId="{637F509D-D6F5-4450-B987-B1B5094C6BB8}" type="presOf" srcId="{2B31154C-066A-42F8-84A0-B4B76D70940E}" destId="{DB21AF20-3FEA-4EC4-AE83-9AF2AF1144A5}" srcOrd="0" destOrd="0" presId="urn:microsoft.com/office/officeart/2005/8/layout/hChevron3"/>
+    <dgm:cxn modelId="{DCC656B9-4313-4FF5-A9B4-A6F690EF2C37}" srcId="{36A8D03A-44AC-4C63-B978-72E85B6809A5}" destId="{2B31154C-066A-42F8-84A0-B4B76D70940E}" srcOrd="2" destOrd="0" parTransId="{D35ABA41-4F5F-42E9-86E9-2B193A88F700}" sibTransId="{2611B249-AF71-463B-8BA5-DE3CB7170945}"/>
+    <dgm:cxn modelId="{6EE416ED-1EED-4649-956F-B5D42932DB7E}" srcId="{36A8D03A-44AC-4C63-B978-72E85B6809A5}" destId="{DDB72D9F-CB6B-414D-9FCA-41E855B64197}" srcOrd="1" destOrd="0" parTransId="{640B13A2-19C8-4CAD-95A5-988F3374DBF2}" sibTransId="{357AD67C-1D6D-4BFF-83F2-36D3AF84464F}"/>
+    <dgm:cxn modelId="{FA294BF5-6DE0-43F2-BA6C-5DC19ED011FE}" type="presOf" srcId="{36A8D03A-44AC-4C63-B978-72E85B6809A5}" destId="{4E8BC56F-03E2-4B2E-99CD-057526CA962C}" srcOrd="0" destOrd="0" presId="urn:microsoft.com/office/officeart/2005/8/layout/hChevron3"/>
+    <dgm:cxn modelId="{CCE00884-0BB4-4109-8941-BE713A141F6A}" type="presParOf" srcId="{4E8BC56F-03E2-4B2E-99CD-057526CA962C}" destId="{A7910372-D016-44AD-BD92-7CF81AC1A796}" srcOrd="0" destOrd="0" presId="urn:microsoft.com/office/officeart/2005/8/layout/hChevron3"/>
+    <dgm:cxn modelId="{7EE2E806-9649-4582-9A97-AD9CC8913E01}" type="presParOf" srcId="{4E8BC56F-03E2-4B2E-99CD-057526CA962C}" destId="{6E921ACE-D49E-4A88-92B5-C30B4CAFE3AB}" srcOrd="1" destOrd="0" presId="urn:microsoft.com/office/officeart/2005/8/layout/hChevron3"/>
+    <dgm:cxn modelId="{67398274-2C86-41C0-AD4C-905E64121B44}" type="presParOf" srcId="{4E8BC56F-03E2-4B2E-99CD-057526CA962C}" destId="{EBC7109A-BDAA-4A94-A727-63CD73DE636E}" srcOrd="2" destOrd="0" presId="urn:microsoft.com/office/officeart/2005/8/layout/hChevron3"/>
+    <dgm:cxn modelId="{3848F274-E522-449E-8958-9309182AC6B5}" type="presParOf" srcId="{4E8BC56F-03E2-4B2E-99CD-057526CA962C}" destId="{4AAA618C-3EE3-46DD-84ED-6B442FCCE268}" srcOrd="3" destOrd="0" presId="urn:microsoft.com/office/officeart/2005/8/layout/hChevron3"/>
+    <dgm:cxn modelId="{18DC855B-2702-49EA-B33B-5E767E6CF33E}" type="presParOf" srcId="{4E8BC56F-03E2-4B2E-99CD-057526CA962C}" destId="{DB21AF20-3FEA-4EC4-AE83-9AF2AF1144A5}" srcOrd="4" destOrd="0" presId="urn:microsoft.com/office/officeart/2005/8/layout/hChevron3"/>
+  </dgm:cxnLst>
+  <dgm:bg/>
+  <dgm:whole/>
+  <dgm:extLst>
+    <a:ext uri="http://schemas.microsoft.com/office/drawing/2008/diagram">
+      <dsp:dataModelExt xmlns:dsp="http://schemas.microsoft.com/office/drawing/2008/diagram" relId="rId11" minVer="http://schemas.openxmlformats.org/drawingml/2006/diagram"/>
+    </a:ext>
+    <a:ext uri="{C62137D5-CB1D-491B-B009-E17868A290BF}">
+      <dgm14:recolorImg xmlns:dgm14="http://schemas.microsoft.com/office/drawing/2010/diagram" val="1"/>
+    </a:ext>
+  </dgm:extLst>
+</dgm:dataModel>
+</file>
+
+<file path=ppt/diagrams/data6.xml><?xml version="1.0" encoding="utf-8"?>
+<dgm:dataModel xmlns:dgm="http://schemas.openxmlformats.org/drawingml/2006/diagram" xmlns:a="http://schemas.openxmlformats.org/drawingml/2006/main">
+  <dgm:ptLst>
+    <dgm:pt modelId="{36A8D03A-44AC-4C63-B978-72E85B6809A5}" type="doc">
+      <dgm:prSet loTypeId="urn:microsoft.com/office/officeart/2005/8/layout/hChevron3" loCatId="process" qsTypeId="urn:microsoft.com/office/officeart/2005/8/quickstyle/simple1" qsCatId="simple" csTypeId="urn:microsoft.com/office/officeart/2005/8/colors/accent1_2" csCatId="accent1" phldr="1"/>
+      <dgm:spPr/>
+    </dgm:pt>
+    <dgm:pt modelId="{367D3AB4-B813-495D-96C6-50DE5BD8A9DF}">
+      <dgm:prSet phldrT="[Text]" custT="1"/>
+      <dgm:spPr>
+        <a:solidFill>
+          <a:srgbClr val="F4623A"/>
+        </a:solidFill>
+        <a:ln>
+          <a:solidFill>
+            <a:srgbClr val="F4623A"/>
+          </a:solidFill>
+        </a:ln>
+      </dgm:spPr>
+      <dgm:t>
+        <a:bodyPr/>
+        <a:lstStyle/>
+        <a:p>
+          <a:r>
+            <a:rPr lang="es-CO" sz="1000" dirty="0">
+              <a:latin typeface="Arial" panose="020B0604020202020204" pitchFamily="34" charset="0"/>
+              <a:cs typeface="Arial" panose="020B0604020202020204" pitchFamily="34" charset="0"/>
+            </a:rPr>
+            <a:t>Dimensional </a:t>
+          </a:r>
+          <a:r>
+            <a:rPr lang="es-CO" sz="1000" dirty="0" err="1">
+              <a:latin typeface="Arial" panose="020B0604020202020204" pitchFamily="34" charset="0"/>
+              <a:cs typeface="Arial" panose="020B0604020202020204" pitchFamily="34" charset="0"/>
+            </a:rPr>
+            <a:t>Reduction</a:t>
+          </a:r>
+          <a:endParaRPr lang="es-CO" sz="1000" dirty="0">
+            <a:latin typeface="Arial" panose="020B0604020202020204" pitchFamily="34" charset="0"/>
+            <a:cs typeface="Arial" panose="020B0604020202020204" pitchFamily="34" charset="0"/>
+          </a:endParaRPr>
+        </a:p>
+      </dgm:t>
+    </dgm:pt>
+    <dgm:pt modelId="{E13639A0-3EB5-49F3-BDE5-A669B4FF216A}" type="parTrans" cxnId="{8CF67B81-C59A-4F7F-A08D-0754A4913CB6}">
+      <dgm:prSet/>
+      <dgm:spPr/>
+      <dgm:t>
+        <a:bodyPr/>
+        <a:lstStyle/>
+        <a:p>
+          <a:endParaRPr lang="es-CO" sz="1000"/>
+        </a:p>
+      </dgm:t>
+    </dgm:pt>
+    <dgm:pt modelId="{7F746A2B-1A98-4286-8034-8D7F9AB9F646}" type="sibTrans" cxnId="{8CF67B81-C59A-4F7F-A08D-0754A4913CB6}">
+      <dgm:prSet/>
+      <dgm:spPr/>
+      <dgm:t>
+        <a:bodyPr/>
+        <a:lstStyle/>
+        <a:p>
+          <a:endParaRPr lang="es-CO" sz="1000"/>
+        </a:p>
+      </dgm:t>
+    </dgm:pt>
+    <dgm:pt modelId="{DDB72D9F-CB6B-414D-9FCA-41E855B64197}">
+      <dgm:prSet phldrT="[Text]" custT="1"/>
+      <dgm:spPr>
+        <a:solidFill>
+          <a:srgbClr val="F4623A"/>
+        </a:solidFill>
+        <a:ln>
+          <a:solidFill>
+            <a:schemeClr val="accent2">
+              <a:lumMod val="75000"/>
+            </a:schemeClr>
+          </a:solidFill>
+        </a:ln>
+      </dgm:spPr>
+      <dgm:t>
+        <a:bodyPr/>
+        <a:lstStyle/>
+        <a:p>
+          <a:r>
+            <a:rPr lang="es-CO" sz="1000">
+              <a:latin typeface="Arial" panose="020B0604020202020204" pitchFamily="34" charset="0"/>
+              <a:cs typeface="Arial" panose="020B0604020202020204" pitchFamily="34" charset="0"/>
+            </a:rPr>
+            <a:t>Feature Extraction</a:t>
+          </a:r>
+          <a:endParaRPr lang="es-CO" sz="1000" dirty="0">
+            <a:latin typeface="Arial" panose="020B0604020202020204" pitchFamily="34" charset="0"/>
+            <a:cs typeface="Arial" panose="020B0604020202020204" pitchFamily="34" charset="0"/>
+          </a:endParaRPr>
+        </a:p>
+      </dgm:t>
+    </dgm:pt>
+    <dgm:pt modelId="{640B13A2-19C8-4CAD-95A5-988F3374DBF2}" type="parTrans" cxnId="{6EE416ED-1EED-4649-956F-B5D42932DB7E}">
+      <dgm:prSet/>
+      <dgm:spPr/>
+      <dgm:t>
+        <a:bodyPr/>
+        <a:lstStyle/>
+        <a:p>
+          <a:endParaRPr lang="es-CO" sz="1000"/>
+        </a:p>
+      </dgm:t>
+    </dgm:pt>
+    <dgm:pt modelId="{357AD67C-1D6D-4BFF-83F2-36D3AF84464F}" type="sibTrans" cxnId="{6EE416ED-1EED-4649-956F-B5D42932DB7E}">
+      <dgm:prSet/>
+      <dgm:spPr/>
+      <dgm:t>
+        <a:bodyPr/>
+        <a:lstStyle/>
+        <a:p>
+          <a:endParaRPr lang="es-CO" sz="1000"/>
+        </a:p>
+      </dgm:t>
+    </dgm:pt>
+    <dgm:pt modelId="{2B31154C-066A-42F8-84A0-B4B76D70940E}">
+      <dgm:prSet phldrT="[Text]" custT="1"/>
+      <dgm:spPr>
+        <a:solidFill>
+          <a:srgbClr val="F4623A"/>
+        </a:solidFill>
+        <a:ln>
+          <a:solidFill>
+            <a:schemeClr val="accent2">
+              <a:lumMod val="75000"/>
+            </a:schemeClr>
+          </a:solidFill>
+        </a:ln>
+      </dgm:spPr>
+      <dgm:t>
+        <a:bodyPr/>
+        <a:lstStyle/>
+        <a:p>
+          <a:r>
+            <a:rPr lang="es-CO" sz="1000">
+              <a:latin typeface="Arial" panose="020B0604020202020204" pitchFamily="34" charset="0"/>
+              <a:cs typeface="Arial" panose="020B0604020202020204" pitchFamily="34" charset="0"/>
+            </a:rPr>
+            <a:t>Classifier</a:t>
+          </a:r>
+          <a:endParaRPr lang="es-CO" sz="1000" dirty="0">
+            <a:latin typeface="Arial" panose="020B0604020202020204" pitchFamily="34" charset="0"/>
+            <a:cs typeface="Arial" panose="020B0604020202020204" pitchFamily="34" charset="0"/>
+          </a:endParaRPr>
         </a:p>
       </dgm:t>
     </dgm:pt>
@@ -3719,6 +6713,773 @@
             </a:rPr>
             <a:t>Clasificador</a:t>
           </a:r>
+        </a:p>
+      </dsp:txBody>
+      <dsp:txXfrm>
+        <a:off x="5181269" y="0"/>
+        <a:ext cx="2770055" cy="353351"/>
+      </dsp:txXfrm>
+    </dsp:sp>
+  </dsp:spTree>
+</dsp:drawing>
+</file>
+
+<file path=ppt/diagrams/drawing4.xml><?xml version="1.0" encoding="utf-8"?>
+<dsp:drawing xmlns:dgm="http://schemas.openxmlformats.org/drawingml/2006/diagram" xmlns:dsp="http://schemas.microsoft.com/office/drawing/2008/diagram" xmlns:a="http://schemas.openxmlformats.org/drawingml/2006/main">
+  <dsp:spTree>
+    <dsp:nvGrpSpPr>
+      <dsp:cNvPr id="0" name=""/>
+      <dsp:cNvGrpSpPr/>
+    </dsp:nvGrpSpPr>
+    <dsp:grpSpPr/>
+    <dsp:sp modelId="{A7910372-D016-44AD-BD92-7CF81AC1A796}">
+      <dsp:nvSpPr>
+        <dsp:cNvPr id="0" name=""/>
+        <dsp:cNvSpPr/>
+      </dsp:nvSpPr>
+      <dsp:spPr>
+        <a:xfrm>
+          <a:off x="3571" y="0"/>
+          <a:ext cx="3123406" cy="353351"/>
+        </a:xfrm>
+        <a:prstGeom prst="homePlate">
+          <a:avLst/>
+        </a:prstGeom>
+        <a:solidFill>
+          <a:srgbClr val="F4623A"/>
+        </a:solidFill>
+        <a:ln w="12700" cap="flat" cmpd="sng" algn="ctr">
+          <a:solidFill>
+            <a:srgbClr val="F4623A"/>
+          </a:solidFill>
+          <a:prstDash val="solid"/>
+          <a:miter lim="800000"/>
+        </a:ln>
+        <a:effectLst/>
+      </dsp:spPr>
+      <dsp:style>
+        <a:lnRef idx="2">
+          <a:scrgbClr r="0" g="0" b="0"/>
+        </a:lnRef>
+        <a:fillRef idx="1">
+          <a:scrgbClr r="0" g="0" b="0"/>
+        </a:fillRef>
+        <a:effectRef idx="0">
+          <a:scrgbClr r="0" g="0" b="0"/>
+        </a:effectRef>
+        <a:fontRef idx="minor">
+          <a:schemeClr val="lt1"/>
+        </a:fontRef>
+      </dsp:style>
+      <dsp:txBody>
+        <a:bodyPr spcFirstLastPara="0" vert="horz" wrap="square" lIns="53340" tIns="26670" rIns="13335" bIns="26670" numCol="1" spcCol="1270" anchor="ctr" anchorCtr="0">
+          <a:noAutofit/>
+        </a:bodyPr>
+        <a:lstStyle/>
+        <a:p>
+          <a:pPr marL="0" lvl="0" indent="0" algn="ctr" defTabSz="444500">
+            <a:lnSpc>
+              <a:spcPct val="90000"/>
+            </a:lnSpc>
+            <a:spcBef>
+              <a:spcPct val="0"/>
+            </a:spcBef>
+            <a:spcAft>
+              <a:spcPct val="35000"/>
+            </a:spcAft>
+            <a:buNone/>
+          </a:pPr>
+          <a:r>
+            <a:rPr lang="es-CO" sz="1000" kern="1200" dirty="0">
+              <a:latin typeface="Arial" panose="020B0604020202020204" pitchFamily="34" charset="0"/>
+              <a:cs typeface="Arial" panose="020B0604020202020204" pitchFamily="34" charset="0"/>
+            </a:rPr>
+            <a:t>Dimensional </a:t>
+          </a:r>
+          <a:r>
+            <a:rPr lang="es-CO" sz="1000" kern="1200" dirty="0" err="1">
+              <a:latin typeface="Arial" panose="020B0604020202020204" pitchFamily="34" charset="0"/>
+              <a:cs typeface="Arial" panose="020B0604020202020204" pitchFamily="34" charset="0"/>
+            </a:rPr>
+            <a:t>Reduction</a:t>
+          </a:r>
+          <a:endParaRPr lang="es-CO" sz="1000" kern="1200" dirty="0">
+            <a:latin typeface="Arial" panose="020B0604020202020204" pitchFamily="34" charset="0"/>
+            <a:cs typeface="Arial" panose="020B0604020202020204" pitchFamily="34" charset="0"/>
+          </a:endParaRPr>
+        </a:p>
+      </dsp:txBody>
+      <dsp:txXfrm>
+        <a:off x="3571" y="0"/>
+        <a:ext cx="3035068" cy="353351"/>
+      </dsp:txXfrm>
+    </dsp:sp>
+    <dsp:sp modelId="{EBC7109A-BDAA-4A94-A727-63CD73DE636E}">
+      <dsp:nvSpPr>
+        <dsp:cNvPr id="0" name=""/>
+        <dsp:cNvSpPr/>
+      </dsp:nvSpPr>
+      <dsp:spPr>
+        <a:xfrm>
+          <a:off x="2502296" y="0"/>
+          <a:ext cx="3123406" cy="353351"/>
+        </a:xfrm>
+        <a:prstGeom prst="chevron">
+          <a:avLst/>
+        </a:prstGeom>
+        <a:solidFill>
+          <a:schemeClr val="accent2">
+            <a:lumMod val="20000"/>
+            <a:lumOff val="80000"/>
+          </a:schemeClr>
+        </a:solidFill>
+        <a:ln w="12700" cap="flat" cmpd="sng" algn="ctr">
+          <a:solidFill>
+            <a:schemeClr val="accent2">
+              <a:lumMod val="75000"/>
+            </a:schemeClr>
+          </a:solidFill>
+          <a:prstDash val="solid"/>
+          <a:miter lim="800000"/>
+        </a:ln>
+        <a:effectLst/>
+      </dsp:spPr>
+      <dsp:style>
+        <a:lnRef idx="2">
+          <a:scrgbClr r="0" g="0" b="0"/>
+        </a:lnRef>
+        <a:fillRef idx="1">
+          <a:scrgbClr r="0" g="0" b="0"/>
+        </a:fillRef>
+        <a:effectRef idx="0">
+          <a:scrgbClr r="0" g="0" b="0"/>
+        </a:effectRef>
+        <a:fontRef idx="minor">
+          <a:schemeClr val="lt1"/>
+        </a:fontRef>
+      </dsp:style>
+      <dsp:txBody>
+        <a:bodyPr spcFirstLastPara="0" vert="horz" wrap="square" lIns="40005" tIns="26670" rIns="13335" bIns="26670" numCol="1" spcCol="1270" anchor="ctr" anchorCtr="0">
+          <a:noAutofit/>
+        </a:bodyPr>
+        <a:lstStyle/>
+        <a:p>
+          <a:pPr marL="0" lvl="0" indent="0" algn="ctr" defTabSz="444500">
+            <a:lnSpc>
+              <a:spcPct val="90000"/>
+            </a:lnSpc>
+            <a:spcBef>
+              <a:spcPct val="0"/>
+            </a:spcBef>
+            <a:spcAft>
+              <a:spcPct val="35000"/>
+            </a:spcAft>
+            <a:buNone/>
+          </a:pPr>
+          <a:r>
+            <a:rPr lang="es-CO" sz="1000" kern="1200" dirty="0" err="1">
+              <a:latin typeface="Arial" panose="020B0604020202020204" pitchFamily="34" charset="0"/>
+              <a:cs typeface="Arial" panose="020B0604020202020204" pitchFamily="34" charset="0"/>
+            </a:rPr>
+            <a:t>Feature</a:t>
+          </a:r>
+          <a:r>
+            <a:rPr lang="es-CO" sz="1000" kern="1200" dirty="0">
+              <a:latin typeface="Arial" panose="020B0604020202020204" pitchFamily="34" charset="0"/>
+              <a:cs typeface="Arial" panose="020B0604020202020204" pitchFamily="34" charset="0"/>
+            </a:rPr>
+            <a:t> </a:t>
+          </a:r>
+          <a:r>
+            <a:rPr lang="es-CO" sz="1000" kern="1200" dirty="0" err="1">
+              <a:latin typeface="Arial" panose="020B0604020202020204" pitchFamily="34" charset="0"/>
+              <a:cs typeface="Arial" panose="020B0604020202020204" pitchFamily="34" charset="0"/>
+            </a:rPr>
+            <a:t>Extraction</a:t>
+          </a:r>
+          <a:endParaRPr lang="es-CO" sz="1000" kern="1200" dirty="0">
+            <a:latin typeface="Arial" panose="020B0604020202020204" pitchFamily="34" charset="0"/>
+            <a:cs typeface="Arial" panose="020B0604020202020204" pitchFamily="34" charset="0"/>
+          </a:endParaRPr>
+        </a:p>
+      </dsp:txBody>
+      <dsp:txXfrm>
+        <a:off x="2678972" y="0"/>
+        <a:ext cx="2770055" cy="353351"/>
+      </dsp:txXfrm>
+    </dsp:sp>
+    <dsp:sp modelId="{DB21AF20-3FEA-4EC4-AE83-9AF2AF1144A5}">
+      <dsp:nvSpPr>
+        <dsp:cNvPr id="0" name=""/>
+        <dsp:cNvSpPr/>
+      </dsp:nvSpPr>
+      <dsp:spPr>
+        <a:xfrm>
+          <a:off x="5004593" y="0"/>
+          <a:ext cx="3123406" cy="353351"/>
+        </a:xfrm>
+        <a:prstGeom prst="chevron">
+          <a:avLst/>
+        </a:prstGeom>
+        <a:solidFill>
+          <a:schemeClr val="accent2">
+            <a:lumMod val="20000"/>
+            <a:lumOff val="80000"/>
+          </a:schemeClr>
+        </a:solidFill>
+        <a:ln w="12700" cap="flat" cmpd="sng" algn="ctr">
+          <a:solidFill>
+            <a:schemeClr val="accent2">
+              <a:lumMod val="75000"/>
+            </a:schemeClr>
+          </a:solidFill>
+          <a:prstDash val="solid"/>
+          <a:miter lim="800000"/>
+        </a:ln>
+        <a:effectLst/>
+      </dsp:spPr>
+      <dsp:style>
+        <a:lnRef idx="2">
+          <a:scrgbClr r="0" g="0" b="0"/>
+        </a:lnRef>
+        <a:fillRef idx="1">
+          <a:scrgbClr r="0" g="0" b="0"/>
+        </a:fillRef>
+        <a:effectRef idx="0">
+          <a:scrgbClr r="0" g="0" b="0"/>
+        </a:effectRef>
+        <a:fontRef idx="minor">
+          <a:schemeClr val="lt1"/>
+        </a:fontRef>
+      </dsp:style>
+      <dsp:txBody>
+        <a:bodyPr spcFirstLastPara="0" vert="horz" wrap="square" lIns="40005" tIns="26670" rIns="13335" bIns="26670" numCol="1" spcCol="1270" anchor="ctr" anchorCtr="0">
+          <a:noAutofit/>
+        </a:bodyPr>
+        <a:lstStyle/>
+        <a:p>
+          <a:pPr marL="0" lvl="0" indent="0" algn="ctr" defTabSz="444500">
+            <a:lnSpc>
+              <a:spcPct val="90000"/>
+            </a:lnSpc>
+            <a:spcBef>
+              <a:spcPct val="0"/>
+            </a:spcBef>
+            <a:spcAft>
+              <a:spcPct val="35000"/>
+            </a:spcAft>
+            <a:buNone/>
+          </a:pPr>
+          <a:r>
+            <a:rPr lang="es-CO" sz="1000" kern="1200" dirty="0" err="1">
+              <a:latin typeface="Arial" panose="020B0604020202020204" pitchFamily="34" charset="0"/>
+              <a:cs typeface="Arial" panose="020B0604020202020204" pitchFamily="34" charset="0"/>
+            </a:rPr>
+            <a:t>Classifier</a:t>
+          </a:r>
+          <a:endParaRPr lang="es-CO" sz="1000" kern="1200" dirty="0">
+            <a:latin typeface="Arial" panose="020B0604020202020204" pitchFamily="34" charset="0"/>
+            <a:cs typeface="Arial" panose="020B0604020202020204" pitchFamily="34" charset="0"/>
+          </a:endParaRPr>
+        </a:p>
+      </dsp:txBody>
+      <dsp:txXfrm>
+        <a:off x="5181269" y="0"/>
+        <a:ext cx="2770055" cy="353351"/>
+      </dsp:txXfrm>
+    </dsp:sp>
+  </dsp:spTree>
+</dsp:drawing>
+</file>
+
+<file path=ppt/diagrams/drawing5.xml><?xml version="1.0" encoding="utf-8"?>
+<dsp:drawing xmlns:dgm="http://schemas.openxmlformats.org/drawingml/2006/diagram" xmlns:dsp="http://schemas.microsoft.com/office/drawing/2008/diagram" xmlns:a="http://schemas.openxmlformats.org/drawingml/2006/main">
+  <dsp:spTree>
+    <dsp:nvGrpSpPr>
+      <dsp:cNvPr id="0" name=""/>
+      <dsp:cNvGrpSpPr/>
+    </dsp:nvGrpSpPr>
+    <dsp:grpSpPr/>
+    <dsp:sp modelId="{A7910372-D016-44AD-BD92-7CF81AC1A796}">
+      <dsp:nvSpPr>
+        <dsp:cNvPr id="0" name=""/>
+        <dsp:cNvSpPr/>
+      </dsp:nvSpPr>
+      <dsp:spPr>
+        <a:xfrm>
+          <a:off x="3571" y="0"/>
+          <a:ext cx="3123406" cy="353351"/>
+        </a:xfrm>
+        <a:prstGeom prst="homePlate">
+          <a:avLst/>
+        </a:prstGeom>
+        <a:solidFill>
+          <a:srgbClr val="F4623A"/>
+        </a:solidFill>
+        <a:ln w="12700" cap="flat" cmpd="sng" algn="ctr">
+          <a:solidFill>
+            <a:srgbClr val="F4623A"/>
+          </a:solidFill>
+          <a:prstDash val="solid"/>
+          <a:miter lim="800000"/>
+        </a:ln>
+        <a:effectLst/>
+      </dsp:spPr>
+      <dsp:style>
+        <a:lnRef idx="2">
+          <a:scrgbClr r="0" g="0" b="0"/>
+        </a:lnRef>
+        <a:fillRef idx="1">
+          <a:scrgbClr r="0" g="0" b="0"/>
+        </a:fillRef>
+        <a:effectRef idx="0">
+          <a:scrgbClr r="0" g="0" b="0"/>
+        </a:effectRef>
+        <a:fontRef idx="minor">
+          <a:schemeClr val="lt1"/>
+        </a:fontRef>
+      </dsp:style>
+      <dsp:txBody>
+        <a:bodyPr spcFirstLastPara="0" vert="horz" wrap="square" lIns="53340" tIns="26670" rIns="13335" bIns="26670" numCol="1" spcCol="1270" anchor="ctr" anchorCtr="0">
+          <a:noAutofit/>
+        </a:bodyPr>
+        <a:lstStyle/>
+        <a:p>
+          <a:pPr marL="0" lvl="0" indent="0" algn="ctr" defTabSz="444500">
+            <a:lnSpc>
+              <a:spcPct val="90000"/>
+            </a:lnSpc>
+            <a:spcBef>
+              <a:spcPct val="0"/>
+            </a:spcBef>
+            <a:spcAft>
+              <a:spcPct val="35000"/>
+            </a:spcAft>
+            <a:buNone/>
+          </a:pPr>
+          <a:r>
+            <a:rPr lang="es-CO" sz="1000" kern="1200" dirty="0">
+              <a:latin typeface="Arial" panose="020B0604020202020204" pitchFamily="34" charset="0"/>
+              <a:cs typeface="Arial" panose="020B0604020202020204" pitchFamily="34" charset="0"/>
+            </a:rPr>
+            <a:t>Dimensional </a:t>
+          </a:r>
+          <a:r>
+            <a:rPr lang="es-CO" sz="1000" kern="1200" dirty="0" err="1">
+              <a:latin typeface="Arial" panose="020B0604020202020204" pitchFamily="34" charset="0"/>
+              <a:cs typeface="Arial" panose="020B0604020202020204" pitchFamily="34" charset="0"/>
+            </a:rPr>
+            <a:t>Reduction</a:t>
+          </a:r>
+          <a:endParaRPr lang="es-CO" sz="1000" kern="1200" dirty="0">
+            <a:latin typeface="Arial" panose="020B0604020202020204" pitchFamily="34" charset="0"/>
+            <a:cs typeface="Arial" panose="020B0604020202020204" pitchFamily="34" charset="0"/>
+          </a:endParaRPr>
+        </a:p>
+      </dsp:txBody>
+      <dsp:txXfrm>
+        <a:off x="3571" y="0"/>
+        <a:ext cx="3035068" cy="353351"/>
+      </dsp:txXfrm>
+    </dsp:sp>
+    <dsp:sp modelId="{EBC7109A-BDAA-4A94-A727-63CD73DE636E}">
+      <dsp:nvSpPr>
+        <dsp:cNvPr id="0" name=""/>
+        <dsp:cNvSpPr/>
+      </dsp:nvSpPr>
+      <dsp:spPr>
+        <a:xfrm>
+          <a:off x="2502296" y="0"/>
+          <a:ext cx="3123406" cy="353351"/>
+        </a:xfrm>
+        <a:prstGeom prst="chevron">
+          <a:avLst/>
+        </a:prstGeom>
+        <a:solidFill>
+          <a:srgbClr val="F4623A"/>
+        </a:solidFill>
+        <a:ln w="12700" cap="flat" cmpd="sng" algn="ctr">
+          <a:solidFill>
+            <a:schemeClr val="accent2">
+              <a:lumMod val="75000"/>
+            </a:schemeClr>
+          </a:solidFill>
+          <a:prstDash val="solid"/>
+          <a:miter lim="800000"/>
+        </a:ln>
+        <a:effectLst/>
+      </dsp:spPr>
+      <dsp:style>
+        <a:lnRef idx="2">
+          <a:scrgbClr r="0" g="0" b="0"/>
+        </a:lnRef>
+        <a:fillRef idx="1">
+          <a:scrgbClr r="0" g="0" b="0"/>
+        </a:fillRef>
+        <a:effectRef idx="0">
+          <a:scrgbClr r="0" g="0" b="0"/>
+        </a:effectRef>
+        <a:fontRef idx="minor">
+          <a:schemeClr val="lt1"/>
+        </a:fontRef>
+      </dsp:style>
+      <dsp:txBody>
+        <a:bodyPr spcFirstLastPara="0" vert="horz" wrap="square" lIns="40005" tIns="26670" rIns="13335" bIns="26670" numCol="1" spcCol="1270" anchor="ctr" anchorCtr="0">
+          <a:noAutofit/>
+        </a:bodyPr>
+        <a:lstStyle/>
+        <a:p>
+          <a:pPr marL="0" lvl="0" indent="0" algn="ctr" defTabSz="444500">
+            <a:lnSpc>
+              <a:spcPct val="90000"/>
+            </a:lnSpc>
+            <a:spcBef>
+              <a:spcPct val="0"/>
+            </a:spcBef>
+            <a:spcAft>
+              <a:spcPct val="35000"/>
+            </a:spcAft>
+            <a:buNone/>
+          </a:pPr>
+          <a:r>
+            <a:rPr lang="es-CO" sz="1000" kern="1200">
+              <a:latin typeface="Arial" panose="020B0604020202020204" pitchFamily="34" charset="0"/>
+              <a:cs typeface="Arial" panose="020B0604020202020204" pitchFamily="34" charset="0"/>
+            </a:rPr>
+            <a:t>Feature Extraction</a:t>
+          </a:r>
+          <a:endParaRPr lang="es-CO" sz="1000" kern="1200" dirty="0">
+            <a:latin typeface="Arial" panose="020B0604020202020204" pitchFamily="34" charset="0"/>
+            <a:cs typeface="Arial" panose="020B0604020202020204" pitchFamily="34" charset="0"/>
+          </a:endParaRPr>
+        </a:p>
+      </dsp:txBody>
+      <dsp:txXfrm>
+        <a:off x="2678972" y="0"/>
+        <a:ext cx="2770055" cy="353351"/>
+      </dsp:txXfrm>
+    </dsp:sp>
+    <dsp:sp modelId="{DB21AF20-3FEA-4EC4-AE83-9AF2AF1144A5}">
+      <dsp:nvSpPr>
+        <dsp:cNvPr id="0" name=""/>
+        <dsp:cNvSpPr/>
+      </dsp:nvSpPr>
+      <dsp:spPr>
+        <a:xfrm>
+          <a:off x="5004593" y="0"/>
+          <a:ext cx="3123406" cy="353351"/>
+        </a:xfrm>
+        <a:prstGeom prst="chevron">
+          <a:avLst/>
+        </a:prstGeom>
+        <a:solidFill>
+          <a:schemeClr val="accent2">
+            <a:lumMod val="20000"/>
+            <a:lumOff val="80000"/>
+          </a:schemeClr>
+        </a:solidFill>
+        <a:ln w="12700" cap="flat" cmpd="sng" algn="ctr">
+          <a:solidFill>
+            <a:schemeClr val="accent2">
+              <a:lumMod val="75000"/>
+            </a:schemeClr>
+          </a:solidFill>
+          <a:prstDash val="solid"/>
+          <a:miter lim="800000"/>
+        </a:ln>
+        <a:effectLst/>
+      </dsp:spPr>
+      <dsp:style>
+        <a:lnRef idx="2">
+          <a:scrgbClr r="0" g="0" b="0"/>
+        </a:lnRef>
+        <a:fillRef idx="1">
+          <a:scrgbClr r="0" g="0" b="0"/>
+        </a:fillRef>
+        <a:effectRef idx="0">
+          <a:scrgbClr r="0" g="0" b="0"/>
+        </a:effectRef>
+        <a:fontRef idx="minor">
+          <a:schemeClr val="lt1"/>
+        </a:fontRef>
+      </dsp:style>
+      <dsp:txBody>
+        <a:bodyPr spcFirstLastPara="0" vert="horz" wrap="square" lIns="40005" tIns="26670" rIns="13335" bIns="26670" numCol="1" spcCol="1270" anchor="ctr" anchorCtr="0">
+          <a:noAutofit/>
+        </a:bodyPr>
+        <a:lstStyle/>
+        <a:p>
+          <a:pPr marL="0" lvl="0" indent="0" algn="ctr" defTabSz="444500">
+            <a:lnSpc>
+              <a:spcPct val="90000"/>
+            </a:lnSpc>
+            <a:spcBef>
+              <a:spcPct val="0"/>
+            </a:spcBef>
+            <a:spcAft>
+              <a:spcPct val="35000"/>
+            </a:spcAft>
+            <a:buNone/>
+          </a:pPr>
+          <a:r>
+            <a:rPr lang="es-CO" sz="1000" kern="1200">
+              <a:latin typeface="Arial" panose="020B0604020202020204" pitchFamily="34" charset="0"/>
+              <a:cs typeface="Arial" panose="020B0604020202020204" pitchFamily="34" charset="0"/>
+            </a:rPr>
+            <a:t>Classifier</a:t>
+          </a:r>
+          <a:endParaRPr lang="es-CO" sz="1000" kern="1200" dirty="0">
+            <a:latin typeface="Arial" panose="020B0604020202020204" pitchFamily="34" charset="0"/>
+            <a:cs typeface="Arial" panose="020B0604020202020204" pitchFamily="34" charset="0"/>
+          </a:endParaRPr>
+        </a:p>
+      </dsp:txBody>
+      <dsp:txXfrm>
+        <a:off x="5181269" y="0"/>
+        <a:ext cx="2770055" cy="353351"/>
+      </dsp:txXfrm>
+    </dsp:sp>
+  </dsp:spTree>
+</dsp:drawing>
+</file>
+
+<file path=ppt/diagrams/drawing6.xml><?xml version="1.0" encoding="utf-8"?>
+<dsp:drawing xmlns:dgm="http://schemas.openxmlformats.org/drawingml/2006/diagram" xmlns:dsp="http://schemas.microsoft.com/office/drawing/2008/diagram" xmlns:a="http://schemas.openxmlformats.org/drawingml/2006/main">
+  <dsp:spTree>
+    <dsp:nvGrpSpPr>
+      <dsp:cNvPr id="0" name=""/>
+      <dsp:cNvGrpSpPr/>
+    </dsp:nvGrpSpPr>
+    <dsp:grpSpPr/>
+    <dsp:sp modelId="{A7910372-D016-44AD-BD92-7CF81AC1A796}">
+      <dsp:nvSpPr>
+        <dsp:cNvPr id="0" name=""/>
+        <dsp:cNvSpPr/>
+      </dsp:nvSpPr>
+      <dsp:spPr>
+        <a:xfrm>
+          <a:off x="3571" y="0"/>
+          <a:ext cx="3123406" cy="353351"/>
+        </a:xfrm>
+        <a:prstGeom prst="homePlate">
+          <a:avLst/>
+        </a:prstGeom>
+        <a:solidFill>
+          <a:srgbClr val="F4623A"/>
+        </a:solidFill>
+        <a:ln w="12700" cap="flat" cmpd="sng" algn="ctr">
+          <a:solidFill>
+            <a:srgbClr val="F4623A"/>
+          </a:solidFill>
+          <a:prstDash val="solid"/>
+          <a:miter lim="800000"/>
+        </a:ln>
+        <a:effectLst/>
+      </dsp:spPr>
+      <dsp:style>
+        <a:lnRef idx="2">
+          <a:scrgbClr r="0" g="0" b="0"/>
+        </a:lnRef>
+        <a:fillRef idx="1">
+          <a:scrgbClr r="0" g="0" b="0"/>
+        </a:fillRef>
+        <a:effectRef idx="0">
+          <a:scrgbClr r="0" g="0" b="0"/>
+        </a:effectRef>
+        <a:fontRef idx="minor">
+          <a:schemeClr val="lt1"/>
+        </a:fontRef>
+      </dsp:style>
+      <dsp:txBody>
+        <a:bodyPr spcFirstLastPara="0" vert="horz" wrap="square" lIns="53340" tIns="26670" rIns="13335" bIns="26670" numCol="1" spcCol="1270" anchor="ctr" anchorCtr="0">
+          <a:noAutofit/>
+        </a:bodyPr>
+        <a:lstStyle/>
+        <a:p>
+          <a:pPr marL="0" lvl="0" indent="0" algn="ctr" defTabSz="444500">
+            <a:lnSpc>
+              <a:spcPct val="90000"/>
+            </a:lnSpc>
+            <a:spcBef>
+              <a:spcPct val="0"/>
+            </a:spcBef>
+            <a:spcAft>
+              <a:spcPct val="35000"/>
+            </a:spcAft>
+            <a:buNone/>
+          </a:pPr>
+          <a:r>
+            <a:rPr lang="es-CO" sz="1000" kern="1200" dirty="0">
+              <a:latin typeface="Arial" panose="020B0604020202020204" pitchFamily="34" charset="0"/>
+              <a:cs typeface="Arial" panose="020B0604020202020204" pitchFamily="34" charset="0"/>
+            </a:rPr>
+            <a:t>Dimensional </a:t>
+          </a:r>
+          <a:r>
+            <a:rPr lang="es-CO" sz="1000" kern="1200" dirty="0" err="1">
+              <a:latin typeface="Arial" panose="020B0604020202020204" pitchFamily="34" charset="0"/>
+              <a:cs typeface="Arial" panose="020B0604020202020204" pitchFamily="34" charset="0"/>
+            </a:rPr>
+            <a:t>Reduction</a:t>
+          </a:r>
+          <a:endParaRPr lang="es-CO" sz="1000" kern="1200" dirty="0">
+            <a:latin typeface="Arial" panose="020B0604020202020204" pitchFamily="34" charset="0"/>
+            <a:cs typeface="Arial" panose="020B0604020202020204" pitchFamily="34" charset="0"/>
+          </a:endParaRPr>
+        </a:p>
+      </dsp:txBody>
+      <dsp:txXfrm>
+        <a:off x="3571" y="0"/>
+        <a:ext cx="3035068" cy="353351"/>
+      </dsp:txXfrm>
+    </dsp:sp>
+    <dsp:sp modelId="{EBC7109A-BDAA-4A94-A727-63CD73DE636E}">
+      <dsp:nvSpPr>
+        <dsp:cNvPr id="0" name=""/>
+        <dsp:cNvSpPr/>
+      </dsp:nvSpPr>
+      <dsp:spPr>
+        <a:xfrm>
+          <a:off x="2502296" y="0"/>
+          <a:ext cx="3123406" cy="353351"/>
+        </a:xfrm>
+        <a:prstGeom prst="chevron">
+          <a:avLst/>
+        </a:prstGeom>
+        <a:solidFill>
+          <a:srgbClr val="F4623A"/>
+        </a:solidFill>
+        <a:ln w="12700" cap="flat" cmpd="sng" algn="ctr">
+          <a:solidFill>
+            <a:schemeClr val="accent2">
+              <a:lumMod val="75000"/>
+            </a:schemeClr>
+          </a:solidFill>
+          <a:prstDash val="solid"/>
+          <a:miter lim="800000"/>
+        </a:ln>
+        <a:effectLst/>
+      </dsp:spPr>
+      <dsp:style>
+        <a:lnRef idx="2">
+          <a:scrgbClr r="0" g="0" b="0"/>
+        </a:lnRef>
+        <a:fillRef idx="1">
+          <a:scrgbClr r="0" g="0" b="0"/>
+        </a:fillRef>
+        <a:effectRef idx="0">
+          <a:scrgbClr r="0" g="0" b="0"/>
+        </a:effectRef>
+        <a:fontRef idx="minor">
+          <a:schemeClr val="lt1"/>
+        </a:fontRef>
+      </dsp:style>
+      <dsp:txBody>
+        <a:bodyPr spcFirstLastPara="0" vert="horz" wrap="square" lIns="40005" tIns="26670" rIns="13335" bIns="26670" numCol="1" spcCol="1270" anchor="ctr" anchorCtr="0">
+          <a:noAutofit/>
+        </a:bodyPr>
+        <a:lstStyle/>
+        <a:p>
+          <a:pPr marL="0" lvl="0" indent="0" algn="ctr" defTabSz="444500">
+            <a:lnSpc>
+              <a:spcPct val="90000"/>
+            </a:lnSpc>
+            <a:spcBef>
+              <a:spcPct val="0"/>
+            </a:spcBef>
+            <a:spcAft>
+              <a:spcPct val="35000"/>
+            </a:spcAft>
+            <a:buNone/>
+          </a:pPr>
+          <a:r>
+            <a:rPr lang="es-CO" sz="1000" kern="1200">
+              <a:latin typeface="Arial" panose="020B0604020202020204" pitchFamily="34" charset="0"/>
+              <a:cs typeface="Arial" panose="020B0604020202020204" pitchFamily="34" charset="0"/>
+            </a:rPr>
+            <a:t>Feature Extraction</a:t>
+          </a:r>
+          <a:endParaRPr lang="es-CO" sz="1000" kern="1200" dirty="0">
+            <a:latin typeface="Arial" panose="020B0604020202020204" pitchFamily="34" charset="0"/>
+            <a:cs typeface="Arial" panose="020B0604020202020204" pitchFamily="34" charset="0"/>
+          </a:endParaRPr>
+        </a:p>
+      </dsp:txBody>
+      <dsp:txXfrm>
+        <a:off x="2678972" y="0"/>
+        <a:ext cx="2770055" cy="353351"/>
+      </dsp:txXfrm>
+    </dsp:sp>
+    <dsp:sp modelId="{DB21AF20-3FEA-4EC4-AE83-9AF2AF1144A5}">
+      <dsp:nvSpPr>
+        <dsp:cNvPr id="0" name=""/>
+        <dsp:cNvSpPr/>
+      </dsp:nvSpPr>
+      <dsp:spPr>
+        <a:xfrm>
+          <a:off x="5004593" y="0"/>
+          <a:ext cx="3123406" cy="353351"/>
+        </a:xfrm>
+        <a:prstGeom prst="chevron">
+          <a:avLst/>
+        </a:prstGeom>
+        <a:solidFill>
+          <a:srgbClr val="F4623A"/>
+        </a:solidFill>
+        <a:ln w="12700" cap="flat" cmpd="sng" algn="ctr">
+          <a:solidFill>
+            <a:schemeClr val="accent2">
+              <a:lumMod val="75000"/>
+            </a:schemeClr>
+          </a:solidFill>
+          <a:prstDash val="solid"/>
+          <a:miter lim="800000"/>
+        </a:ln>
+        <a:effectLst/>
+      </dsp:spPr>
+      <dsp:style>
+        <a:lnRef idx="2">
+          <a:scrgbClr r="0" g="0" b="0"/>
+        </a:lnRef>
+        <a:fillRef idx="1">
+          <a:scrgbClr r="0" g="0" b="0"/>
+        </a:fillRef>
+        <a:effectRef idx="0">
+          <a:scrgbClr r="0" g="0" b="0"/>
+        </a:effectRef>
+        <a:fontRef idx="minor">
+          <a:schemeClr val="lt1"/>
+        </a:fontRef>
+      </dsp:style>
+      <dsp:txBody>
+        <a:bodyPr spcFirstLastPara="0" vert="horz" wrap="square" lIns="40005" tIns="26670" rIns="13335" bIns="26670" numCol="1" spcCol="1270" anchor="ctr" anchorCtr="0">
+          <a:noAutofit/>
+        </a:bodyPr>
+        <a:lstStyle/>
+        <a:p>
+          <a:pPr marL="0" lvl="0" indent="0" algn="ctr" defTabSz="444500">
+            <a:lnSpc>
+              <a:spcPct val="90000"/>
+            </a:lnSpc>
+            <a:spcBef>
+              <a:spcPct val="0"/>
+            </a:spcBef>
+            <a:spcAft>
+              <a:spcPct val="35000"/>
+            </a:spcAft>
+            <a:buNone/>
+          </a:pPr>
+          <a:r>
+            <a:rPr lang="es-CO" sz="1000" kern="1200">
+              <a:latin typeface="Arial" panose="020B0604020202020204" pitchFamily="34" charset="0"/>
+              <a:cs typeface="Arial" panose="020B0604020202020204" pitchFamily="34" charset="0"/>
+            </a:rPr>
+            <a:t>Classifier</a:t>
+          </a:r>
+          <a:endParaRPr lang="es-CO" sz="1000" kern="1200" dirty="0">
+            <a:latin typeface="Arial" panose="020B0604020202020204" pitchFamily="34" charset="0"/>
+            <a:cs typeface="Arial" panose="020B0604020202020204" pitchFamily="34" charset="0"/>
+          </a:endParaRPr>
         </a:p>
       </dsp:txBody>
       <dsp:txXfrm>
@@ -4546,6 +8307,822 @@
 </dgm:layoutDef>
 </file>
 
+<file path=ppt/diagrams/layout4.xml><?xml version="1.0" encoding="utf-8"?>
+<dgm:layoutDef xmlns:dgm="http://schemas.openxmlformats.org/drawingml/2006/diagram" xmlns:a="http://schemas.openxmlformats.org/drawingml/2006/main" uniqueId="urn:microsoft.com/office/officeart/2005/8/layout/hChevron3">
+  <dgm:title val=""/>
+  <dgm:desc val=""/>
+  <dgm:catLst>
+    <dgm:cat type="process" pri="10000"/>
+  </dgm:catLst>
+  <dgm:sampData useDef="1">
+    <dgm:dataModel>
+      <dgm:ptLst/>
+      <dgm:bg/>
+      <dgm:whole/>
+    </dgm:dataModel>
+  </dgm:sampData>
+  <dgm:styleData>
+    <dgm:dataModel>
+      <dgm:ptLst>
+        <dgm:pt modelId="0" type="doc"/>
+        <dgm:pt modelId="1"/>
+        <dgm:pt modelId="2"/>
+      </dgm:ptLst>
+      <dgm:cxnLst>
+        <dgm:cxn modelId="3" srcId="0" destId="1" srcOrd="0" destOrd="0"/>
+        <dgm:cxn modelId="4" srcId="0" destId="2" srcOrd="1" destOrd="0"/>
+      </dgm:cxnLst>
+      <dgm:bg/>
+      <dgm:whole/>
+    </dgm:dataModel>
+  </dgm:styleData>
+  <dgm:clrData>
+    <dgm:dataModel>
+      <dgm:ptLst>
+        <dgm:pt modelId="0" type="doc"/>
+        <dgm:pt modelId="1"/>
+        <dgm:pt modelId="2"/>
+        <dgm:pt modelId="3"/>
+        <dgm:pt modelId="4"/>
+      </dgm:ptLst>
+      <dgm:cxnLst>
+        <dgm:cxn modelId="5" srcId="0" destId="1" srcOrd="0" destOrd="0"/>
+        <dgm:cxn modelId="6" srcId="0" destId="2" srcOrd="1" destOrd="0"/>
+        <dgm:cxn modelId="7" srcId="0" destId="3" srcOrd="2" destOrd="0"/>
+        <dgm:cxn modelId="8" srcId="0" destId="4" srcOrd="3" destOrd="0"/>
+      </dgm:cxnLst>
+      <dgm:bg/>
+      <dgm:whole/>
+    </dgm:dataModel>
+  </dgm:clrData>
+  <dgm:layoutNode name="Name0">
+    <dgm:varLst>
+      <dgm:dir/>
+      <dgm:resizeHandles val="exact"/>
+    </dgm:varLst>
+    <dgm:choose name="Name1">
+      <dgm:if name="Name2" func="var" arg="dir" op="equ" val="norm">
+        <dgm:alg type="lin"/>
+      </dgm:if>
+      <dgm:else name="Name3">
+        <dgm:alg type="lin">
+          <dgm:param type="linDir" val="fromR"/>
+        </dgm:alg>
+      </dgm:else>
+    </dgm:choose>
+    <dgm:shape xmlns:r="http://schemas.openxmlformats.org/officeDocument/2006/relationships" r:blip="">
+      <dgm:adjLst/>
+    </dgm:shape>
+    <dgm:presOf/>
+    <dgm:choose name="Name4">
+      <dgm:if name="Name5" axis="root des" func="maxDepth" op="gte" val="2">
+        <dgm:constrLst>
+          <dgm:constr type="w" for="ch" forName="parAndChTx" refType="w"/>
+          <dgm:constr type="primFontSz" for="ch" ptType="node" op="equ"/>
+          <dgm:constr type="w" for="ch" forName="parAndChSpace" refType="w" refFor="ch" refForName="parAndChTx" fact="-0.2"/>
+          <dgm:constr type="w" for="ch" ptType="sibTrans" op="equ"/>
+        </dgm:constrLst>
+        <dgm:ruleLst/>
+        <dgm:forEach name="Name6" axis="ch" ptType="node">
+          <dgm:layoutNode name="parAndChTx">
+            <dgm:varLst>
+              <dgm:bulletEnabled val="1"/>
+            </dgm:varLst>
+            <dgm:alg type="tx"/>
+            <dgm:choose name="Name7">
+              <dgm:if name="Name8" func="var" arg="dir" op="equ" val="norm">
+                <dgm:choose name="Name9">
+                  <dgm:if name="Name10" axis="self" ptType="node" func="pos" op="equ" val="1">
+                    <dgm:shape xmlns:r="http://schemas.openxmlformats.org/officeDocument/2006/relationships" type="homePlate" r:blip="">
+                      <dgm:adjLst>
+                        <dgm:adj idx="1" val="0.25"/>
+                      </dgm:adjLst>
+                    </dgm:shape>
+                    <dgm:presOf axis="desOrSelf" ptType="node"/>
+                    <dgm:constrLst>
+                      <dgm:constr type="h" refType="w" op="equ" fact="0.8"/>
+                      <dgm:constr type="primFontSz" val="65"/>
+                      <dgm:constr type="tMarg" refType="primFontSz" fact="0.2"/>
+                      <dgm:constr type="bMarg" refType="primFontSz" fact="0.2"/>
+                      <dgm:constr type="lMarg" refType="w" fact="0.1"/>
+                      <dgm:constr type="rMarg" refType="w" fact="0.4"/>
+                    </dgm:constrLst>
+                  </dgm:if>
+                  <dgm:else name="Name11">
+                    <dgm:shape xmlns:r="http://schemas.openxmlformats.org/officeDocument/2006/relationships" type="chevron" r:blip="">
+                      <dgm:adjLst>
+                        <dgm:adj idx="1" val="0.25"/>
+                      </dgm:adjLst>
+                    </dgm:shape>
+                    <dgm:presOf axis="desOrSelf" ptType="node"/>
+                    <dgm:constrLst>
+                      <dgm:constr type="h" refType="w" op="equ" fact="0.8"/>
+                      <dgm:constr type="primFontSz" val="65"/>
+                      <dgm:constr type="tMarg" refType="primFontSz" fact="0.2"/>
+                      <dgm:constr type="bMarg" refType="primFontSz" fact="0.2"/>
+                      <dgm:constr type="lMarg" refType="w" fact="0.1"/>
+                      <dgm:constr type="rMarg" refType="w" fact="0.1"/>
+                    </dgm:constrLst>
+                  </dgm:else>
+                </dgm:choose>
+              </dgm:if>
+              <dgm:else name="Name12">
+                <dgm:choose name="Name13">
+                  <dgm:if name="Name14" axis="self" ptType="node" func="pos" op="equ" val="1">
+                    <dgm:shape xmlns:r="http://schemas.openxmlformats.org/officeDocument/2006/relationships" rot="180" type="homePlate" r:blip="">
+                      <dgm:adjLst>
+                        <dgm:adj idx="1" val="0.25"/>
+                      </dgm:adjLst>
+                    </dgm:shape>
+                    <dgm:presOf axis="desOrSelf" ptType="node"/>
+                    <dgm:constrLst>
+                      <dgm:constr type="h" refType="w" op="equ" fact="0.8"/>
+                      <dgm:constr type="primFontSz" val="65"/>
+                      <dgm:constr type="tMarg" refType="primFontSz" fact="0.2"/>
+                      <dgm:constr type="bMarg" refType="primFontSz" fact="0.2"/>
+                      <dgm:constr type="lMarg" refType="w" fact="0.4"/>
+                      <dgm:constr type="rMarg" refType="w" fact="0.1"/>
+                    </dgm:constrLst>
+                  </dgm:if>
+                  <dgm:else name="Name15">
+                    <dgm:shape xmlns:r="http://schemas.openxmlformats.org/officeDocument/2006/relationships" rot="180" type="chevron" r:blip="">
+                      <dgm:adjLst>
+                        <dgm:adj idx="1" val="0.25"/>
+                      </dgm:adjLst>
+                    </dgm:shape>
+                    <dgm:presOf axis="desOrSelf" ptType="node"/>
+                    <dgm:constrLst>
+                      <dgm:constr type="h" refType="w" op="equ" fact="0.8"/>
+                      <dgm:constr type="primFontSz" val="65"/>
+                      <dgm:constr type="tMarg" refType="primFontSz" fact="0.2"/>
+                      <dgm:constr type="bMarg" refType="primFontSz" fact="0.2"/>
+                      <dgm:constr type="lMarg" refType="w" fact="0.1"/>
+                      <dgm:constr type="rMarg" refType="w" fact="0.1"/>
+                    </dgm:constrLst>
+                  </dgm:else>
+                </dgm:choose>
+              </dgm:else>
+            </dgm:choose>
+            <dgm:ruleLst>
+              <dgm:rule type="primFontSz" val="5" fact="NaN" max="NaN"/>
+            </dgm:ruleLst>
+          </dgm:layoutNode>
+          <dgm:forEach name="Name16" axis="followSib" ptType="sibTrans" cnt="1">
+            <dgm:layoutNode name="parAndChSpace">
+              <dgm:alg type="sp"/>
+              <dgm:shape xmlns:r="http://schemas.openxmlformats.org/officeDocument/2006/relationships" r:blip="">
+                <dgm:adjLst/>
+              </dgm:shape>
+              <dgm:presOf/>
+              <dgm:constrLst/>
+              <dgm:ruleLst/>
+            </dgm:layoutNode>
+          </dgm:forEach>
+        </dgm:forEach>
+      </dgm:if>
+      <dgm:else name="Name17">
+        <dgm:constrLst>
+          <dgm:constr type="w" for="ch" forName="parTxOnly" refType="w"/>
+          <dgm:constr type="primFontSz" for="ch" ptType="node" op="equ"/>
+          <dgm:constr type="w" for="ch" forName="parSpace" refType="w" refFor="ch" refForName="parTxOnly" fact="-0.2"/>
+          <dgm:constr type="w" for="ch" ptType="sibTrans" op="equ"/>
+        </dgm:constrLst>
+        <dgm:ruleLst/>
+        <dgm:forEach name="Name18" axis="ch" ptType="node">
+          <dgm:layoutNode name="parTxOnly">
+            <dgm:varLst>
+              <dgm:bulletEnabled val="1"/>
+            </dgm:varLst>
+            <dgm:alg type="tx"/>
+            <dgm:presOf axis="desOrSelf" ptType="node"/>
+            <dgm:choose name="Name19">
+              <dgm:if name="Name20" func="var" arg="dir" op="equ" val="norm">
+                <dgm:choose name="Name21">
+                  <dgm:if name="Name22" axis="self" ptType="node" func="pos" op="equ" val="1">
+                    <dgm:shape xmlns:r="http://schemas.openxmlformats.org/officeDocument/2006/relationships" type="homePlate" r:blip="">
+                      <dgm:adjLst/>
+                    </dgm:shape>
+                    <dgm:constrLst>
+                      <dgm:constr type="h" refType="w" op="equ" fact="0.4"/>
+                      <dgm:constr type="primFontSz" val="65"/>
+                      <dgm:constr type="tMarg" refType="primFontSz" fact="0.21"/>
+                      <dgm:constr type="bMarg" refType="primFontSz" fact="0.21"/>
+                      <dgm:constr type="lMarg" refType="primFontSz" fact="0.42"/>
+                      <dgm:constr type="rMarg" refType="primFontSz" fact="0.105"/>
+                    </dgm:constrLst>
+                  </dgm:if>
+                  <dgm:else name="Name23">
+                    <dgm:shape xmlns:r="http://schemas.openxmlformats.org/officeDocument/2006/relationships" type="chevron" r:blip="">
+                      <dgm:adjLst/>
+                    </dgm:shape>
+                    <dgm:constrLst>
+                      <dgm:constr type="h" refType="w" op="equ" fact="0.4"/>
+                      <dgm:constr type="primFontSz" val="65"/>
+                      <dgm:constr type="tMarg" refType="primFontSz" fact="0.21"/>
+                      <dgm:constr type="bMarg" refType="primFontSz" fact="0.21"/>
+                      <dgm:constr type="lMarg" refType="primFontSz" fact="0.315"/>
+                      <dgm:constr type="rMarg" refType="primFontSz" fact="0.105"/>
+                    </dgm:constrLst>
+                  </dgm:else>
+                </dgm:choose>
+              </dgm:if>
+              <dgm:else name="Name24">
+                <dgm:choose name="Name25">
+                  <dgm:if name="Name26" axis="self" ptType="node" func="pos" op="equ" val="1">
+                    <dgm:shape xmlns:r="http://schemas.openxmlformats.org/officeDocument/2006/relationships" rot="180" type="homePlate" r:blip="">
+                      <dgm:adjLst/>
+                    </dgm:shape>
+                    <dgm:constrLst>
+                      <dgm:constr type="h" refType="w" op="equ" fact="0.4"/>
+                      <dgm:constr type="primFontSz" val="65"/>
+                      <dgm:constr type="tMarg" refType="primFontSz" fact="0.21"/>
+                      <dgm:constr type="bMarg" refType="primFontSz" fact="0.21"/>
+                      <dgm:constr type="lMarg" refType="primFontSz" fact="0.105"/>
+                      <dgm:constr type="rMarg" refType="primFontSz" fact="0.42"/>
+                    </dgm:constrLst>
+                  </dgm:if>
+                  <dgm:else name="Name27">
+                    <dgm:shape xmlns:r="http://schemas.openxmlformats.org/officeDocument/2006/relationships" rot="180" type="chevron" r:blip="">
+                      <dgm:adjLst/>
+                    </dgm:shape>
+                    <dgm:constrLst>
+                      <dgm:constr type="h" refType="w" op="equ" fact="0.4"/>
+                      <dgm:constr type="primFontSz" val="65"/>
+                      <dgm:constr type="tMarg" refType="primFontSz" fact="0.21"/>
+                      <dgm:constr type="bMarg" refType="primFontSz" fact="0.21"/>
+                      <dgm:constr type="lMarg" refType="primFontSz" fact="0.105"/>
+                      <dgm:constr type="rMarg" refType="primFontSz" fact="0.315"/>
+                    </dgm:constrLst>
+                  </dgm:else>
+                </dgm:choose>
+              </dgm:else>
+            </dgm:choose>
+            <dgm:ruleLst>
+              <dgm:rule type="primFontSz" val="5" fact="NaN" max="NaN"/>
+            </dgm:ruleLst>
+          </dgm:layoutNode>
+          <dgm:forEach name="Name28" axis="followSib" ptType="sibTrans" cnt="1">
+            <dgm:layoutNode name="parSpace">
+              <dgm:alg type="sp"/>
+              <dgm:shape xmlns:r="http://schemas.openxmlformats.org/officeDocument/2006/relationships" r:blip="">
+                <dgm:adjLst/>
+              </dgm:shape>
+              <dgm:presOf/>
+              <dgm:constrLst/>
+              <dgm:ruleLst/>
+            </dgm:layoutNode>
+          </dgm:forEach>
+        </dgm:forEach>
+      </dgm:else>
+    </dgm:choose>
+  </dgm:layoutNode>
+</dgm:layoutDef>
+</file>
+
+<file path=ppt/diagrams/layout5.xml><?xml version="1.0" encoding="utf-8"?>
+<dgm:layoutDef xmlns:dgm="http://schemas.openxmlformats.org/drawingml/2006/diagram" xmlns:a="http://schemas.openxmlformats.org/drawingml/2006/main" uniqueId="urn:microsoft.com/office/officeart/2005/8/layout/hChevron3">
+  <dgm:title val=""/>
+  <dgm:desc val=""/>
+  <dgm:catLst>
+    <dgm:cat type="process" pri="10000"/>
+  </dgm:catLst>
+  <dgm:sampData useDef="1">
+    <dgm:dataModel>
+      <dgm:ptLst/>
+      <dgm:bg/>
+      <dgm:whole/>
+    </dgm:dataModel>
+  </dgm:sampData>
+  <dgm:styleData>
+    <dgm:dataModel>
+      <dgm:ptLst>
+        <dgm:pt modelId="0" type="doc"/>
+        <dgm:pt modelId="1"/>
+        <dgm:pt modelId="2"/>
+      </dgm:ptLst>
+      <dgm:cxnLst>
+        <dgm:cxn modelId="3" srcId="0" destId="1" srcOrd="0" destOrd="0"/>
+        <dgm:cxn modelId="4" srcId="0" destId="2" srcOrd="1" destOrd="0"/>
+      </dgm:cxnLst>
+      <dgm:bg/>
+      <dgm:whole/>
+    </dgm:dataModel>
+  </dgm:styleData>
+  <dgm:clrData>
+    <dgm:dataModel>
+      <dgm:ptLst>
+        <dgm:pt modelId="0" type="doc"/>
+        <dgm:pt modelId="1"/>
+        <dgm:pt modelId="2"/>
+        <dgm:pt modelId="3"/>
+        <dgm:pt modelId="4"/>
+      </dgm:ptLst>
+      <dgm:cxnLst>
+        <dgm:cxn modelId="5" srcId="0" destId="1" srcOrd="0" destOrd="0"/>
+        <dgm:cxn modelId="6" srcId="0" destId="2" srcOrd="1" destOrd="0"/>
+        <dgm:cxn modelId="7" srcId="0" destId="3" srcOrd="2" destOrd="0"/>
+        <dgm:cxn modelId="8" srcId="0" destId="4" srcOrd="3" destOrd="0"/>
+      </dgm:cxnLst>
+      <dgm:bg/>
+      <dgm:whole/>
+    </dgm:dataModel>
+  </dgm:clrData>
+  <dgm:layoutNode name="Name0">
+    <dgm:varLst>
+      <dgm:dir/>
+      <dgm:resizeHandles val="exact"/>
+    </dgm:varLst>
+    <dgm:choose name="Name1">
+      <dgm:if name="Name2" func="var" arg="dir" op="equ" val="norm">
+        <dgm:alg type="lin"/>
+      </dgm:if>
+      <dgm:else name="Name3">
+        <dgm:alg type="lin">
+          <dgm:param type="linDir" val="fromR"/>
+        </dgm:alg>
+      </dgm:else>
+    </dgm:choose>
+    <dgm:shape xmlns:r="http://schemas.openxmlformats.org/officeDocument/2006/relationships" r:blip="">
+      <dgm:adjLst/>
+    </dgm:shape>
+    <dgm:presOf/>
+    <dgm:choose name="Name4">
+      <dgm:if name="Name5" axis="root des" func="maxDepth" op="gte" val="2">
+        <dgm:constrLst>
+          <dgm:constr type="w" for="ch" forName="parAndChTx" refType="w"/>
+          <dgm:constr type="primFontSz" for="ch" ptType="node" op="equ"/>
+          <dgm:constr type="w" for="ch" forName="parAndChSpace" refType="w" refFor="ch" refForName="parAndChTx" fact="-0.2"/>
+          <dgm:constr type="w" for="ch" ptType="sibTrans" op="equ"/>
+        </dgm:constrLst>
+        <dgm:ruleLst/>
+        <dgm:forEach name="Name6" axis="ch" ptType="node">
+          <dgm:layoutNode name="parAndChTx">
+            <dgm:varLst>
+              <dgm:bulletEnabled val="1"/>
+            </dgm:varLst>
+            <dgm:alg type="tx"/>
+            <dgm:choose name="Name7">
+              <dgm:if name="Name8" func="var" arg="dir" op="equ" val="norm">
+                <dgm:choose name="Name9">
+                  <dgm:if name="Name10" axis="self" ptType="node" func="pos" op="equ" val="1">
+                    <dgm:shape xmlns:r="http://schemas.openxmlformats.org/officeDocument/2006/relationships" type="homePlate" r:blip="">
+                      <dgm:adjLst>
+                        <dgm:adj idx="1" val="0.25"/>
+                      </dgm:adjLst>
+                    </dgm:shape>
+                    <dgm:presOf axis="desOrSelf" ptType="node"/>
+                    <dgm:constrLst>
+                      <dgm:constr type="h" refType="w" op="equ" fact="0.8"/>
+                      <dgm:constr type="primFontSz" val="65"/>
+                      <dgm:constr type="tMarg" refType="primFontSz" fact="0.2"/>
+                      <dgm:constr type="bMarg" refType="primFontSz" fact="0.2"/>
+                      <dgm:constr type="lMarg" refType="w" fact="0.1"/>
+                      <dgm:constr type="rMarg" refType="w" fact="0.4"/>
+                    </dgm:constrLst>
+                  </dgm:if>
+                  <dgm:else name="Name11">
+                    <dgm:shape xmlns:r="http://schemas.openxmlformats.org/officeDocument/2006/relationships" type="chevron" r:blip="">
+                      <dgm:adjLst>
+                        <dgm:adj idx="1" val="0.25"/>
+                      </dgm:adjLst>
+                    </dgm:shape>
+                    <dgm:presOf axis="desOrSelf" ptType="node"/>
+                    <dgm:constrLst>
+                      <dgm:constr type="h" refType="w" op="equ" fact="0.8"/>
+                      <dgm:constr type="primFontSz" val="65"/>
+                      <dgm:constr type="tMarg" refType="primFontSz" fact="0.2"/>
+                      <dgm:constr type="bMarg" refType="primFontSz" fact="0.2"/>
+                      <dgm:constr type="lMarg" refType="w" fact="0.1"/>
+                      <dgm:constr type="rMarg" refType="w" fact="0.1"/>
+                    </dgm:constrLst>
+                  </dgm:else>
+                </dgm:choose>
+              </dgm:if>
+              <dgm:else name="Name12">
+                <dgm:choose name="Name13">
+                  <dgm:if name="Name14" axis="self" ptType="node" func="pos" op="equ" val="1">
+                    <dgm:shape xmlns:r="http://schemas.openxmlformats.org/officeDocument/2006/relationships" rot="180" type="homePlate" r:blip="">
+                      <dgm:adjLst>
+                        <dgm:adj idx="1" val="0.25"/>
+                      </dgm:adjLst>
+                    </dgm:shape>
+                    <dgm:presOf axis="desOrSelf" ptType="node"/>
+                    <dgm:constrLst>
+                      <dgm:constr type="h" refType="w" op="equ" fact="0.8"/>
+                      <dgm:constr type="primFontSz" val="65"/>
+                      <dgm:constr type="tMarg" refType="primFontSz" fact="0.2"/>
+                      <dgm:constr type="bMarg" refType="primFontSz" fact="0.2"/>
+                      <dgm:constr type="lMarg" refType="w" fact="0.4"/>
+                      <dgm:constr type="rMarg" refType="w" fact="0.1"/>
+                    </dgm:constrLst>
+                  </dgm:if>
+                  <dgm:else name="Name15">
+                    <dgm:shape xmlns:r="http://schemas.openxmlformats.org/officeDocument/2006/relationships" rot="180" type="chevron" r:blip="">
+                      <dgm:adjLst>
+                        <dgm:adj idx="1" val="0.25"/>
+                      </dgm:adjLst>
+                    </dgm:shape>
+                    <dgm:presOf axis="desOrSelf" ptType="node"/>
+                    <dgm:constrLst>
+                      <dgm:constr type="h" refType="w" op="equ" fact="0.8"/>
+                      <dgm:constr type="primFontSz" val="65"/>
+                      <dgm:constr type="tMarg" refType="primFontSz" fact="0.2"/>
+                      <dgm:constr type="bMarg" refType="primFontSz" fact="0.2"/>
+                      <dgm:constr type="lMarg" refType="w" fact="0.1"/>
+                      <dgm:constr type="rMarg" refType="w" fact="0.1"/>
+                    </dgm:constrLst>
+                  </dgm:else>
+                </dgm:choose>
+              </dgm:else>
+            </dgm:choose>
+            <dgm:ruleLst>
+              <dgm:rule type="primFontSz" val="5" fact="NaN" max="NaN"/>
+            </dgm:ruleLst>
+          </dgm:layoutNode>
+          <dgm:forEach name="Name16" axis="followSib" ptType="sibTrans" cnt="1">
+            <dgm:layoutNode name="parAndChSpace">
+              <dgm:alg type="sp"/>
+              <dgm:shape xmlns:r="http://schemas.openxmlformats.org/officeDocument/2006/relationships" r:blip="">
+                <dgm:adjLst/>
+              </dgm:shape>
+              <dgm:presOf/>
+              <dgm:constrLst/>
+              <dgm:ruleLst/>
+            </dgm:layoutNode>
+          </dgm:forEach>
+        </dgm:forEach>
+      </dgm:if>
+      <dgm:else name="Name17">
+        <dgm:constrLst>
+          <dgm:constr type="w" for="ch" forName="parTxOnly" refType="w"/>
+          <dgm:constr type="primFontSz" for="ch" ptType="node" op="equ"/>
+          <dgm:constr type="w" for="ch" forName="parSpace" refType="w" refFor="ch" refForName="parTxOnly" fact="-0.2"/>
+          <dgm:constr type="w" for="ch" ptType="sibTrans" op="equ"/>
+        </dgm:constrLst>
+        <dgm:ruleLst/>
+        <dgm:forEach name="Name18" axis="ch" ptType="node">
+          <dgm:layoutNode name="parTxOnly">
+            <dgm:varLst>
+              <dgm:bulletEnabled val="1"/>
+            </dgm:varLst>
+            <dgm:alg type="tx"/>
+            <dgm:presOf axis="desOrSelf" ptType="node"/>
+            <dgm:choose name="Name19">
+              <dgm:if name="Name20" func="var" arg="dir" op="equ" val="norm">
+                <dgm:choose name="Name21">
+                  <dgm:if name="Name22" axis="self" ptType="node" func="pos" op="equ" val="1">
+                    <dgm:shape xmlns:r="http://schemas.openxmlformats.org/officeDocument/2006/relationships" type="homePlate" r:blip="">
+                      <dgm:adjLst/>
+                    </dgm:shape>
+                    <dgm:constrLst>
+                      <dgm:constr type="h" refType="w" op="equ" fact="0.4"/>
+                      <dgm:constr type="primFontSz" val="65"/>
+                      <dgm:constr type="tMarg" refType="primFontSz" fact="0.21"/>
+                      <dgm:constr type="bMarg" refType="primFontSz" fact="0.21"/>
+                      <dgm:constr type="lMarg" refType="primFontSz" fact="0.42"/>
+                      <dgm:constr type="rMarg" refType="primFontSz" fact="0.105"/>
+                    </dgm:constrLst>
+                  </dgm:if>
+                  <dgm:else name="Name23">
+                    <dgm:shape xmlns:r="http://schemas.openxmlformats.org/officeDocument/2006/relationships" type="chevron" r:blip="">
+                      <dgm:adjLst/>
+                    </dgm:shape>
+                    <dgm:constrLst>
+                      <dgm:constr type="h" refType="w" op="equ" fact="0.4"/>
+                      <dgm:constr type="primFontSz" val="65"/>
+                      <dgm:constr type="tMarg" refType="primFontSz" fact="0.21"/>
+                      <dgm:constr type="bMarg" refType="primFontSz" fact="0.21"/>
+                      <dgm:constr type="lMarg" refType="primFontSz" fact="0.315"/>
+                      <dgm:constr type="rMarg" refType="primFontSz" fact="0.105"/>
+                    </dgm:constrLst>
+                  </dgm:else>
+                </dgm:choose>
+              </dgm:if>
+              <dgm:else name="Name24">
+                <dgm:choose name="Name25">
+                  <dgm:if name="Name26" axis="self" ptType="node" func="pos" op="equ" val="1">
+                    <dgm:shape xmlns:r="http://schemas.openxmlformats.org/officeDocument/2006/relationships" rot="180" type="homePlate" r:blip="">
+                      <dgm:adjLst/>
+                    </dgm:shape>
+                    <dgm:constrLst>
+                      <dgm:constr type="h" refType="w" op="equ" fact="0.4"/>
+                      <dgm:constr type="primFontSz" val="65"/>
+                      <dgm:constr type="tMarg" refType="primFontSz" fact="0.21"/>
+                      <dgm:constr type="bMarg" refType="primFontSz" fact="0.21"/>
+                      <dgm:constr type="lMarg" refType="primFontSz" fact="0.105"/>
+                      <dgm:constr type="rMarg" refType="primFontSz" fact="0.42"/>
+                    </dgm:constrLst>
+                  </dgm:if>
+                  <dgm:else name="Name27">
+                    <dgm:shape xmlns:r="http://schemas.openxmlformats.org/officeDocument/2006/relationships" rot="180" type="chevron" r:blip="">
+                      <dgm:adjLst/>
+                    </dgm:shape>
+                    <dgm:constrLst>
+                      <dgm:constr type="h" refType="w" op="equ" fact="0.4"/>
+                      <dgm:constr type="primFontSz" val="65"/>
+                      <dgm:constr type="tMarg" refType="primFontSz" fact="0.21"/>
+                      <dgm:constr type="bMarg" refType="primFontSz" fact="0.21"/>
+                      <dgm:constr type="lMarg" refType="primFontSz" fact="0.105"/>
+                      <dgm:constr type="rMarg" refType="primFontSz" fact="0.315"/>
+                    </dgm:constrLst>
+                  </dgm:else>
+                </dgm:choose>
+              </dgm:else>
+            </dgm:choose>
+            <dgm:ruleLst>
+              <dgm:rule type="primFontSz" val="5" fact="NaN" max="NaN"/>
+            </dgm:ruleLst>
+          </dgm:layoutNode>
+          <dgm:forEach name="Name28" axis="followSib" ptType="sibTrans" cnt="1">
+            <dgm:layoutNode name="parSpace">
+              <dgm:alg type="sp"/>
+              <dgm:shape xmlns:r="http://schemas.openxmlformats.org/officeDocument/2006/relationships" r:blip="">
+                <dgm:adjLst/>
+              </dgm:shape>
+              <dgm:presOf/>
+              <dgm:constrLst/>
+              <dgm:ruleLst/>
+            </dgm:layoutNode>
+          </dgm:forEach>
+        </dgm:forEach>
+      </dgm:else>
+    </dgm:choose>
+  </dgm:layoutNode>
+</dgm:layoutDef>
+</file>
+
+<file path=ppt/diagrams/layout6.xml><?xml version="1.0" encoding="utf-8"?>
+<dgm:layoutDef xmlns:dgm="http://schemas.openxmlformats.org/drawingml/2006/diagram" xmlns:a="http://schemas.openxmlformats.org/drawingml/2006/main" uniqueId="urn:microsoft.com/office/officeart/2005/8/layout/hChevron3">
+  <dgm:title val=""/>
+  <dgm:desc val=""/>
+  <dgm:catLst>
+    <dgm:cat type="process" pri="10000"/>
+  </dgm:catLst>
+  <dgm:sampData useDef="1">
+    <dgm:dataModel>
+      <dgm:ptLst/>
+      <dgm:bg/>
+      <dgm:whole/>
+    </dgm:dataModel>
+  </dgm:sampData>
+  <dgm:styleData>
+    <dgm:dataModel>
+      <dgm:ptLst>
+        <dgm:pt modelId="0" type="doc"/>
+        <dgm:pt modelId="1"/>
+        <dgm:pt modelId="2"/>
+      </dgm:ptLst>
+      <dgm:cxnLst>
+        <dgm:cxn modelId="3" srcId="0" destId="1" srcOrd="0" destOrd="0"/>
+        <dgm:cxn modelId="4" srcId="0" destId="2" srcOrd="1" destOrd="0"/>
+      </dgm:cxnLst>
+      <dgm:bg/>
+      <dgm:whole/>
+    </dgm:dataModel>
+  </dgm:styleData>
+  <dgm:clrData>
+    <dgm:dataModel>
+      <dgm:ptLst>
+        <dgm:pt modelId="0" type="doc"/>
+        <dgm:pt modelId="1"/>
+        <dgm:pt modelId="2"/>
+        <dgm:pt modelId="3"/>
+        <dgm:pt modelId="4"/>
+      </dgm:ptLst>
+      <dgm:cxnLst>
+        <dgm:cxn modelId="5" srcId="0" destId="1" srcOrd="0" destOrd="0"/>
+        <dgm:cxn modelId="6" srcId="0" destId="2" srcOrd="1" destOrd="0"/>
+        <dgm:cxn modelId="7" srcId="0" destId="3" srcOrd="2" destOrd="0"/>
+        <dgm:cxn modelId="8" srcId="0" destId="4" srcOrd="3" destOrd="0"/>
+      </dgm:cxnLst>
+      <dgm:bg/>
+      <dgm:whole/>
+    </dgm:dataModel>
+  </dgm:clrData>
+  <dgm:layoutNode name="Name0">
+    <dgm:varLst>
+      <dgm:dir/>
+      <dgm:resizeHandles val="exact"/>
+    </dgm:varLst>
+    <dgm:choose name="Name1">
+      <dgm:if name="Name2" func="var" arg="dir" op="equ" val="norm">
+        <dgm:alg type="lin"/>
+      </dgm:if>
+      <dgm:else name="Name3">
+        <dgm:alg type="lin">
+          <dgm:param type="linDir" val="fromR"/>
+        </dgm:alg>
+      </dgm:else>
+    </dgm:choose>
+    <dgm:shape xmlns:r="http://schemas.openxmlformats.org/officeDocument/2006/relationships" r:blip="">
+      <dgm:adjLst/>
+    </dgm:shape>
+    <dgm:presOf/>
+    <dgm:choose name="Name4">
+      <dgm:if name="Name5" axis="root des" func="maxDepth" op="gte" val="2">
+        <dgm:constrLst>
+          <dgm:constr type="w" for="ch" forName="parAndChTx" refType="w"/>
+          <dgm:constr type="primFontSz" for="ch" ptType="node" op="equ"/>
+          <dgm:constr type="w" for="ch" forName="parAndChSpace" refType="w" refFor="ch" refForName="parAndChTx" fact="-0.2"/>
+          <dgm:constr type="w" for="ch" ptType="sibTrans" op="equ"/>
+        </dgm:constrLst>
+        <dgm:ruleLst/>
+        <dgm:forEach name="Name6" axis="ch" ptType="node">
+          <dgm:layoutNode name="parAndChTx">
+            <dgm:varLst>
+              <dgm:bulletEnabled val="1"/>
+            </dgm:varLst>
+            <dgm:alg type="tx"/>
+            <dgm:choose name="Name7">
+              <dgm:if name="Name8" func="var" arg="dir" op="equ" val="norm">
+                <dgm:choose name="Name9">
+                  <dgm:if name="Name10" axis="self" ptType="node" func="pos" op="equ" val="1">
+                    <dgm:shape xmlns:r="http://schemas.openxmlformats.org/officeDocument/2006/relationships" type="homePlate" r:blip="">
+                      <dgm:adjLst>
+                        <dgm:adj idx="1" val="0.25"/>
+                      </dgm:adjLst>
+                    </dgm:shape>
+                    <dgm:presOf axis="desOrSelf" ptType="node"/>
+                    <dgm:constrLst>
+                      <dgm:constr type="h" refType="w" op="equ" fact="0.8"/>
+                      <dgm:constr type="primFontSz" val="65"/>
+                      <dgm:constr type="tMarg" refType="primFontSz" fact="0.2"/>
+                      <dgm:constr type="bMarg" refType="primFontSz" fact="0.2"/>
+                      <dgm:constr type="lMarg" refType="w" fact="0.1"/>
+                      <dgm:constr type="rMarg" refType="w" fact="0.4"/>
+                    </dgm:constrLst>
+                  </dgm:if>
+                  <dgm:else name="Name11">
+                    <dgm:shape xmlns:r="http://schemas.openxmlformats.org/officeDocument/2006/relationships" type="chevron" r:blip="">
+                      <dgm:adjLst>
+                        <dgm:adj idx="1" val="0.25"/>
+                      </dgm:adjLst>
+                    </dgm:shape>
+                    <dgm:presOf axis="desOrSelf" ptType="node"/>
+                    <dgm:constrLst>
+                      <dgm:constr type="h" refType="w" op="equ" fact="0.8"/>
+                      <dgm:constr type="primFontSz" val="65"/>
+                      <dgm:constr type="tMarg" refType="primFontSz" fact="0.2"/>
+                      <dgm:constr type="bMarg" refType="primFontSz" fact="0.2"/>
+                      <dgm:constr type="lMarg" refType="w" fact="0.1"/>
+                      <dgm:constr type="rMarg" refType="w" fact="0.1"/>
+                    </dgm:constrLst>
+                  </dgm:else>
+                </dgm:choose>
+              </dgm:if>
+              <dgm:else name="Name12">
+                <dgm:choose name="Name13">
+                  <dgm:if name="Name14" axis="self" ptType="node" func="pos" op="equ" val="1">
+                    <dgm:shape xmlns:r="http://schemas.openxmlformats.org/officeDocument/2006/relationships" rot="180" type="homePlate" r:blip="">
+                      <dgm:adjLst>
+                        <dgm:adj idx="1" val="0.25"/>
+                      </dgm:adjLst>
+                    </dgm:shape>
+                    <dgm:presOf axis="desOrSelf" ptType="node"/>
+                    <dgm:constrLst>
+                      <dgm:constr type="h" refType="w" op="equ" fact="0.8"/>
+                      <dgm:constr type="primFontSz" val="65"/>
+                      <dgm:constr type="tMarg" refType="primFontSz" fact="0.2"/>
+                      <dgm:constr type="bMarg" refType="primFontSz" fact="0.2"/>
+                      <dgm:constr type="lMarg" refType="w" fact="0.4"/>
+                      <dgm:constr type="rMarg" refType="w" fact="0.1"/>
+                    </dgm:constrLst>
+                  </dgm:if>
+                  <dgm:else name="Name15">
+                    <dgm:shape xmlns:r="http://schemas.openxmlformats.org/officeDocument/2006/relationships" rot="180" type="chevron" r:blip="">
+                      <dgm:adjLst>
+                        <dgm:adj idx="1" val="0.25"/>
+                      </dgm:adjLst>
+                    </dgm:shape>
+                    <dgm:presOf axis="desOrSelf" ptType="node"/>
+                    <dgm:constrLst>
+                      <dgm:constr type="h" refType="w" op="equ" fact="0.8"/>
+                      <dgm:constr type="primFontSz" val="65"/>
+                      <dgm:constr type="tMarg" refType="primFontSz" fact="0.2"/>
+                      <dgm:constr type="bMarg" refType="primFontSz" fact="0.2"/>
+                      <dgm:constr type="lMarg" refType="w" fact="0.1"/>
+                      <dgm:constr type="rMarg" refType="w" fact="0.1"/>
+                    </dgm:constrLst>
+                  </dgm:else>
+                </dgm:choose>
+              </dgm:else>
+            </dgm:choose>
+            <dgm:ruleLst>
+              <dgm:rule type="primFontSz" val="5" fact="NaN" max="NaN"/>
+            </dgm:ruleLst>
+          </dgm:layoutNode>
+          <dgm:forEach name="Name16" axis="followSib" ptType="sibTrans" cnt="1">
+            <dgm:layoutNode name="parAndChSpace">
+              <dgm:alg type="sp"/>
+              <dgm:shape xmlns:r="http://schemas.openxmlformats.org/officeDocument/2006/relationships" r:blip="">
+                <dgm:adjLst/>
+              </dgm:shape>
+              <dgm:presOf/>
+              <dgm:constrLst/>
+              <dgm:ruleLst/>
+            </dgm:layoutNode>
+          </dgm:forEach>
+        </dgm:forEach>
+      </dgm:if>
+      <dgm:else name="Name17">
+        <dgm:constrLst>
+          <dgm:constr type="w" for="ch" forName="parTxOnly" refType="w"/>
+          <dgm:constr type="primFontSz" for="ch" ptType="node" op="equ"/>
+          <dgm:constr type="w" for="ch" forName="parSpace" refType="w" refFor="ch" refForName="parTxOnly" fact="-0.2"/>
+          <dgm:constr type="w" for="ch" ptType="sibTrans" op="equ"/>
+        </dgm:constrLst>
+        <dgm:ruleLst/>
+        <dgm:forEach name="Name18" axis="ch" ptType="node">
+          <dgm:layoutNode name="parTxOnly">
+            <dgm:varLst>
+              <dgm:bulletEnabled val="1"/>
+            </dgm:varLst>
+            <dgm:alg type="tx"/>
+            <dgm:presOf axis="desOrSelf" ptType="node"/>
+            <dgm:choose name="Name19">
+              <dgm:if name="Name20" func="var" arg="dir" op="equ" val="norm">
+                <dgm:choose name="Name21">
+                  <dgm:if name="Name22" axis="self" ptType="node" func="pos" op="equ" val="1">
+                    <dgm:shape xmlns:r="http://schemas.openxmlformats.org/officeDocument/2006/relationships" type="homePlate" r:blip="">
+                      <dgm:adjLst/>
+                    </dgm:shape>
+                    <dgm:constrLst>
+                      <dgm:constr type="h" refType="w" op="equ" fact="0.4"/>
+                      <dgm:constr type="primFontSz" val="65"/>
+                      <dgm:constr type="tMarg" refType="primFontSz" fact="0.21"/>
+                      <dgm:constr type="bMarg" refType="primFontSz" fact="0.21"/>
+                      <dgm:constr type="lMarg" refType="primFontSz" fact="0.42"/>
+                      <dgm:constr type="rMarg" refType="primFontSz" fact="0.105"/>
+                    </dgm:constrLst>
+                  </dgm:if>
+                  <dgm:else name="Name23">
+                    <dgm:shape xmlns:r="http://schemas.openxmlformats.org/officeDocument/2006/relationships" type="chevron" r:blip="">
+                      <dgm:adjLst/>
+                    </dgm:shape>
+                    <dgm:constrLst>
+                      <dgm:constr type="h" refType="w" op="equ" fact="0.4"/>
+                      <dgm:constr type="primFontSz" val="65"/>
+                      <dgm:constr type="tMarg" refType="primFontSz" fact="0.21"/>
+                      <dgm:constr type="bMarg" refType="primFontSz" fact="0.21"/>
+                      <dgm:constr type="lMarg" refType="primFontSz" fact="0.315"/>
+                      <dgm:constr type="rMarg" refType="primFontSz" fact="0.105"/>
+                    </dgm:constrLst>
+                  </dgm:else>
+                </dgm:choose>
+              </dgm:if>
+              <dgm:else name="Name24">
+                <dgm:choose name="Name25">
+                  <dgm:if name="Name26" axis="self" ptType="node" func="pos" op="equ" val="1">
+                    <dgm:shape xmlns:r="http://schemas.openxmlformats.org/officeDocument/2006/relationships" rot="180" type="homePlate" r:blip="">
+                      <dgm:adjLst/>
+                    </dgm:shape>
+                    <dgm:constrLst>
+                      <dgm:constr type="h" refType="w" op="equ" fact="0.4"/>
+                      <dgm:constr type="primFontSz" val="65"/>
+                      <dgm:constr type="tMarg" refType="primFontSz" fact="0.21"/>
+                      <dgm:constr type="bMarg" refType="primFontSz" fact="0.21"/>
+                      <dgm:constr type="lMarg" refType="primFontSz" fact="0.105"/>
+                      <dgm:constr type="rMarg" refType="primFontSz" fact="0.42"/>
+                    </dgm:constrLst>
+                  </dgm:if>
+                  <dgm:else name="Name27">
+                    <dgm:shape xmlns:r="http://schemas.openxmlformats.org/officeDocument/2006/relationships" rot="180" type="chevron" r:blip="">
+                      <dgm:adjLst/>
+                    </dgm:shape>
+                    <dgm:constrLst>
+                      <dgm:constr type="h" refType="w" op="equ" fact="0.4"/>
+                      <dgm:constr type="primFontSz" val="65"/>
+                      <dgm:constr type="tMarg" refType="primFontSz" fact="0.21"/>
+                      <dgm:constr type="bMarg" refType="primFontSz" fact="0.21"/>
+                      <dgm:constr type="lMarg" refType="primFontSz" fact="0.105"/>
+                      <dgm:constr type="rMarg" refType="primFontSz" fact="0.315"/>
+                    </dgm:constrLst>
+                  </dgm:else>
+                </dgm:choose>
+              </dgm:else>
+            </dgm:choose>
+            <dgm:ruleLst>
+              <dgm:rule type="primFontSz" val="5" fact="NaN" max="NaN"/>
+            </dgm:ruleLst>
+          </dgm:layoutNode>
+          <dgm:forEach name="Name28" axis="followSib" ptType="sibTrans" cnt="1">
+            <dgm:layoutNode name="parSpace">
+              <dgm:alg type="sp"/>
+              <dgm:shape xmlns:r="http://schemas.openxmlformats.org/officeDocument/2006/relationships" r:blip="">
+                <dgm:adjLst/>
+              </dgm:shape>
+              <dgm:presOf/>
+              <dgm:constrLst/>
+              <dgm:ruleLst/>
+            </dgm:layoutNode>
+          </dgm:forEach>
+        </dgm:forEach>
+      </dgm:else>
+    </dgm:choose>
+  </dgm:layoutNode>
+</dgm:layoutDef>
+</file>
+
 <file path=ppt/diagrams/quickStyle1.xml><?xml version="1.0" encoding="utf-8"?>
 <dgm:styleDef xmlns:dgm="http://schemas.openxmlformats.org/drawingml/2006/diagram" xmlns:a="http://schemas.openxmlformats.org/drawingml/2006/main" uniqueId="urn:microsoft.com/office/officeart/2005/8/quickstyle/simple1">
   <dgm:title val=""/>
@@ -6615,6 +11192,3108 @@
 </file>
 
 <file path=ppt/diagrams/quickStyle3.xml><?xml version="1.0" encoding="utf-8"?>
+<dgm:styleDef xmlns:dgm="http://schemas.openxmlformats.org/drawingml/2006/diagram" xmlns:a="http://schemas.openxmlformats.org/drawingml/2006/main" uniqueId="urn:microsoft.com/office/officeart/2005/8/quickstyle/simple1">
+  <dgm:title val=""/>
+  <dgm:desc val=""/>
+  <dgm:catLst>
+    <dgm:cat type="simple" pri="10100"/>
+  </dgm:catLst>
+  <dgm:scene3d>
+    <a:camera prst="orthographicFront"/>
+    <a:lightRig rig="threePt" dir="t"/>
+  </dgm:scene3d>
+  <dgm:styleLbl name="node0">
+    <dgm:scene3d>
+      <a:camera prst="orthographicFront"/>
+      <a:lightRig rig="threePt" dir="t"/>
+    </dgm:scene3d>
+    <dgm:sp3d/>
+    <dgm:txPr/>
+    <dgm:style>
+      <a:lnRef idx="2">
+        <a:scrgbClr r="0" g="0" b="0"/>
+      </a:lnRef>
+      <a:fillRef idx="1">
+        <a:scrgbClr r="0" g="0" b="0"/>
+      </a:fillRef>
+      <a:effectRef idx="0">
+        <a:scrgbClr r="0" g="0" b="0"/>
+      </a:effectRef>
+      <a:fontRef idx="minor">
+        <a:schemeClr val="lt1"/>
+      </a:fontRef>
+    </dgm:style>
+  </dgm:styleLbl>
+  <dgm:styleLbl name="lnNode1">
+    <dgm:scene3d>
+      <a:camera prst="orthographicFront"/>
+      <a:lightRig rig="threePt" dir="t"/>
+    </dgm:scene3d>
+    <dgm:sp3d/>
+    <dgm:txPr/>
+    <dgm:style>
+      <a:lnRef idx="2">
+        <a:scrgbClr r="0" g="0" b="0"/>
+      </a:lnRef>
+      <a:fillRef idx="1">
+        <a:scrgbClr r="0" g="0" b="0"/>
+      </a:fillRef>
+      <a:effectRef idx="0">
+        <a:scrgbClr r="0" g="0" b="0"/>
+      </a:effectRef>
+      <a:fontRef idx="minor">
+        <a:schemeClr val="lt1"/>
+      </a:fontRef>
+    </dgm:style>
+  </dgm:styleLbl>
+  <dgm:styleLbl name="vennNode1">
+    <dgm:scene3d>
+      <a:camera prst="orthographicFront"/>
+      <a:lightRig rig="threePt" dir="t"/>
+    </dgm:scene3d>
+    <dgm:sp3d/>
+    <dgm:txPr/>
+    <dgm:style>
+      <a:lnRef idx="2">
+        <a:scrgbClr r="0" g="0" b="0"/>
+      </a:lnRef>
+      <a:fillRef idx="1">
+        <a:scrgbClr r="0" g="0" b="0"/>
+      </a:fillRef>
+      <a:effectRef idx="0">
+        <a:scrgbClr r="0" g="0" b="0"/>
+      </a:effectRef>
+      <a:fontRef idx="minor">
+        <a:schemeClr val="tx1"/>
+      </a:fontRef>
+    </dgm:style>
+  </dgm:styleLbl>
+  <dgm:styleLbl name="alignNode1">
+    <dgm:scene3d>
+      <a:camera prst="orthographicFront"/>
+      <a:lightRig rig="threePt" dir="t"/>
+    </dgm:scene3d>
+    <dgm:sp3d/>
+    <dgm:txPr/>
+    <dgm:style>
+      <a:lnRef idx="2">
+        <a:scrgbClr r="0" g="0" b="0"/>
+      </a:lnRef>
+      <a:fillRef idx="1">
+        <a:scrgbClr r="0" g="0" b="0"/>
+      </a:fillRef>
+      <a:effectRef idx="0">
+        <a:scrgbClr r="0" g="0" b="0"/>
+      </a:effectRef>
+      <a:fontRef idx="minor">
+        <a:schemeClr val="lt1"/>
+      </a:fontRef>
+    </dgm:style>
+  </dgm:styleLbl>
+  <dgm:styleLbl name="node1">
+    <dgm:scene3d>
+      <a:camera prst="orthographicFront"/>
+      <a:lightRig rig="threePt" dir="t"/>
+    </dgm:scene3d>
+    <dgm:sp3d/>
+    <dgm:txPr/>
+    <dgm:style>
+      <a:lnRef idx="2">
+        <a:scrgbClr r="0" g="0" b="0"/>
+      </a:lnRef>
+      <a:fillRef idx="1">
+        <a:scrgbClr r="0" g="0" b="0"/>
+      </a:fillRef>
+      <a:effectRef idx="0">
+        <a:scrgbClr r="0" g="0" b="0"/>
+      </a:effectRef>
+      <a:fontRef idx="minor">
+        <a:schemeClr val="lt1"/>
+      </a:fontRef>
+    </dgm:style>
+  </dgm:styleLbl>
+  <dgm:styleLbl name="node2">
+    <dgm:scene3d>
+      <a:camera prst="orthographicFront"/>
+      <a:lightRig rig="threePt" dir="t"/>
+    </dgm:scene3d>
+    <dgm:sp3d/>
+    <dgm:txPr/>
+    <dgm:style>
+      <a:lnRef idx="2">
+        <a:scrgbClr r="0" g="0" b="0"/>
+      </a:lnRef>
+      <a:fillRef idx="1">
+        <a:scrgbClr r="0" g="0" b="0"/>
+      </a:fillRef>
+      <a:effectRef idx="0">
+        <a:scrgbClr r="0" g="0" b="0"/>
+      </a:effectRef>
+      <a:fontRef idx="minor">
+        <a:schemeClr val="lt1"/>
+      </a:fontRef>
+    </dgm:style>
+  </dgm:styleLbl>
+  <dgm:styleLbl name="node3">
+    <dgm:scene3d>
+      <a:camera prst="orthographicFront"/>
+      <a:lightRig rig="threePt" dir="t"/>
+    </dgm:scene3d>
+    <dgm:sp3d/>
+    <dgm:txPr/>
+    <dgm:style>
+      <a:lnRef idx="2">
+        <a:scrgbClr r="0" g="0" b="0"/>
+      </a:lnRef>
+      <a:fillRef idx="1">
+        <a:scrgbClr r="0" g="0" b="0"/>
+      </a:fillRef>
+      <a:effectRef idx="0">
+        <a:scrgbClr r="0" g="0" b="0"/>
+      </a:effectRef>
+      <a:fontRef idx="minor">
+        <a:schemeClr val="lt1"/>
+      </a:fontRef>
+    </dgm:style>
+  </dgm:styleLbl>
+  <dgm:styleLbl name="node4">
+    <dgm:scene3d>
+      <a:camera prst="orthographicFront"/>
+      <a:lightRig rig="threePt" dir="t"/>
+    </dgm:scene3d>
+    <dgm:sp3d/>
+    <dgm:txPr/>
+    <dgm:style>
+      <a:lnRef idx="2">
+        <a:scrgbClr r="0" g="0" b="0"/>
+      </a:lnRef>
+      <a:fillRef idx="1">
+        <a:scrgbClr r="0" g="0" b="0"/>
+      </a:fillRef>
+      <a:effectRef idx="0">
+        <a:scrgbClr r="0" g="0" b="0"/>
+      </a:effectRef>
+      <a:fontRef idx="minor">
+        <a:schemeClr val="lt1"/>
+      </a:fontRef>
+    </dgm:style>
+  </dgm:styleLbl>
+  <dgm:styleLbl name="fgImgPlace1">
+    <dgm:scene3d>
+      <a:camera prst="orthographicFront"/>
+      <a:lightRig rig="threePt" dir="t"/>
+    </dgm:scene3d>
+    <dgm:sp3d/>
+    <dgm:txPr/>
+    <dgm:style>
+      <a:lnRef idx="2">
+        <a:scrgbClr r="0" g="0" b="0"/>
+      </a:lnRef>
+      <a:fillRef idx="1">
+        <a:scrgbClr r="0" g="0" b="0"/>
+      </a:fillRef>
+      <a:effectRef idx="0">
+        <a:scrgbClr r="0" g="0" b="0"/>
+      </a:effectRef>
+      <a:fontRef idx="minor"/>
+    </dgm:style>
+  </dgm:styleLbl>
+  <dgm:styleLbl name="alignImgPlace1">
+    <dgm:scene3d>
+      <a:camera prst="orthographicFront"/>
+      <a:lightRig rig="threePt" dir="t"/>
+    </dgm:scene3d>
+    <dgm:sp3d/>
+    <dgm:txPr/>
+    <dgm:style>
+      <a:lnRef idx="2">
+        <a:scrgbClr r="0" g="0" b="0"/>
+      </a:lnRef>
+      <a:fillRef idx="1">
+        <a:scrgbClr r="0" g="0" b="0"/>
+      </a:fillRef>
+      <a:effectRef idx="0">
+        <a:scrgbClr r="0" g="0" b="0"/>
+      </a:effectRef>
+      <a:fontRef idx="minor"/>
+    </dgm:style>
+  </dgm:styleLbl>
+  <dgm:styleLbl name="bgImgPlace1">
+    <dgm:scene3d>
+      <a:camera prst="orthographicFront"/>
+      <a:lightRig rig="threePt" dir="t"/>
+    </dgm:scene3d>
+    <dgm:sp3d/>
+    <dgm:txPr/>
+    <dgm:style>
+      <a:lnRef idx="2">
+        <a:scrgbClr r="0" g="0" b="0"/>
+      </a:lnRef>
+      <a:fillRef idx="1">
+        <a:scrgbClr r="0" g="0" b="0"/>
+      </a:fillRef>
+      <a:effectRef idx="0">
+        <a:scrgbClr r="0" g="0" b="0"/>
+      </a:effectRef>
+      <a:fontRef idx="minor"/>
+    </dgm:style>
+  </dgm:styleLbl>
+  <dgm:styleLbl name="sibTrans2D1">
+    <dgm:scene3d>
+      <a:camera prst="orthographicFront"/>
+      <a:lightRig rig="threePt" dir="t"/>
+    </dgm:scene3d>
+    <dgm:sp3d/>
+    <dgm:txPr/>
+    <dgm:style>
+      <a:lnRef idx="0">
+        <a:scrgbClr r="0" g="0" b="0"/>
+      </a:lnRef>
+      <a:fillRef idx="1">
+        <a:scrgbClr r="0" g="0" b="0"/>
+      </a:fillRef>
+      <a:effectRef idx="0">
+        <a:scrgbClr r="0" g="0" b="0"/>
+      </a:effectRef>
+      <a:fontRef idx="minor">
+        <a:schemeClr val="lt1"/>
+      </a:fontRef>
+    </dgm:style>
+  </dgm:styleLbl>
+  <dgm:styleLbl name="fgSibTrans2D1">
+    <dgm:scene3d>
+      <a:camera prst="orthographicFront"/>
+      <a:lightRig rig="threePt" dir="t"/>
+    </dgm:scene3d>
+    <dgm:sp3d/>
+    <dgm:txPr/>
+    <dgm:style>
+      <a:lnRef idx="0">
+        <a:scrgbClr r="0" g="0" b="0"/>
+      </a:lnRef>
+      <a:fillRef idx="1">
+        <a:scrgbClr r="0" g="0" b="0"/>
+      </a:fillRef>
+      <a:effectRef idx="0">
+        <a:scrgbClr r="0" g="0" b="0"/>
+      </a:effectRef>
+      <a:fontRef idx="minor">
+        <a:schemeClr val="lt1"/>
+      </a:fontRef>
+    </dgm:style>
+  </dgm:styleLbl>
+  <dgm:styleLbl name="bgSibTrans2D1">
+    <dgm:scene3d>
+      <a:camera prst="orthographicFront"/>
+      <a:lightRig rig="threePt" dir="t"/>
+    </dgm:scene3d>
+    <dgm:sp3d/>
+    <dgm:txPr/>
+    <dgm:style>
+      <a:lnRef idx="0">
+        <a:scrgbClr r="0" g="0" b="0"/>
+      </a:lnRef>
+      <a:fillRef idx="1">
+        <a:scrgbClr r="0" g="0" b="0"/>
+      </a:fillRef>
+      <a:effectRef idx="0">
+        <a:scrgbClr r="0" g="0" b="0"/>
+      </a:effectRef>
+      <a:fontRef idx="minor">
+        <a:schemeClr val="lt1"/>
+      </a:fontRef>
+    </dgm:style>
+  </dgm:styleLbl>
+  <dgm:styleLbl name="sibTrans1D1">
+    <dgm:scene3d>
+      <a:camera prst="orthographicFront"/>
+      <a:lightRig rig="threePt" dir="t"/>
+    </dgm:scene3d>
+    <dgm:sp3d/>
+    <dgm:txPr/>
+    <dgm:style>
+      <a:lnRef idx="1">
+        <a:scrgbClr r="0" g="0" b="0"/>
+      </a:lnRef>
+      <a:fillRef idx="0">
+        <a:scrgbClr r="0" g="0" b="0"/>
+      </a:fillRef>
+      <a:effectRef idx="0">
+        <a:scrgbClr r="0" g="0" b="0"/>
+      </a:effectRef>
+      <a:fontRef idx="minor"/>
+    </dgm:style>
+  </dgm:styleLbl>
+  <dgm:styleLbl name="callout">
+    <dgm:scene3d>
+      <a:camera prst="orthographicFront"/>
+      <a:lightRig rig="threePt" dir="t"/>
+    </dgm:scene3d>
+    <dgm:sp3d/>
+    <dgm:txPr/>
+    <dgm:style>
+      <a:lnRef idx="2">
+        <a:scrgbClr r="0" g="0" b="0"/>
+      </a:lnRef>
+      <a:fillRef idx="1">
+        <a:scrgbClr r="0" g="0" b="0"/>
+      </a:fillRef>
+      <a:effectRef idx="0">
+        <a:scrgbClr r="0" g="0" b="0"/>
+      </a:effectRef>
+      <a:fontRef idx="minor"/>
+    </dgm:style>
+  </dgm:styleLbl>
+  <dgm:styleLbl name="asst0">
+    <dgm:scene3d>
+      <a:camera prst="orthographicFront"/>
+      <a:lightRig rig="threePt" dir="t"/>
+    </dgm:scene3d>
+    <dgm:sp3d/>
+    <dgm:txPr/>
+    <dgm:style>
+      <a:lnRef idx="2">
+        <a:scrgbClr r="0" g="0" b="0"/>
+      </a:lnRef>
+      <a:fillRef idx="1">
+        <a:scrgbClr r="0" g="0" b="0"/>
+      </a:fillRef>
+      <a:effectRef idx="0">
+        <a:scrgbClr r="0" g="0" b="0"/>
+      </a:effectRef>
+      <a:fontRef idx="minor">
+        <a:schemeClr val="lt1"/>
+      </a:fontRef>
+    </dgm:style>
+  </dgm:styleLbl>
+  <dgm:styleLbl name="asst1">
+    <dgm:scene3d>
+      <a:camera prst="orthographicFront"/>
+      <a:lightRig rig="threePt" dir="t"/>
+    </dgm:scene3d>
+    <dgm:sp3d/>
+    <dgm:txPr/>
+    <dgm:style>
+      <a:lnRef idx="2">
+        <a:scrgbClr r="0" g="0" b="0"/>
+      </a:lnRef>
+      <a:fillRef idx="1">
+        <a:scrgbClr r="0" g="0" b="0"/>
+      </a:fillRef>
+      <a:effectRef idx="0">
+        <a:scrgbClr r="0" g="0" b="0"/>
+      </a:effectRef>
+      <a:fontRef idx="minor">
+        <a:schemeClr val="lt1"/>
+      </a:fontRef>
+    </dgm:style>
+  </dgm:styleLbl>
+  <dgm:styleLbl name="asst2">
+    <dgm:scene3d>
+      <a:camera prst="orthographicFront"/>
+      <a:lightRig rig="threePt" dir="t"/>
+    </dgm:scene3d>
+    <dgm:sp3d/>
+    <dgm:txPr/>
+    <dgm:style>
+      <a:lnRef idx="2">
+        <a:scrgbClr r="0" g="0" b="0"/>
+      </a:lnRef>
+      <a:fillRef idx="1">
+        <a:scrgbClr r="0" g="0" b="0"/>
+      </a:fillRef>
+      <a:effectRef idx="0">
+        <a:scrgbClr r="0" g="0" b="0"/>
+      </a:effectRef>
+      <a:fontRef idx="minor">
+        <a:schemeClr val="lt1"/>
+      </a:fontRef>
+    </dgm:style>
+  </dgm:styleLbl>
+  <dgm:styleLbl name="asst3">
+    <dgm:scene3d>
+      <a:camera prst="orthographicFront"/>
+      <a:lightRig rig="threePt" dir="t"/>
+    </dgm:scene3d>
+    <dgm:sp3d/>
+    <dgm:txPr/>
+    <dgm:style>
+      <a:lnRef idx="2">
+        <a:scrgbClr r="0" g="0" b="0"/>
+      </a:lnRef>
+      <a:fillRef idx="1">
+        <a:scrgbClr r="0" g="0" b="0"/>
+      </a:fillRef>
+      <a:effectRef idx="0">
+        <a:scrgbClr r="0" g="0" b="0"/>
+      </a:effectRef>
+      <a:fontRef idx="minor">
+        <a:schemeClr val="lt1"/>
+      </a:fontRef>
+    </dgm:style>
+  </dgm:styleLbl>
+  <dgm:styleLbl name="asst4">
+    <dgm:scene3d>
+      <a:camera prst="orthographicFront"/>
+      <a:lightRig rig="threePt" dir="t"/>
+    </dgm:scene3d>
+    <dgm:sp3d/>
+    <dgm:txPr/>
+    <dgm:style>
+      <a:lnRef idx="2">
+        <a:scrgbClr r="0" g="0" b="0"/>
+      </a:lnRef>
+      <a:fillRef idx="1">
+        <a:scrgbClr r="0" g="0" b="0"/>
+      </a:fillRef>
+      <a:effectRef idx="0">
+        <a:scrgbClr r="0" g="0" b="0"/>
+      </a:effectRef>
+      <a:fontRef idx="minor">
+        <a:schemeClr val="lt1"/>
+      </a:fontRef>
+    </dgm:style>
+  </dgm:styleLbl>
+  <dgm:styleLbl name="parChTrans2D1">
+    <dgm:scene3d>
+      <a:camera prst="orthographicFront"/>
+      <a:lightRig rig="threePt" dir="t"/>
+    </dgm:scene3d>
+    <dgm:sp3d/>
+    <dgm:txPr/>
+    <dgm:style>
+      <a:lnRef idx="2">
+        <a:scrgbClr r="0" g="0" b="0"/>
+      </a:lnRef>
+      <a:fillRef idx="1">
+        <a:scrgbClr r="0" g="0" b="0"/>
+      </a:fillRef>
+      <a:effectRef idx="0">
+        <a:scrgbClr r="0" g="0" b="0"/>
+      </a:effectRef>
+      <a:fontRef idx="minor">
+        <a:schemeClr val="lt1"/>
+      </a:fontRef>
+    </dgm:style>
+  </dgm:styleLbl>
+  <dgm:styleLbl name="parChTrans2D2">
+    <dgm:scene3d>
+      <a:camera prst="orthographicFront"/>
+      <a:lightRig rig="threePt" dir="t"/>
+    </dgm:scene3d>
+    <dgm:sp3d/>
+    <dgm:txPr/>
+    <dgm:style>
+      <a:lnRef idx="2">
+        <a:scrgbClr r="0" g="0" b="0"/>
+      </a:lnRef>
+      <a:fillRef idx="1">
+        <a:scrgbClr r="0" g="0" b="0"/>
+      </a:fillRef>
+      <a:effectRef idx="0">
+        <a:scrgbClr r="0" g="0" b="0"/>
+      </a:effectRef>
+      <a:fontRef idx="minor">
+        <a:schemeClr val="lt1"/>
+      </a:fontRef>
+    </dgm:style>
+  </dgm:styleLbl>
+  <dgm:styleLbl name="parChTrans2D3">
+    <dgm:scene3d>
+      <a:camera prst="orthographicFront"/>
+      <a:lightRig rig="threePt" dir="t"/>
+    </dgm:scene3d>
+    <dgm:sp3d/>
+    <dgm:txPr/>
+    <dgm:style>
+      <a:lnRef idx="2">
+        <a:scrgbClr r="0" g="0" b="0"/>
+      </a:lnRef>
+      <a:fillRef idx="1">
+        <a:scrgbClr r="0" g="0" b="0"/>
+      </a:fillRef>
+      <a:effectRef idx="0">
+        <a:scrgbClr r="0" g="0" b="0"/>
+      </a:effectRef>
+      <a:fontRef idx="minor">
+        <a:schemeClr val="lt1"/>
+      </a:fontRef>
+    </dgm:style>
+  </dgm:styleLbl>
+  <dgm:styleLbl name="parChTrans2D4">
+    <dgm:scene3d>
+      <a:camera prst="orthographicFront"/>
+      <a:lightRig rig="threePt" dir="t"/>
+    </dgm:scene3d>
+    <dgm:sp3d/>
+    <dgm:txPr/>
+    <dgm:style>
+      <a:lnRef idx="2">
+        <a:scrgbClr r="0" g="0" b="0"/>
+      </a:lnRef>
+      <a:fillRef idx="1">
+        <a:scrgbClr r="0" g="0" b="0"/>
+      </a:fillRef>
+      <a:effectRef idx="0">
+        <a:scrgbClr r="0" g="0" b="0"/>
+      </a:effectRef>
+      <a:fontRef idx="minor">
+        <a:schemeClr val="lt1"/>
+      </a:fontRef>
+    </dgm:style>
+  </dgm:styleLbl>
+  <dgm:styleLbl name="parChTrans1D1">
+    <dgm:scene3d>
+      <a:camera prst="orthographicFront"/>
+      <a:lightRig rig="threePt" dir="t"/>
+    </dgm:scene3d>
+    <dgm:sp3d/>
+    <dgm:txPr/>
+    <dgm:style>
+      <a:lnRef idx="2">
+        <a:scrgbClr r="0" g="0" b="0"/>
+      </a:lnRef>
+      <a:fillRef idx="0">
+        <a:scrgbClr r="0" g="0" b="0"/>
+      </a:fillRef>
+      <a:effectRef idx="0">
+        <a:scrgbClr r="0" g="0" b="0"/>
+      </a:effectRef>
+      <a:fontRef idx="minor"/>
+    </dgm:style>
+  </dgm:styleLbl>
+  <dgm:styleLbl name="parChTrans1D2">
+    <dgm:scene3d>
+      <a:camera prst="orthographicFront"/>
+      <a:lightRig rig="threePt" dir="t"/>
+    </dgm:scene3d>
+    <dgm:sp3d/>
+    <dgm:txPr/>
+    <dgm:style>
+      <a:lnRef idx="2">
+        <a:scrgbClr r="0" g="0" b="0"/>
+      </a:lnRef>
+      <a:fillRef idx="0">
+        <a:scrgbClr r="0" g="0" b="0"/>
+      </a:fillRef>
+      <a:effectRef idx="0">
+        <a:scrgbClr r="0" g="0" b="0"/>
+      </a:effectRef>
+      <a:fontRef idx="minor"/>
+    </dgm:style>
+  </dgm:styleLbl>
+  <dgm:styleLbl name="parChTrans1D3">
+    <dgm:scene3d>
+      <a:camera prst="orthographicFront"/>
+      <a:lightRig rig="threePt" dir="t"/>
+    </dgm:scene3d>
+    <dgm:sp3d/>
+    <dgm:txPr/>
+    <dgm:style>
+      <a:lnRef idx="2">
+        <a:scrgbClr r="0" g="0" b="0"/>
+      </a:lnRef>
+      <a:fillRef idx="0">
+        <a:scrgbClr r="0" g="0" b="0"/>
+      </a:fillRef>
+      <a:effectRef idx="0">
+        <a:scrgbClr r="0" g="0" b="0"/>
+      </a:effectRef>
+      <a:fontRef idx="minor"/>
+    </dgm:style>
+  </dgm:styleLbl>
+  <dgm:styleLbl name="parChTrans1D4">
+    <dgm:scene3d>
+      <a:camera prst="orthographicFront"/>
+      <a:lightRig rig="threePt" dir="t"/>
+    </dgm:scene3d>
+    <dgm:sp3d/>
+    <dgm:txPr/>
+    <dgm:style>
+      <a:lnRef idx="2">
+        <a:scrgbClr r="0" g="0" b="0"/>
+      </a:lnRef>
+      <a:fillRef idx="0">
+        <a:scrgbClr r="0" g="0" b="0"/>
+      </a:fillRef>
+      <a:effectRef idx="0">
+        <a:scrgbClr r="0" g="0" b="0"/>
+      </a:effectRef>
+      <a:fontRef idx="minor"/>
+    </dgm:style>
+  </dgm:styleLbl>
+  <dgm:styleLbl name="fgAcc1">
+    <dgm:scene3d>
+      <a:camera prst="orthographicFront"/>
+      <a:lightRig rig="threePt" dir="t"/>
+    </dgm:scene3d>
+    <dgm:sp3d/>
+    <dgm:txPr/>
+    <dgm:style>
+      <a:lnRef idx="2">
+        <a:scrgbClr r="0" g="0" b="0"/>
+      </a:lnRef>
+      <a:fillRef idx="1">
+        <a:scrgbClr r="0" g="0" b="0"/>
+      </a:fillRef>
+      <a:effectRef idx="0">
+        <a:scrgbClr r="0" g="0" b="0"/>
+      </a:effectRef>
+      <a:fontRef idx="minor"/>
+    </dgm:style>
+  </dgm:styleLbl>
+  <dgm:styleLbl name="conFgAcc1">
+    <dgm:scene3d>
+      <a:camera prst="orthographicFront"/>
+      <a:lightRig rig="threePt" dir="t"/>
+    </dgm:scene3d>
+    <dgm:sp3d/>
+    <dgm:txPr/>
+    <dgm:style>
+      <a:lnRef idx="2">
+        <a:scrgbClr r="0" g="0" b="0"/>
+      </a:lnRef>
+      <a:fillRef idx="1">
+        <a:scrgbClr r="0" g="0" b="0"/>
+      </a:fillRef>
+      <a:effectRef idx="0">
+        <a:scrgbClr r="0" g="0" b="0"/>
+      </a:effectRef>
+      <a:fontRef idx="minor"/>
+    </dgm:style>
+  </dgm:styleLbl>
+  <dgm:styleLbl name="alignAcc1">
+    <dgm:scene3d>
+      <a:camera prst="orthographicFront"/>
+      <a:lightRig rig="threePt" dir="t"/>
+    </dgm:scene3d>
+    <dgm:sp3d/>
+    <dgm:txPr/>
+    <dgm:style>
+      <a:lnRef idx="2">
+        <a:scrgbClr r="0" g="0" b="0"/>
+      </a:lnRef>
+      <a:fillRef idx="1">
+        <a:scrgbClr r="0" g="0" b="0"/>
+      </a:fillRef>
+      <a:effectRef idx="0">
+        <a:scrgbClr r="0" g="0" b="0"/>
+      </a:effectRef>
+      <a:fontRef idx="minor"/>
+    </dgm:style>
+  </dgm:styleLbl>
+  <dgm:styleLbl name="trAlignAcc1">
+    <dgm:scene3d>
+      <a:camera prst="orthographicFront"/>
+      <a:lightRig rig="threePt" dir="t"/>
+    </dgm:scene3d>
+    <dgm:sp3d/>
+    <dgm:txPr/>
+    <dgm:style>
+      <a:lnRef idx="1">
+        <a:scrgbClr r="0" g="0" b="0"/>
+      </a:lnRef>
+      <a:fillRef idx="1">
+        <a:scrgbClr r="0" g="0" b="0"/>
+      </a:fillRef>
+      <a:effectRef idx="0">
+        <a:scrgbClr r="0" g="0" b="0"/>
+      </a:effectRef>
+      <a:fontRef idx="minor"/>
+    </dgm:style>
+  </dgm:styleLbl>
+  <dgm:styleLbl name="bgAcc1">
+    <dgm:scene3d>
+      <a:camera prst="orthographicFront"/>
+      <a:lightRig rig="threePt" dir="t"/>
+    </dgm:scene3d>
+    <dgm:sp3d/>
+    <dgm:txPr/>
+    <dgm:style>
+      <a:lnRef idx="2">
+        <a:scrgbClr r="0" g="0" b="0"/>
+      </a:lnRef>
+      <a:fillRef idx="1">
+        <a:scrgbClr r="0" g="0" b="0"/>
+      </a:fillRef>
+      <a:effectRef idx="0">
+        <a:scrgbClr r="0" g="0" b="0"/>
+      </a:effectRef>
+      <a:fontRef idx="minor"/>
+    </dgm:style>
+  </dgm:styleLbl>
+  <dgm:styleLbl name="solidFgAcc1">
+    <dgm:scene3d>
+      <a:camera prst="orthographicFront"/>
+      <a:lightRig rig="threePt" dir="t"/>
+    </dgm:scene3d>
+    <dgm:sp3d/>
+    <dgm:txPr/>
+    <dgm:style>
+      <a:lnRef idx="2">
+        <a:scrgbClr r="0" g="0" b="0"/>
+      </a:lnRef>
+      <a:fillRef idx="1">
+        <a:scrgbClr r="0" g="0" b="0"/>
+      </a:fillRef>
+      <a:effectRef idx="0">
+        <a:scrgbClr r="0" g="0" b="0"/>
+      </a:effectRef>
+      <a:fontRef idx="minor"/>
+    </dgm:style>
+  </dgm:styleLbl>
+  <dgm:styleLbl name="solidAlignAcc1">
+    <dgm:scene3d>
+      <a:camera prst="orthographicFront"/>
+      <a:lightRig rig="threePt" dir="t"/>
+    </dgm:scene3d>
+    <dgm:sp3d/>
+    <dgm:txPr/>
+    <dgm:style>
+      <a:lnRef idx="2">
+        <a:scrgbClr r="0" g="0" b="0"/>
+      </a:lnRef>
+      <a:fillRef idx="1">
+        <a:scrgbClr r="0" g="0" b="0"/>
+      </a:fillRef>
+      <a:effectRef idx="0">
+        <a:scrgbClr r="0" g="0" b="0"/>
+      </a:effectRef>
+      <a:fontRef idx="minor"/>
+    </dgm:style>
+  </dgm:styleLbl>
+  <dgm:styleLbl name="solidBgAcc1">
+    <dgm:scene3d>
+      <a:camera prst="orthographicFront"/>
+      <a:lightRig rig="threePt" dir="t"/>
+    </dgm:scene3d>
+    <dgm:sp3d/>
+    <dgm:txPr/>
+    <dgm:style>
+      <a:lnRef idx="2">
+        <a:scrgbClr r="0" g="0" b="0"/>
+      </a:lnRef>
+      <a:fillRef idx="1">
+        <a:scrgbClr r="0" g="0" b="0"/>
+      </a:fillRef>
+      <a:effectRef idx="0">
+        <a:scrgbClr r="0" g="0" b="0"/>
+      </a:effectRef>
+      <a:fontRef idx="minor"/>
+    </dgm:style>
+  </dgm:styleLbl>
+  <dgm:styleLbl name="fgAccFollowNode1">
+    <dgm:scene3d>
+      <a:camera prst="orthographicFront"/>
+      <a:lightRig rig="threePt" dir="t"/>
+    </dgm:scene3d>
+    <dgm:sp3d/>
+    <dgm:txPr/>
+    <dgm:style>
+      <a:lnRef idx="2">
+        <a:scrgbClr r="0" g="0" b="0"/>
+      </a:lnRef>
+      <a:fillRef idx="1">
+        <a:scrgbClr r="0" g="0" b="0"/>
+      </a:fillRef>
+      <a:effectRef idx="0">
+        <a:scrgbClr r="0" g="0" b="0"/>
+      </a:effectRef>
+      <a:fontRef idx="minor"/>
+    </dgm:style>
+  </dgm:styleLbl>
+  <dgm:styleLbl name="alignAccFollowNode1">
+    <dgm:scene3d>
+      <a:camera prst="orthographicFront"/>
+      <a:lightRig rig="threePt" dir="t"/>
+    </dgm:scene3d>
+    <dgm:sp3d/>
+    <dgm:txPr/>
+    <dgm:style>
+      <a:lnRef idx="2">
+        <a:scrgbClr r="0" g="0" b="0"/>
+      </a:lnRef>
+      <a:fillRef idx="1">
+        <a:scrgbClr r="0" g="0" b="0"/>
+      </a:fillRef>
+      <a:effectRef idx="0">
+        <a:scrgbClr r="0" g="0" b="0"/>
+      </a:effectRef>
+      <a:fontRef idx="minor"/>
+    </dgm:style>
+  </dgm:styleLbl>
+  <dgm:styleLbl name="bgAccFollowNode1">
+    <dgm:scene3d>
+      <a:camera prst="orthographicFront"/>
+      <a:lightRig rig="threePt" dir="t"/>
+    </dgm:scene3d>
+    <dgm:sp3d/>
+    <dgm:txPr/>
+    <dgm:style>
+      <a:lnRef idx="2">
+        <a:scrgbClr r="0" g="0" b="0"/>
+      </a:lnRef>
+      <a:fillRef idx="1">
+        <a:scrgbClr r="0" g="0" b="0"/>
+      </a:fillRef>
+      <a:effectRef idx="0">
+        <a:scrgbClr r="0" g="0" b="0"/>
+      </a:effectRef>
+      <a:fontRef idx="minor"/>
+    </dgm:style>
+  </dgm:styleLbl>
+  <dgm:styleLbl name="fgAcc0">
+    <dgm:scene3d>
+      <a:camera prst="orthographicFront"/>
+      <a:lightRig rig="threePt" dir="t"/>
+    </dgm:scene3d>
+    <dgm:sp3d/>
+    <dgm:txPr/>
+    <dgm:style>
+      <a:lnRef idx="2">
+        <a:scrgbClr r="0" g="0" b="0"/>
+      </a:lnRef>
+      <a:fillRef idx="1">
+        <a:scrgbClr r="0" g="0" b="0"/>
+      </a:fillRef>
+      <a:effectRef idx="0">
+        <a:scrgbClr r="0" g="0" b="0"/>
+      </a:effectRef>
+      <a:fontRef idx="minor"/>
+    </dgm:style>
+  </dgm:styleLbl>
+  <dgm:styleLbl name="fgAcc2">
+    <dgm:scene3d>
+      <a:camera prst="orthographicFront"/>
+      <a:lightRig rig="threePt" dir="t"/>
+    </dgm:scene3d>
+    <dgm:sp3d/>
+    <dgm:txPr/>
+    <dgm:style>
+      <a:lnRef idx="2">
+        <a:scrgbClr r="0" g="0" b="0"/>
+      </a:lnRef>
+      <a:fillRef idx="1">
+        <a:scrgbClr r="0" g="0" b="0"/>
+      </a:fillRef>
+      <a:effectRef idx="0">
+        <a:scrgbClr r="0" g="0" b="0"/>
+      </a:effectRef>
+      <a:fontRef idx="minor"/>
+    </dgm:style>
+  </dgm:styleLbl>
+  <dgm:styleLbl name="fgAcc3">
+    <dgm:scene3d>
+      <a:camera prst="orthographicFront"/>
+      <a:lightRig rig="threePt" dir="t"/>
+    </dgm:scene3d>
+    <dgm:sp3d/>
+    <dgm:txPr/>
+    <dgm:style>
+      <a:lnRef idx="2">
+        <a:scrgbClr r="0" g="0" b="0"/>
+      </a:lnRef>
+      <a:fillRef idx="1">
+        <a:scrgbClr r="0" g="0" b="0"/>
+      </a:fillRef>
+      <a:effectRef idx="0">
+        <a:scrgbClr r="0" g="0" b="0"/>
+      </a:effectRef>
+      <a:fontRef idx="minor"/>
+    </dgm:style>
+  </dgm:styleLbl>
+  <dgm:styleLbl name="fgAcc4">
+    <dgm:scene3d>
+      <a:camera prst="orthographicFront"/>
+      <a:lightRig rig="threePt" dir="t"/>
+    </dgm:scene3d>
+    <dgm:sp3d/>
+    <dgm:txPr/>
+    <dgm:style>
+      <a:lnRef idx="2">
+        <a:scrgbClr r="0" g="0" b="0"/>
+      </a:lnRef>
+      <a:fillRef idx="1">
+        <a:scrgbClr r="0" g="0" b="0"/>
+      </a:fillRef>
+      <a:effectRef idx="0">
+        <a:scrgbClr r="0" g="0" b="0"/>
+      </a:effectRef>
+      <a:fontRef idx="minor"/>
+    </dgm:style>
+  </dgm:styleLbl>
+  <dgm:styleLbl name="bgShp">
+    <dgm:scene3d>
+      <a:camera prst="orthographicFront"/>
+      <a:lightRig rig="threePt" dir="t"/>
+    </dgm:scene3d>
+    <dgm:sp3d/>
+    <dgm:txPr/>
+    <dgm:style>
+      <a:lnRef idx="0">
+        <a:scrgbClr r="0" g="0" b="0"/>
+      </a:lnRef>
+      <a:fillRef idx="1">
+        <a:scrgbClr r="0" g="0" b="0"/>
+      </a:fillRef>
+      <a:effectRef idx="0">
+        <a:scrgbClr r="0" g="0" b="0"/>
+      </a:effectRef>
+      <a:fontRef idx="minor"/>
+    </dgm:style>
+  </dgm:styleLbl>
+  <dgm:styleLbl name="dkBgShp">
+    <dgm:scene3d>
+      <a:camera prst="orthographicFront"/>
+      <a:lightRig rig="threePt" dir="t"/>
+    </dgm:scene3d>
+    <dgm:sp3d/>
+    <dgm:txPr/>
+    <dgm:style>
+      <a:lnRef idx="0">
+        <a:scrgbClr r="0" g="0" b="0"/>
+      </a:lnRef>
+      <a:fillRef idx="1">
+        <a:scrgbClr r="0" g="0" b="0"/>
+      </a:fillRef>
+      <a:effectRef idx="0">
+        <a:scrgbClr r="0" g="0" b="0"/>
+      </a:effectRef>
+      <a:fontRef idx="minor"/>
+    </dgm:style>
+  </dgm:styleLbl>
+  <dgm:styleLbl name="trBgShp">
+    <dgm:scene3d>
+      <a:camera prst="orthographicFront"/>
+      <a:lightRig rig="threePt" dir="t"/>
+    </dgm:scene3d>
+    <dgm:sp3d/>
+    <dgm:txPr/>
+    <dgm:style>
+      <a:lnRef idx="0">
+        <a:scrgbClr r="0" g="0" b="0"/>
+      </a:lnRef>
+      <a:fillRef idx="1">
+        <a:scrgbClr r="0" g="0" b="0"/>
+      </a:fillRef>
+      <a:effectRef idx="0">
+        <a:scrgbClr r="0" g="0" b="0"/>
+      </a:effectRef>
+      <a:fontRef idx="minor"/>
+    </dgm:style>
+  </dgm:styleLbl>
+  <dgm:styleLbl name="fgShp">
+    <dgm:scene3d>
+      <a:camera prst="orthographicFront"/>
+      <a:lightRig rig="threePt" dir="t"/>
+    </dgm:scene3d>
+    <dgm:sp3d/>
+    <dgm:txPr/>
+    <dgm:style>
+      <a:lnRef idx="2">
+        <a:scrgbClr r="0" g="0" b="0"/>
+      </a:lnRef>
+      <a:fillRef idx="1">
+        <a:scrgbClr r="0" g="0" b="0"/>
+      </a:fillRef>
+      <a:effectRef idx="0">
+        <a:scrgbClr r="0" g="0" b="0"/>
+      </a:effectRef>
+      <a:fontRef idx="minor"/>
+    </dgm:style>
+  </dgm:styleLbl>
+  <dgm:styleLbl name="revTx">
+    <dgm:scene3d>
+      <a:camera prst="orthographicFront"/>
+      <a:lightRig rig="threePt" dir="t"/>
+    </dgm:scene3d>
+    <dgm:sp3d/>
+    <dgm:txPr/>
+    <dgm:style>
+      <a:lnRef idx="0">
+        <a:scrgbClr r="0" g="0" b="0"/>
+      </a:lnRef>
+      <a:fillRef idx="0">
+        <a:scrgbClr r="0" g="0" b="0"/>
+      </a:fillRef>
+      <a:effectRef idx="0">
+        <a:scrgbClr r="0" g="0" b="0"/>
+      </a:effectRef>
+      <a:fontRef idx="minor"/>
+    </dgm:style>
+  </dgm:styleLbl>
+</dgm:styleDef>
+</file>
+
+<file path=ppt/diagrams/quickStyle4.xml><?xml version="1.0" encoding="utf-8"?>
+<dgm:styleDef xmlns:dgm="http://schemas.openxmlformats.org/drawingml/2006/diagram" xmlns:a="http://schemas.openxmlformats.org/drawingml/2006/main" uniqueId="urn:microsoft.com/office/officeart/2005/8/quickstyle/simple1">
+  <dgm:title val=""/>
+  <dgm:desc val=""/>
+  <dgm:catLst>
+    <dgm:cat type="simple" pri="10100"/>
+  </dgm:catLst>
+  <dgm:scene3d>
+    <a:camera prst="orthographicFront"/>
+    <a:lightRig rig="threePt" dir="t"/>
+  </dgm:scene3d>
+  <dgm:styleLbl name="node0">
+    <dgm:scene3d>
+      <a:camera prst="orthographicFront"/>
+      <a:lightRig rig="threePt" dir="t"/>
+    </dgm:scene3d>
+    <dgm:sp3d/>
+    <dgm:txPr/>
+    <dgm:style>
+      <a:lnRef idx="2">
+        <a:scrgbClr r="0" g="0" b="0"/>
+      </a:lnRef>
+      <a:fillRef idx="1">
+        <a:scrgbClr r="0" g="0" b="0"/>
+      </a:fillRef>
+      <a:effectRef idx="0">
+        <a:scrgbClr r="0" g="0" b="0"/>
+      </a:effectRef>
+      <a:fontRef idx="minor">
+        <a:schemeClr val="lt1"/>
+      </a:fontRef>
+    </dgm:style>
+  </dgm:styleLbl>
+  <dgm:styleLbl name="lnNode1">
+    <dgm:scene3d>
+      <a:camera prst="orthographicFront"/>
+      <a:lightRig rig="threePt" dir="t"/>
+    </dgm:scene3d>
+    <dgm:sp3d/>
+    <dgm:txPr/>
+    <dgm:style>
+      <a:lnRef idx="2">
+        <a:scrgbClr r="0" g="0" b="0"/>
+      </a:lnRef>
+      <a:fillRef idx="1">
+        <a:scrgbClr r="0" g="0" b="0"/>
+      </a:fillRef>
+      <a:effectRef idx="0">
+        <a:scrgbClr r="0" g="0" b="0"/>
+      </a:effectRef>
+      <a:fontRef idx="minor">
+        <a:schemeClr val="lt1"/>
+      </a:fontRef>
+    </dgm:style>
+  </dgm:styleLbl>
+  <dgm:styleLbl name="vennNode1">
+    <dgm:scene3d>
+      <a:camera prst="orthographicFront"/>
+      <a:lightRig rig="threePt" dir="t"/>
+    </dgm:scene3d>
+    <dgm:sp3d/>
+    <dgm:txPr/>
+    <dgm:style>
+      <a:lnRef idx="2">
+        <a:scrgbClr r="0" g="0" b="0"/>
+      </a:lnRef>
+      <a:fillRef idx="1">
+        <a:scrgbClr r="0" g="0" b="0"/>
+      </a:fillRef>
+      <a:effectRef idx="0">
+        <a:scrgbClr r="0" g="0" b="0"/>
+      </a:effectRef>
+      <a:fontRef idx="minor">
+        <a:schemeClr val="tx1"/>
+      </a:fontRef>
+    </dgm:style>
+  </dgm:styleLbl>
+  <dgm:styleLbl name="alignNode1">
+    <dgm:scene3d>
+      <a:camera prst="orthographicFront"/>
+      <a:lightRig rig="threePt" dir="t"/>
+    </dgm:scene3d>
+    <dgm:sp3d/>
+    <dgm:txPr/>
+    <dgm:style>
+      <a:lnRef idx="2">
+        <a:scrgbClr r="0" g="0" b="0"/>
+      </a:lnRef>
+      <a:fillRef idx="1">
+        <a:scrgbClr r="0" g="0" b="0"/>
+      </a:fillRef>
+      <a:effectRef idx="0">
+        <a:scrgbClr r="0" g="0" b="0"/>
+      </a:effectRef>
+      <a:fontRef idx="minor">
+        <a:schemeClr val="lt1"/>
+      </a:fontRef>
+    </dgm:style>
+  </dgm:styleLbl>
+  <dgm:styleLbl name="node1">
+    <dgm:scene3d>
+      <a:camera prst="orthographicFront"/>
+      <a:lightRig rig="threePt" dir="t"/>
+    </dgm:scene3d>
+    <dgm:sp3d/>
+    <dgm:txPr/>
+    <dgm:style>
+      <a:lnRef idx="2">
+        <a:scrgbClr r="0" g="0" b="0"/>
+      </a:lnRef>
+      <a:fillRef idx="1">
+        <a:scrgbClr r="0" g="0" b="0"/>
+      </a:fillRef>
+      <a:effectRef idx="0">
+        <a:scrgbClr r="0" g="0" b="0"/>
+      </a:effectRef>
+      <a:fontRef idx="minor">
+        <a:schemeClr val="lt1"/>
+      </a:fontRef>
+    </dgm:style>
+  </dgm:styleLbl>
+  <dgm:styleLbl name="node2">
+    <dgm:scene3d>
+      <a:camera prst="orthographicFront"/>
+      <a:lightRig rig="threePt" dir="t"/>
+    </dgm:scene3d>
+    <dgm:sp3d/>
+    <dgm:txPr/>
+    <dgm:style>
+      <a:lnRef idx="2">
+        <a:scrgbClr r="0" g="0" b="0"/>
+      </a:lnRef>
+      <a:fillRef idx="1">
+        <a:scrgbClr r="0" g="0" b="0"/>
+      </a:fillRef>
+      <a:effectRef idx="0">
+        <a:scrgbClr r="0" g="0" b="0"/>
+      </a:effectRef>
+      <a:fontRef idx="minor">
+        <a:schemeClr val="lt1"/>
+      </a:fontRef>
+    </dgm:style>
+  </dgm:styleLbl>
+  <dgm:styleLbl name="node3">
+    <dgm:scene3d>
+      <a:camera prst="orthographicFront"/>
+      <a:lightRig rig="threePt" dir="t"/>
+    </dgm:scene3d>
+    <dgm:sp3d/>
+    <dgm:txPr/>
+    <dgm:style>
+      <a:lnRef idx="2">
+        <a:scrgbClr r="0" g="0" b="0"/>
+      </a:lnRef>
+      <a:fillRef idx="1">
+        <a:scrgbClr r="0" g="0" b="0"/>
+      </a:fillRef>
+      <a:effectRef idx="0">
+        <a:scrgbClr r="0" g="0" b="0"/>
+      </a:effectRef>
+      <a:fontRef idx="minor">
+        <a:schemeClr val="lt1"/>
+      </a:fontRef>
+    </dgm:style>
+  </dgm:styleLbl>
+  <dgm:styleLbl name="node4">
+    <dgm:scene3d>
+      <a:camera prst="orthographicFront"/>
+      <a:lightRig rig="threePt" dir="t"/>
+    </dgm:scene3d>
+    <dgm:sp3d/>
+    <dgm:txPr/>
+    <dgm:style>
+      <a:lnRef idx="2">
+        <a:scrgbClr r="0" g="0" b="0"/>
+      </a:lnRef>
+      <a:fillRef idx="1">
+        <a:scrgbClr r="0" g="0" b="0"/>
+      </a:fillRef>
+      <a:effectRef idx="0">
+        <a:scrgbClr r="0" g="0" b="0"/>
+      </a:effectRef>
+      <a:fontRef idx="minor">
+        <a:schemeClr val="lt1"/>
+      </a:fontRef>
+    </dgm:style>
+  </dgm:styleLbl>
+  <dgm:styleLbl name="fgImgPlace1">
+    <dgm:scene3d>
+      <a:camera prst="orthographicFront"/>
+      <a:lightRig rig="threePt" dir="t"/>
+    </dgm:scene3d>
+    <dgm:sp3d/>
+    <dgm:txPr/>
+    <dgm:style>
+      <a:lnRef idx="2">
+        <a:scrgbClr r="0" g="0" b="0"/>
+      </a:lnRef>
+      <a:fillRef idx="1">
+        <a:scrgbClr r="0" g="0" b="0"/>
+      </a:fillRef>
+      <a:effectRef idx="0">
+        <a:scrgbClr r="0" g="0" b="0"/>
+      </a:effectRef>
+      <a:fontRef idx="minor"/>
+    </dgm:style>
+  </dgm:styleLbl>
+  <dgm:styleLbl name="alignImgPlace1">
+    <dgm:scene3d>
+      <a:camera prst="orthographicFront"/>
+      <a:lightRig rig="threePt" dir="t"/>
+    </dgm:scene3d>
+    <dgm:sp3d/>
+    <dgm:txPr/>
+    <dgm:style>
+      <a:lnRef idx="2">
+        <a:scrgbClr r="0" g="0" b="0"/>
+      </a:lnRef>
+      <a:fillRef idx="1">
+        <a:scrgbClr r="0" g="0" b="0"/>
+      </a:fillRef>
+      <a:effectRef idx="0">
+        <a:scrgbClr r="0" g="0" b="0"/>
+      </a:effectRef>
+      <a:fontRef idx="minor"/>
+    </dgm:style>
+  </dgm:styleLbl>
+  <dgm:styleLbl name="bgImgPlace1">
+    <dgm:scene3d>
+      <a:camera prst="orthographicFront"/>
+      <a:lightRig rig="threePt" dir="t"/>
+    </dgm:scene3d>
+    <dgm:sp3d/>
+    <dgm:txPr/>
+    <dgm:style>
+      <a:lnRef idx="2">
+        <a:scrgbClr r="0" g="0" b="0"/>
+      </a:lnRef>
+      <a:fillRef idx="1">
+        <a:scrgbClr r="0" g="0" b="0"/>
+      </a:fillRef>
+      <a:effectRef idx="0">
+        <a:scrgbClr r="0" g="0" b="0"/>
+      </a:effectRef>
+      <a:fontRef idx="minor"/>
+    </dgm:style>
+  </dgm:styleLbl>
+  <dgm:styleLbl name="sibTrans2D1">
+    <dgm:scene3d>
+      <a:camera prst="orthographicFront"/>
+      <a:lightRig rig="threePt" dir="t"/>
+    </dgm:scene3d>
+    <dgm:sp3d/>
+    <dgm:txPr/>
+    <dgm:style>
+      <a:lnRef idx="0">
+        <a:scrgbClr r="0" g="0" b="0"/>
+      </a:lnRef>
+      <a:fillRef idx="1">
+        <a:scrgbClr r="0" g="0" b="0"/>
+      </a:fillRef>
+      <a:effectRef idx="0">
+        <a:scrgbClr r="0" g="0" b="0"/>
+      </a:effectRef>
+      <a:fontRef idx="minor">
+        <a:schemeClr val="lt1"/>
+      </a:fontRef>
+    </dgm:style>
+  </dgm:styleLbl>
+  <dgm:styleLbl name="fgSibTrans2D1">
+    <dgm:scene3d>
+      <a:camera prst="orthographicFront"/>
+      <a:lightRig rig="threePt" dir="t"/>
+    </dgm:scene3d>
+    <dgm:sp3d/>
+    <dgm:txPr/>
+    <dgm:style>
+      <a:lnRef idx="0">
+        <a:scrgbClr r="0" g="0" b="0"/>
+      </a:lnRef>
+      <a:fillRef idx="1">
+        <a:scrgbClr r="0" g="0" b="0"/>
+      </a:fillRef>
+      <a:effectRef idx="0">
+        <a:scrgbClr r="0" g="0" b="0"/>
+      </a:effectRef>
+      <a:fontRef idx="minor">
+        <a:schemeClr val="lt1"/>
+      </a:fontRef>
+    </dgm:style>
+  </dgm:styleLbl>
+  <dgm:styleLbl name="bgSibTrans2D1">
+    <dgm:scene3d>
+      <a:camera prst="orthographicFront"/>
+      <a:lightRig rig="threePt" dir="t"/>
+    </dgm:scene3d>
+    <dgm:sp3d/>
+    <dgm:txPr/>
+    <dgm:style>
+      <a:lnRef idx="0">
+        <a:scrgbClr r="0" g="0" b="0"/>
+      </a:lnRef>
+      <a:fillRef idx="1">
+        <a:scrgbClr r="0" g="0" b="0"/>
+      </a:fillRef>
+      <a:effectRef idx="0">
+        <a:scrgbClr r="0" g="0" b="0"/>
+      </a:effectRef>
+      <a:fontRef idx="minor">
+        <a:schemeClr val="lt1"/>
+      </a:fontRef>
+    </dgm:style>
+  </dgm:styleLbl>
+  <dgm:styleLbl name="sibTrans1D1">
+    <dgm:scene3d>
+      <a:camera prst="orthographicFront"/>
+      <a:lightRig rig="threePt" dir="t"/>
+    </dgm:scene3d>
+    <dgm:sp3d/>
+    <dgm:txPr/>
+    <dgm:style>
+      <a:lnRef idx="1">
+        <a:scrgbClr r="0" g="0" b="0"/>
+      </a:lnRef>
+      <a:fillRef idx="0">
+        <a:scrgbClr r="0" g="0" b="0"/>
+      </a:fillRef>
+      <a:effectRef idx="0">
+        <a:scrgbClr r="0" g="0" b="0"/>
+      </a:effectRef>
+      <a:fontRef idx="minor"/>
+    </dgm:style>
+  </dgm:styleLbl>
+  <dgm:styleLbl name="callout">
+    <dgm:scene3d>
+      <a:camera prst="orthographicFront"/>
+      <a:lightRig rig="threePt" dir="t"/>
+    </dgm:scene3d>
+    <dgm:sp3d/>
+    <dgm:txPr/>
+    <dgm:style>
+      <a:lnRef idx="2">
+        <a:scrgbClr r="0" g="0" b="0"/>
+      </a:lnRef>
+      <a:fillRef idx="1">
+        <a:scrgbClr r="0" g="0" b="0"/>
+      </a:fillRef>
+      <a:effectRef idx="0">
+        <a:scrgbClr r="0" g="0" b="0"/>
+      </a:effectRef>
+      <a:fontRef idx="minor"/>
+    </dgm:style>
+  </dgm:styleLbl>
+  <dgm:styleLbl name="asst0">
+    <dgm:scene3d>
+      <a:camera prst="orthographicFront"/>
+      <a:lightRig rig="threePt" dir="t"/>
+    </dgm:scene3d>
+    <dgm:sp3d/>
+    <dgm:txPr/>
+    <dgm:style>
+      <a:lnRef idx="2">
+        <a:scrgbClr r="0" g="0" b="0"/>
+      </a:lnRef>
+      <a:fillRef idx="1">
+        <a:scrgbClr r="0" g="0" b="0"/>
+      </a:fillRef>
+      <a:effectRef idx="0">
+        <a:scrgbClr r="0" g="0" b="0"/>
+      </a:effectRef>
+      <a:fontRef idx="minor">
+        <a:schemeClr val="lt1"/>
+      </a:fontRef>
+    </dgm:style>
+  </dgm:styleLbl>
+  <dgm:styleLbl name="asst1">
+    <dgm:scene3d>
+      <a:camera prst="orthographicFront"/>
+      <a:lightRig rig="threePt" dir="t"/>
+    </dgm:scene3d>
+    <dgm:sp3d/>
+    <dgm:txPr/>
+    <dgm:style>
+      <a:lnRef idx="2">
+        <a:scrgbClr r="0" g="0" b="0"/>
+      </a:lnRef>
+      <a:fillRef idx="1">
+        <a:scrgbClr r="0" g="0" b="0"/>
+      </a:fillRef>
+      <a:effectRef idx="0">
+        <a:scrgbClr r="0" g="0" b="0"/>
+      </a:effectRef>
+      <a:fontRef idx="minor">
+        <a:schemeClr val="lt1"/>
+      </a:fontRef>
+    </dgm:style>
+  </dgm:styleLbl>
+  <dgm:styleLbl name="asst2">
+    <dgm:scene3d>
+      <a:camera prst="orthographicFront"/>
+      <a:lightRig rig="threePt" dir="t"/>
+    </dgm:scene3d>
+    <dgm:sp3d/>
+    <dgm:txPr/>
+    <dgm:style>
+      <a:lnRef idx="2">
+        <a:scrgbClr r="0" g="0" b="0"/>
+      </a:lnRef>
+      <a:fillRef idx="1">
+        <a:scrgbClr r="0" g="0" b="0"/>
+      </a:fillRef>
+      <a:effectRef idx="0">
+        <a:scrgbClr r="0" g="0" b="0"/>
+      </a:effectRef>
+      <a:fontRef idx="minor">
+        <a:schemeClr val="lt1"/>
+      </a:fontRef>
+    </dgm:style>
+  </dgm:styleLbl>
+  <dgm:styleLbl name="asst3">
+    <dgm:scene3d>
+      <a:camera prst="orthographicFront"/>
+      <a:lightRig rig="threePt" dir="t"/>
+    </dgm:scene3d>
+    <dgm:sp3d/>
+    <dgm:txPr/>
+    <dgm:style>
+      <a:lnRef idx="2">
+        <a:scrgbClr r="0" g="0" b="0"/>
+      </a:lnRef>
+      <a:fillRef idx="1">
+        <a:scrgbClr r="0" g="0" b="0"/>
+      </a:fillRef>
+      <a:effectRef idx="0">
+        <a:scrgbClr r="0" g="0" b="0"/>
+      </a:effectRef>
+      <a:fontRef idx="minor">
+        <a:schemeClr val="lt1"/>
+      </a:fontRef>
+    </dgm:style>
+  </dgm:styleLbl>
+  <dgm:styleLbl name="asst4">
+    <dgm:scene3d>
+      <a:camera prst="orthographicFront"/>
+      <a:lightRig rig="threePt" dir="t"/>
+    </dgm:scene3d>
+    <dgm:sp3d/>
+    <dgm:txPr/>
+    <dgm:style>
+      <a:lnRef idx="2">
+        <a:scrgbClr r="0" g="0" b="0"/>
+      </a:lnRef>
+      <a:fillRef idx="1">
+        <a:scrgbClr r="0" g="0" b="0"/>
+      </a:fillRef>
+      <a:effectRef idx="0">
+        <a:scrgbClr r="0" g="0" b="0"/>
+      </a:effectRef>
+      <a:fontRef idx="minor">
+        <a:schemeClr val="lt1"/>
+      </a:fontRef>
+    </dgm:style>
+  </dgm:styleLbl>
+  <dgm:styleLbl name="parChTrans2D1">
+    <dgm:scene3d>
+      <a:camera prst="orthographicFront"/>
+      <a:lightRig rig="threePt" dir="t"/>
+    </dgm:scene3d>
+    <dgm:sp3d/>
+    <dgm:txPr/>
+    <dgm:style>
+      <a:lnRef idx="2">
+        <a:scrgbClr r="0" g="0" b="0"/>
+      </a:lnRef>
+      <a:fillRef idx="1">
+        <a:scrgbClr r="0" g="0" b="0"/>
+      </a:fillRef>
+      <a:effectRef idx="0">
+        <a:scrgbClr r="0" g="0" b="0"/>
+      </a:effectRef>
+      <a:fontRef idx="minor">
+        <a:schemeClr val="lt1"/>
+      </a:fontRef>
+    </dgm:style>
+  </dgm:styleLbl>
+  <dgm:styleLbl name="parChTrans2D2">
+    <dgm:scene3d>
+      <a:camera prst="orthographicFront"/>
+      <a:lightRig rig="threePt" dir="t"/>
+    </dgm:scene3d>
+    <dgm:sp3d/>
+    <dgm:txPr/>
+    <dgm:style>
+      <a:lnRef idx="2">
+        <a:scrgbClr r="0" g="0" b="0"/>
+      </a:lnRef>
+      <a:fillRef idx="1">
+        <a:scrgbClr r="0" g="0" b="0"/>
+      </a:fillRef>
+      <a:effectRef idx="0">
+        <a:scrgbClr r="0" g="0" b="0"/>
+      </a:effectRef>
+      <a:fontRef idx="minor">
+        <a:schemeClr val="lt1"/>
+      </a:fontRef>
+    </dgm:style>
+  </dgm:styleLbl>
+  <dgm:styleLbl name="parChTrans2D3">
+    <dgm:scene3d>
+      <a:camera prst="orthographicFront"/>
+      <a:lightRig rig="threePt" dir="t"/>
+    </dgm:scene3d>
+    <dgm:sp3d/>
+    <dgm:txPr/>
+    <dgm:style>
+      <a:lnRef idx="2">
+        <a:scrgbClr r="0" g="0" b="0"/>
+      </a:lnRef>
+      <a:fillRef idx="1">
+        <a:scrgbClr r="0" g="0" b="0"/>
+      </a:fillRef>
+      <a:effectRef idx="0">
+        <a:scrgbClr r="0" g="0" b="0"/>
+      </a:effectRef>
+      <a:fontRef idx="minor">
+        <a:schemeClr val="lt1"/>
+      </a:fontRef>
+    </dgm:style>
+  </dgm:styleLbl>
+  <dgm:styleLbl name="parChTrans2D4">
+    <dgm:scene3d>
+      <a:camera prst="orthographicFront"/>
+      <a:lightRig rig="threePt" dir="t"/>
+    </dgm:scene3d>
+    <dgm:sp3d/>
+    <dgm:txPr/>
+    <dgm:style>
+      <a:lnRef idx="2">
+        <a:scrgbClr r="0" g="0" b="0"/>
+      </a:lnRef>
+      <a:fillRef idx="1">
+        <a:scrgbClr r="0" g="0" b="0"/>
+      </a:fillRef>
+      <a:effectRef idx="0">
+        <a:scrgbClr r="0" g="0" b="0"/>
+      </a:effectRef>
+      <a:fontRef idx="minor">
+        <a:schemeClr val="lt1"/>
+      </a:fontRef>
+    </dgm:style>
+  </dgm:styleLbl>
+  <dgm:styleLbl name="parChTrans1D1">
+    <dgm:scene3d>
+      <a:camera prst="orthographicFront"/>
+      <a:lightRig rig="threePt" dir="t"/>
+    </dgm:scene3d>
+    <dgm:sp3d/>
+    <dgm:txPr/>
+    <dgm:style>
+      <a:lnRef idx="2">
+        <a:scrgbClr r="0" g="0" b="0"/>
+      </a:lnRef>
+      <a:fillRef idx="0">
+        <a:scrgbClr r="0" g="0" b="0"/>
+      </a:fillRef>
+      <a:effectRef idx="0">
+        <a:scrgbClr r="0" g="0" b="0"/>
+      </a:effectRef>
+      <a:fontRef idx="minor"/>
+    </dgm:style>
+  </dgm:styleLbl>
+  <dgm:styleLbl name="parChTrans1D2">
+    <dgm:scene3d>
+      <a:camera prst="orthographicFront"/>
+      <a:lightRig rig="threePt" dir="t"/>
+    </dgm:scene3d>
+    <dgm:sp3d/>
+    <dgm:txPr/>
+    <dgm:style>
+      <a:lnRef idx="2">
+        <a:scrgbClr r="0" g="0" b="0"/>
+      </a:lnRef>
+      <a:fillRef idx="0">
+        <a:scrgbClr r="0" g="0" b="0"/>
+      </a:fillRef>
+      <a:effectRef idx="0">
+        <a:scrgbClr r="0" g="0" b="0"/>
+      </a:effectRef>
+      <a:fontRef idx="minor"/>
+    </dgm:style>
+  </dgm:styleLbl>
+  <dgm:styleLbl name="parChTrans1D3">
+    <dgm:scene3d>
+      <a:camera prst="orthographicFront"/>
+      <a:lightRig rig="threePt" dir="t"/>
+    </dgm:scene3d>
+    <dgm:sp3d/>
+    <dgm:txPr/>
+    <dgm:style>
+      <a:lnRef idx="2">
+        <a:scrgbClr r="0" g="0" b="0"/>
+      </a:lnRef>
+      <a:fillRef idx="0">
+        <a:scrgbClr r="0" g="0" b="0"/>
+      </a:fillRef>
+      <a:effectRef idx="0">
+        <a:scrgbClr r="0" g="0" b="0"/>
+      </a:effectRef>
+      <a:fontRef idx="minor"/>
+    </dgm:style>
+  </dgm:styleLbl>
+  <dgm:styleLbl name="parChTrans1D4">
+    <dgm:scene3d>
+      <a:camera prst="orthographicFront"/>
+      <a:lightRig rig="threePt" dir="t"/>
+    </dgm:scene3d>
+    <dgm:sp3d/>
+    <dgm:txPr/>
+    <dgm:style>
+      <a:lnRef idx="2">
+        <a:scrgbClr r="0" g="0" b="0"/>
+      </a:lnRef>
+      <a:fillRef idx="0">
+        <a:scrgbClr r="0" g="0" b="0"/>
+      </a:fillRef>
+      <a:effectRef idx="0">
+        <a:scrgbClr r="0" g="0" b="0"/>
+      </a:effectRef>
+      <a:fontRef idx="minor"/>
+    </dgm:style>
+  </dgm:styleLbl>
+  <dgm:styleLbl name="fgAcc1">
+    <dgm:scene3d>
+      <a:camera prst="orthographicFront"/>
+      <a:lightRig rig="threePt" dir="t"/>
+    </dgm:scene3d>
+    <dgm:sp3d/>
+    <dgm:txPr/>
+    <dgm:style>
+      <a:lnRef idx="2">
+        <a:scrgbClr r="0" g="0" b="0"/>
+      </a:lnRef>
+      <a:fillRef idx="1">
+        <a:scrgbClr r="0" g="0" b="0"/>
+      </a:fillRef>
+      <a:effectRef idx="0">
+        <a:scrgbClr r="0" g="0" b="0"/>
+      </a:effectRef>
+      <a:fontRef idx="minor"/>
+    </dgm:style>
+  </dgm:styleLbl>
+  <dgm:styleLbl name="conFgAcc1">
+    <dgm:scene3d>
+      <a:camera prst="orthographicFront"/>
+      <a:lightRig rig="threePt" dir="t"/>
+    </dgm:scene3d>
+    <dgm:sp3d/>
+    <dgm:txPr/>
+    <dgm:style>
+      <a:lnRef idx="2">
+        <a:scrgbClr r="0" g="0" b="0"/>
+      </a:lnRef>
+      <a:fillRef idx="1">
+        <a:scrgbClr r="0" g="0" b="0"/>
+      </a:fillRef>
+      <a:effectRef idx="0">
+        <a:scrgbClr r="0" g="0" b="0"/>
+      </a:effectRef>
+      <a:fontRef idx="minor"/>
+    </dgm:style>
+  </dgm:styleLbl>
+  <dgm:styleLbl name="alignAcc1">
+    <dgm:scene3d>
+      <a:camera prst="orthographicFront"/>
+      <a:lightRig rig="threePt" dir="t"/>
+    </dgm:scene3d>
+    <dgm:sp3d/>
+    <dgm:txPr/>
+    <dgm:style>
+      <a:lnRef idx="2">
+        <a:scrgbClr r="0" g="0" b="0"/>
+      </a:lnRef>
+      <a:fillRef idx="1">
+        <a:scrgbClr r="0" g="0" b="0"/>
+      </a:fillRef>
+      <a:effectRef idx="0">
+        <a:scrgbClr r="0" g="0" b="0"/>
+      </a:effectRef>
+      <a:fontRef idx="minor"/>
+    </dgm:style>
+  </dgm:styleLbl>
+  <dgm:styleLbl name="trAlignAcc1">
+    <dgm:scene3d>
+      <a:camera prst="orthographicFront"/>
+      <a:lightRig rig="threePt" dir="t"/>
+    </dgm:scene3d>
+    <dgm:sp3d/>
+    <dgm:txPr/>
+    <dgm:style>
+      <a:lnRef idx="1">
+        <a:scrgbClr r="0" g="0" b="0"/>
+      </a:lnRef>
+      <a:fillRef idx="1">
+        <a:scrgbClr r="0" g="0" b="0"/>
+      </a:fillRef>
+      <a:effectRef idx="0">
+        <a:scrgbClr r="0" g="0" b="0"/>
+      </a:effectRef>
+      <a:fontRef idx="minor"/>
+    </dgm:style>
+  </dgm:styleLbl>
+  <dgm:styleLbl name="bgAcc1">
+    <dgm:scene3d>
+      <a:camera prst="orthographicFront"/>
+      <a:lightRig rig="threePt" dir="t"/>
+    </dgm:scene3d>
+    <dgm:sp3d/>
+    <dgm:txPr/>
+    <dgm:style>
+      <a:lnRef idx="2">
+        <a:scrgbClr r="0" g="0" b="0"/>
+      </a:lnRef>
+      <a:fillRef idx="1">
+        <a:scrgbClr r="0" g="0" b="0"/>
+      </a:fillRef>
+      <a:effectRef idx="0">
+        <a:scrgbClr r="0" g="0" b="0"/>
+      </a:effectRef>
+      <a:fontRef idx="minor"/>
+    </dgm:style>
+  </dgm:styleLbl>
+  <dgm:styleLbl name="solidFgAcc1">
+    <dgm:scene3d>
+      <a:camera prst="orthographicFront"/>
+      <a:lightRig rig="threePt" dir="t"/>
+    </dgm:scene3d>
+    <dgm:sp3d/>
+    <dgm:txPr/>
+    <dgm:style>
+      <a:lnRef idx="2">
+        <a:scrgbClr r="0" g="0" b="0"/>
+      </a:lnRef>
+      <a:fillRef idx="1">
+        <a:scrgbClr r="0" g="0" b="0"/>
+      </a:fillRef>
+      <a:effectRef idx="0">
+        <a:scrgbClr r="0" g="0" b="0"/>
+      </a:effectRef>
+      <a:fontRef idx="minor"/>
+    </dgm:style>
+  </dgm:styleLbl>
+  <dgm:styleLbl name="solidAlignAcc1">
+    <dgm:scene3d>
+      <a:camera prst="orthographicFront"/>
+      <a:lightRig rig="threePt" dir="t"/>
+    </dgm:scene3d>
+    <dgm:sp3d/>
+    <dgm:txPr/>
+    <dgm:style>
+      <a:lnRef idx="2">
+        <a:scrgbClr r="0" g="0" b="0"/>
+      </a:lnRef>
+      <a:fillRef idx="1">
+        <a:scrgbClr r="0" g="0" b="0"/>
+      </a:fillRef>
+      <a:effectRef idx="0">
+        <a:scrgbClr r="0" g="0" b="0"/>
+      </a:effectRef>
+      <a:fontRef idx="minor"/>
+    </dgm:style>
+  </dgm:styleLbl>
+  <dgm:styleLbl name="solidBgAcc1">
+    <dgm:scene3d>
+      <a:camera prst="orthographicFront"/>
+      <a:lightRig rig="threePt" dir="t"/>
+    </dgm:scene3d>
+    <dgm:sp3d/>
+    <dgm:txPr/>
+    <dgm:style>
+      <a:lnRef idx="2">
+        <a:scrgbClr r="0" g="0" b="0"/>
+      </a:lnRef>
+      <a:fillRef idx="1">
+        <a:scrgbClr r="0" g="0" b="0"/>
+      </a:fillRef>
+      <a:effectRef idx="0">
+        <a:scrgbClr r="0" g="0" b="0"/>
+      </a:effectRef>
+      <a:fontRef idx="minor"/>
+    </dgm:style>
+  </dgm:styleLbl>
+  <dgm:styleLbl name="fgAccFollowNode1">
+    <dgm:scene3d>
+      <a:camera prst="orthographicFront"/>
+      <a:lightRig rig="threePt" dir="t"/>
+    </dgm:scene3d>
+    <dgm:sp3d/>
+    <dgm:txPr/>
+    <dgm:style>
+      <a:lnRef idx="2">
+        <a:scrgbClr r="0" g="0" b="0"/>
+      </a:lnRef>
+      <a:fillRef idx="1">
+        <a:scrgbClr r="0" g="0" b="0"/>
+      </a:fillRef>
+      <a:effectRef idx="0">
+        <a:scrgbClr r="0" g="0" b="0"/>
+      </a:effectRef>
+      <a:fontRef idx="minor"/>
+    </dgm:style>
+  </dgm:styleLbl>
+  <dgm:styleLbl name="alignAccFollowNode1">
+    <dgm:scene3d>
+      <a:camera prst="orthographicFront"/>
+      <a:lightRig rig="threePt" dir="t"/>
+    </dgm:scene3d>
+    <dgm:sp3d/>
+    <dgm:txPr/>
+    <dgm:style>
+      <a:lnRef idx="2">
+        <a:scrgbClr r="0" g="0" b="0"/>
+      </a:lnRef>
+      <a:fillRef idx="1">
+        <a:scrgbClr r="0" g="0" b="0"/>
+      </a:fillRef>
+      <a:effectRef idx="0">
+        <a:scrgbClr r="0" g="0" b="0"/>
+      </a:effectRef>
+      <a:fontRef idx="minor"/>
+    </dgm:style>
+  </dgm:styleLbl>
+  <dgm:styleLbl name="bgAccFollowNode1">
+    <dgm:scene3d>
+      <a:camera prst="orthographicFront"/>
+      <a:lightRig rig="threePt" dir="t"/>
+    </dgm:scene3d>
+    <dgm:sp3d/>
+    <dgm:txPr/>
+    <dgm:style>
+      <a:lnRef idx="2">
+        <a:scrgbClr r="0" g="0" b="0"/>
+      </a:lnRef>
+      <a:fillRef idx="1">
+        <a:scrgbClr r="0" g="0" b="0"/>
+      </a:fillRef>
+      <a:effectRef idx="0">
+        <a:scrgbClr r="0" g="0" b="0"/>
+      </a:effectRef>
+      <a:fontRef idx="minor"/>
+    </dgm:style>
+  </dgm:styleLbl>
+  <dgm:styleLbl name="fgAcc0">
+    <dgm:scene3d>
+      <a:camera prst="orthographicFront"/>
+      <a:lightRig rig="threePt" dir="t"/>
+    </dgm:scene3d>
+    <dgm:sp3d/>
+    <dgm:txPr/>
+    <dgm:style>
+      <a:lnRef idx="2">
+        <a:scrgbClr r="0" g="0" b="0"/>
+      </a:lnRef>
+      <a:fillRef idx="1">
+        <a:scrgbClr r="0" g="0" b="0"/>
+      </a:fillRef>
+      <a:effectRef idx="0">
+        <a:scrgbClr r="0" g="0" b="0"/>
+      </a:effectRef>
+      <a:fontRef idx="minor"/>
+    </dgm:style>
+  </dgm:styleLbl>
+  <dgm:styleLbl name="fgAcc2">
+    <dgm:scene3d>
+      <a:camera prst="orthographicFront"/>
+      <a:lightRig rig="threePt" dir="t"/>
+    </dgm:scene3d>
+    <dgm:sp3d/>
+    <dgm:txPr/>
+    <dgm:style>
+      <a:lnRef idx="2">
+        <a:scrgbClr r="0" g="0" b="0"/>
+      </a:lnRef>
+      <a:fillRef idx="1">
+        <a:scrgbClr r="0" g="0" b="0"/>
+      </a:fillRef>
+      <a:effectRef idx="0">
+        <a:scrgbClr r="0" g="0" b="0"/>
+      </a:effectRef>
+      <a:fontRef idx="minor"/>
+    </dgm:style>
+  </dgm:styleLbl>
+  <dgm:styleLbl name="fgAcc3">
+    <dgm:scene3d>
+      <a:camera prst="orthographicFront"/>
+      <a:lightRig rig="threePt" dir="t"/>
+    </dgm:scene3d>
+    <dgm:sp3d/>
+    <dgm:txPr/>
+    <dgm:style>
+      <a:lnRef idx="2">
+        <a:scrgbClr r="0" g="0" b="0"/>
+      </a:lnRef>
+      <a:fillRef idx="1">
+        <a:scrgbClr r="0" g="0" b="0"/>
+      </a:fillRef>
+      <a:effectRef idx="0">
+        <a:scrgbClr r="0" g="0" b="0"/>
+      </a:effectRef>
+      <a:fontRef idx="minor"/>
+    </dgm:style>
+  </dgm:styleLbl>
+  <dgm:styleLbl name="fgAcc4">
+    <dgm:scene3d>
+      <a:camera prst="orthographicFront"/>
+      <a:lightRig rig="threePt" dir="t"/>
+    </dgm:scene3d>
+    <dgm:sp3d/>
+    <dgm:txPr/>
+    <dgm:style>
+      <a:lnRef idx="2">
+        <a:scrgbClr r="0" g="0" b="0"/>
+      </a:lnRef>
+      <a:fillRef idx="1">
+        <a:scrgbClr r="0" g="0" b="0"/>
+      </a:fillRef>
+      <a:effectRef idx="0">
+        <a:scrgbClr r="0" g="0" b="0"/>
+      </a:effectRef>
+      <a:fontRef idx="minor"/>
+    </dgm:style>
+  </dgm:styleLbl>
+  <dgm:styleLbl name="bgShp">
+    <dgm:scene3d>
+      <a:camera prst="orthographicFront"/>
+      <a:lightRig rig="threePt" dir="t"/>
+    </dgm:scene3d>
+    <dgm:sp3d/>
+    <dgm:txPr/>
+    <dgm:style>
+      <a:lnRef idx="0">
+        <a:scrgbClr r="0" g="0" b="0"/>
+      </a:lnRef>
+      <a:fillRef idx="1">
+        <a:scrgbClr r="0" g="0" b="0"/>
+      </a:fillRef>
+      <a:effectRef idx="0">
+        <a:scrgbClr r="0" g="0" b="0"/>
+      </a:effectRef>
+      <a:fontRef idx="minor"/>
+    </dgm:style>
+  </dgm:styleLbl>
+  <dgm:styleLbl name="dkBgShp">
+    <dgm:scene3d>
+      <a:camera prst="orthographicFront"/>
+      <a:lightRig rig="threePt" dir="t"/>
+    </dgm:scene3d>
+    <dgm:sp3d/>
+    <dgm:txPr/>
+    <dgm:style>
+      <a:lnRef idx="0">
+        <a:scrgbClr r="0" g="0" b="0"/>
+      </a:lnRef>
+      <a:fillRef idx="1">
+        <a:scrgbClr r="0" g="0" b="0"/>
+      </a:fillRef>
+      <a:effectRef idx="0">
+        <a:scrgbClr r="0" g="0" b="0"/>
+      </a:effectRef>
+      <a:fontRef idx="minor"/>
+    </dgm:style>
+  </dgm:styleLbl>
+  <dgm:styleLbl name="trBgShp">
+    <dgm:scene3d>
+      <a:camera prst="orthographicFront"/>
+      <a:lightRig rig="threePt" dir="t"/>
+    </dgm:scene3d>
+    <dgm:sp3d/>
+    <dgm:txPr/>
+    <dgm:style>
+      <a:lnRef idx="0">
+        <a:scrgbClr r="0" g="0" b="0"/>
+      </a:lnRef>
+      <a:fillRef idx="1">
+        <a:scrgbClr r="0" g="0" b="0"/>
+      </a:fillRef>
+      <a:effectRef idx="0">
+        <a:scrgbClr r="0" g="0" b="0"/>
+      </a:effectRef>
+      <a:fontRef idx="minor"/>
+    </dgm:style>
+  </dgm:styleLbl>
+  <dgm:styleLbl name="fgShp">
+    <dgm:scene3d>
+      <a:camera prst="orthographicFront"/>
+      <a:lightRig rig="threePt" dir="t"/>
+    </dgm:scene3d>
+    <dgm:sp3d/>
+    <dgm:txPr/>
+    <dgm:style>
+      <a:lnRef idx="2">
+        <a:scrgbClr r="0" g="0" b="0"/>
+      </a:lnRef>
+      <a:fillRef idx="1">
+        <a:scrgbClr r="0" g="0" b="0"/>
+      </a:fillRef>
+      <a:effectRef idx="0">
+        <a:scrgbClr r="0" g="0" b="0"/>
+      </a:effectRef>
+      <a:fontRef idx="minor"/>
+    </dgm:style>
+  </dgm:styleLbl>
+  <dgm:styleLbl name="revTx">
+    <dgm:scene3d>
+      <a:camera prst="orthographicFront"/>
+      <a:lightRig rig="threePt" dir="t"/>
+    </dgm:scene3d>
+    <dgm:sp3d/>
+    <dgm:txPr/>
+    <dgm:style>
+      <a:lnRef idx="0">
+        <a:scrgbClr r="0" g="0" b="0"/>
+      </a:lnRef>
+      <a:fillRef idx="0">
+        <a:scrgbClr r="0" g="0" b="0"/>
+      </a:fillRef>
+      <a:effectRef idx="0">
+        <a:scrgbClr r="0" g="0" b="0"/>
+      </a:effectRef>
+      <a:fontRef idx="minor"/>
+    </dgm:style>
+  </dgm:styleLbl>
+</dgm:styleDef>
+</file>
+
+<file path=ppt/diagrams/quickStyle5.xml><?xml version="1.0" encoding="utf-8"?>
+<dgm:styleDef xmlns:dgm="http://schemas.openxmlformats.org/drawingml/2006/diagram" xmlns:a="http://schemas.openxmlformats.org/drawingml/2006/main" uniqueId="urn:microsoft.com/office/officeart/2005/8/quickstyle/simple1">
+  <dgm:title val=""/>
+  <dgm:desc val=""/>
+  <dgm:catLst>
+    <dgm:cat type="simple" pri="10100"/>
+  </dgm:catLst>
+  <dgm:scene3d>
+    <a:camera prst="orthographicFront"/>
+    <a:lightRig rig="threePt" dir="t"/>
+  </dgm:scene3d>
+  <dgm:styleLbl name="node0">
+    <dgm:scene3d>
+      <a:camera prst="orthographicFront"/>
+      <a:lightRig rig="threePt" dir="t"/>
+    </dgm:scene3d>
+    <dgm:sp3d/>
+    <dgm:txPr/>
+    <dgm:style>
+      <a:lnRef idx="2">
+        <a:scrgbClr r="0" g="0" b="0"/>
+      </a:lnRef>
+      <a:fillRef idx="1">
+        <a:scrgbClr r="0" g="0" b="0"/>
+      </a:fillRef>
+      <a:effectRef idx="0">
+        <a:scrgbClr r="0" g="0" b="0"/>
+      </a:effectRef>
+      <a:fontRef idx="minor">
+        <a:schemeClr val="lt1"/>
+      </a:fontRef>
+    </dgm:style>
+  </dgm:styleLbl>
+  <dgm:styleLbl name="lnNode1">
+    <dgm:scene3d>
+      <a:camera prst="orthographicFront"/>
+      <a:lightRig rig="threePt" dir="t"/>
+    </dgm:scene3d>
+    <dgm:sp3d/>
+    <dgm:txPr/>
+    <dgm:style>
+      <a:lnRef idx="2">
+        <a:scrgbClr r="0" g="0" b="0"/>
+      </a:lnRef>
+      <a:fillRef idx="1">
+        <a:scrgbClr r="0" g="0" b="0"/>
+      </a:fillRef>
+      <a:effectRef idx="0">
+        <a:scrgbClr r="0" g="0" b="0"/>
+      </a:effectRef>
+      <a:fontRef idx="minor">
+        <a:schemeClr val="lt1"/>
+      </a:fontRef>
+    </dgm:style>
+  </dgm:styleLbl>
+  <dgm:styleLbl name="vennNode1">
+    <dgm:scene3d>
+      <a:camera prst="orthographicFront"/>
+      <a:lightRig rig="threePt" dir="t"/>
+    </dgm:scene3d>
+    <dgm:sp3d/>
+    <dgm:txPr/>
+    <dgm:style>
+      <a:lnRef idx="2">
+        <a:scrgbClr r="0" g="0" b="0"/>
+      </a:lnRef>
+      <a:fillRef idx="1">
+        <a:scrgbClr r="0" g="0" b="0"/>
+      </a:fillRef>
+      <a:effectRef idx="0">
+        <a:scrgbClr r="0" g="0" b="0"/>
+      </a:effectRef>
+      <a:fontRef idx="minor">
+        <a:schemeClr val="tx1"/>
+      </a:fontRef>
+    </dgm:style>
+  </dgm:styleLbl>
+  <dgm:styleLbl name="alignNode1">
+    <dgm:scene3d>
+      <a:camera prst="orthographicFront"/>
+      <a:lightRig rig="threePt" dir="t"/>
+    </dgm:scene3d>
+    <dgm:sp3d/>
+    <dgm:txPr/>
+    <dgm:style>
+      <a:lnRef idx="2">
+        <a:scrgbClr r="0" g="0" b="0"/>
+      </a:lnRef>
+      <a:fillRef idx="1">
+        <a:scrgbClr r="0" g="0" b="0"/>
+      </a:fillRef>
+      <a:effectRef idx="0">
+        <a:scrgbClr r="0" g="0" b="0"/>
+      </a:effectRef>
+      <a:fontRef idx="minor">
+        <a:schemeClr val="lt1"/>
+      </a:fontRef>
+    </dgm:style>
+  </dgm:styleLbl>
+  <dgm:styleLbl name="node1">
+    <dgm:scene3d>
+      <a:camera prst="orthographicFront"/>
+      <a:lightRig rig="threePt" dir="t"/>
+    </dgm:scene3d>
+    <dgm:sp3d/>
+    <dgm:txPr/>
+    <dgm:style>
+      <a:lnRef idx="2">
+        <a:scrgbClr r="0" g="0" b="0"/>
+      </a:lnRef>
+      <a:fillRef idx="1">
+        <a:scrgbClr r="0" g="0" b="0"/>
+      </a:fillRef>
+      <a:effectRef idx="0">
+        <a:scrgbClr r="0" g="0" b="0"/>
+      </a:effectRef>
+      <a:fontRef idx="minor">
+        <a:schemeClr val="lt1"/>
+      </a:fontRef>
+    </dgm:style>
+  </dgm:styleLbl>
+  <dgm:styleLbl name="node2">
+    <dgm:scene3d>
+      <a:camera prst="orthographicFront"/>
+      <a:lightRig rig="threePt" dir="t"/>
+    </dgm:scene3d>
+    <dgm:sp3d/>
+    <dgm:txPr/>
+    <dgm:style>
+      <a:lnRef idx="2">
+        <a:scrgbClr r="0" g="0" b="0"/>
+      </a:lnRef>
+      <a:fillRef idx="1">
+        <a:scrgbClr r="0" g="0" b="0"/>
+      </a:fillRef>
+      <a:effectRef idx="0">
+        <a:scrgbClr r="0" g="0" b="0"/>
+      </a:effectRef>
+      <a:fontRef idx="minor">
+        <a:schemeClr val="lt1"/>
+      </a:fontRef>
+    </dgm:style>
+  </dgm:styleLbl>
+  <dgm:styleLbl name="node3">
+    <dgm:scene3d>
+      <a:camera prst="orthographicFront"/>
+      <a:lightRig rig="threePt" dir="t"/>
+    </dgm:scene3d>
+    <dgm:sp3d/>
+    <dgm:txPr/>
+    <dgm:style>
+      <a:lnRef idx="2">
+        <a:scrgbClr r="0" g="0" b="0"/>
+      </a:lnRef>
+      <a:fillRef idx="1">
+        <a:scrgbClr r="0" g="0" b="0"/>
+      </a:fillRef>
+      <a:effectRef idx="0">
+        <a:scrgbClr r="0" g="0" b="0"/>
+      </a:effectRef>
+      <a:fontRef idx="minor">
+        <a:schemeClr val="lt1"/>
+      </a:fontRef>
+    </dgm:style>
+  </dgm:styleLbl>
+  <dgm:styleLbl name="node4">
+    <dgm:scene3d>
+      <a:camera prst="orthographicFront"/>
+      <a:lightRig rig="threePt" dir="t"/>
+    </dgm:scene3d>
+    <dgm:sp3d/>
+    <dgm:txPr/>
+    <dgm:style>
+      <a:lnRef idx="2">
+        <a:scrgbClr r="0" g="0" b="0"/>
+      </a:lnRef>
+      <a:fillRef idx="1">
+        <a:scrgbClr r="0" g="0" b="0"/>
+      </a:fillRef>
+      <a:effectRef idx="0">
+        <a:scrgbClr r="0" g="0" b="0"/>
+      </a:effectRef>
+      <a:fontRef idx="minor">
+        <a:schemeClr val="lt1"/>
+      </a:fontRef>
+    </dgm:style>
+  </dgm:styleLbl>
+  <dgm:styleLbl name="fgImgPlace1">
+    <dgm:scene3d>
+      <a:camera prst="orthographicFront"/>
+      <a:lightRig rig="threePt" dir="t"/>
+    </dgm:scene3d>
+    <dgm:sp3d/>
+    <dgm:txPr/>
+    <dgm:style>
+      <a:lnRef idx="2">
+        <a:scrgbClr r="0" g="0" b="0"/>
+      </a:lnRef>
+      <a:fillRef idx="1">
+        <a:scrgbClr r="0" g="0" b="0"/>
+      </a:fillRef>
+      <a:effectRef idx="0">
+        <a:scrgbClr r="0" g="0" b="0"/>
+      </a:effectRef>
+      <a:fontRef idx="minor"/>
+    </dgm:style>
+  </dgm:styleLbl>
+  <dgm:styleLbl name="alignImgPlace1">
+    <dgm:scene3d>
+      <a:camera prst="orthographicFront"/>
+      <a:lightRig rig="threePt" dir="t"/>
+    </dgm:scene3d>
+    <dgm:sp3d/>
+    <dgm:txPr/>
+    <dgm:style>
+      <a:lnRef idx="2">
+        <a:scrgbClr r="0" g="0" b="0"/>
+      </a:lnRef>
+      <a:fillRef idx="1">
+        <a:scrgbClr r="0" g="0" b="0"/>
+      </a:fillRef>
+      <a:effectRef idx="0">
+        <a:scrgbClr r="0" g="0" b="0"/>
+      </a:effectRef>
+      <a:fontRef idx="minor"/>
+    </dgm:style>
+  </dgm:styleLbl>
+  <dgm:styleLbl name="bgImgPlace1">
+    <dgm:scene3d>
+      <a:camera prst="orthographicFront"/>
+      <a:lightRig rig="threePt" dir="t"/>
+    </dgm:scene3d>
+    <dgm:sp3d/>
+    <dgm:txPr/>
+    <dgm:style>
+      <a:lnRef idx="2">
+        <a:scrgbClr r="0" g="0" b="0"/>
+      </a:lnRef>
+      <a:fillRef idx="1">
+        <a:scrgbClr r="0" g="0" b="0"/>
+      </a:fillRef>
+      <a:effectRef idx="0">
+        <a:scrgbClr r="0" g="0" b="0"/>
+      </a:effectRef>
+      <a:fontRef idx="minor"/>
+    </dgm:style>
+  </dgm:styleLbl>
+  <dgm:styleLbl name="sibTrans2D1">
+    <dgm:scene3d>
+      <a:camera prst="orthographicFront"/>
+      <a:lightRig rig="threePt" dir="t"/>
+    </dgm:scene3d>
+    <dgm:sp3d/>
+    <dgm:txPr/>
+    <dgm:style>
+      <a:lnRef idx="0">
+        <a:scrgbClr r="0" g="0" b="0"/>
+      </a:lnRef>
+      <a:fillRef idx="1">
+        <a:scrgbClr r="0" g="0" b="0"/>
+      </a:fillRef>
+      <a:effectRef idx="0">
+        <a:scrgbClr r="0" g="0" b="0"/>
+      </a:effectRef>
+      <a:fontRef idx="minor">
+        <a:schemeClr val="lt1"/>
+      </a:fontRef>
+    </dgm:style>
+  </dgm:styleLbl>
+  <dgm:styleLbl name="fgSibTrans2D1">
+    <dgm:scene3d>
+      <a:camera prst="orthographicFront"/>
+      <a:lightRig rig="threePt" dir="t"/>
+    </dgm:scene3d>
+    <dgm:sp3d/>
+    <dgm:txPr/>
+    <dgm:style>
+      <a:lnRef idx="0">
+        <a:scrgbClr r="0" g="0" b="0"/>
+      </a:lnRef>
+      <a:fillRef idx="1">
+        <a:scrgbClr r="0" g="0" b="0"/>
+      </a:fillRef>
+      <a:effectRef idx="0">
+        <a:scrgbClr r="0" g="0" b="0"/>
+      </a:effectRef>
+      <a:fontRef idx="minor">
+        <a:schemeClr val="lt1"/>
+      </a:fontRef>
+    </dgm:style>
+  </dgm:styleLbl>
+  <dgm:styleLbl name="bgSibTrans2D1">
+    <dgm:scene3d>
+      <a:camera prst="orthographicFront"/>
+      <a:lightRig rig="threePt" dir="t"/>
+    </dgm:scene3d>
+    <dgm:sp3d/>
+    <dgm:txPr/>
+    <dgm:style>
+      <a:lnRef idx="0">
+        <a:scrgbClr r="0" g="0" b="0"/>
+      </a:lnRef>
+      <a:fillRef idx="1">
+        <a:scrgbClr r="0" g="0" b="0"/>
+      </a:fillRef>
+      <a:effectRef idx="0">
+        <a:scrgbClr r="0" g="0" b="0"/>
+      </a:effectRef>
+      <a:fontRef idx="minor">
+        <a:schemeClr val="lt1"/>
+      </a:fontRef>
+    </dgm:style>
+  </dgm:styleLbl>
+  <dgm:styleLbl name="sibTrans1D1">
+    <dgm:scene3d>
+      <a:camera prst="orthographicFront"/>
+      <a:lightRig rig="threePt" dir="t"/>
+    </dgm:scene3d>
+    <dgm:sp3d/>
+    <dgm:txPr/>
+    <dgm:style>
+      <a:lnRef idx="1">
+        <a:scrgbClr r="0" g="0" b="0"/>
+      </a:lnRef>
+      <a:fillRef idx="0">
+        <a:scrgbClr r="0" g="0" b="0"/>
+      </a:fillRef>
+      <a:effectRef idx="0">
+        <a:scrgbClr r="0" g="0" b="0"/>
+      </a:effectRef>
+      <a:fontRef idx="minor"/>
+    </dgm:style>
+  </dgm:styleLbl>
+  <dgm:styleLbl name="callout">
+    <dgm:scene3d>
+      <a:camera prst="orthographicFront"/>
+      <a:lightRig rig="threePt" dir="t"/>
+    </dgm:scene3d>
+    <dgm:sp3d/>
+    <dgm:txPr/>
+    <dgm:style>
+      <a:lnRef idx="2">
+        <a:scrgbClr r="0" g="0" b="0"/>
+      </a:lnRef>
+      <a:fillRef idx="1">
+        <a:scrgbClr r="0" g="0" b="0"/>
+      </a:fillRef>
+      <a:effectRef idx="0">
+        <a:scrgbClr r="0" g="0" b="0"/>
+      </a:effectRef>
+      <a:fontRef idx="minor"/>
+    </dgm:style>
+  </dgm:styleLbl>
+  <dgm:styleLbl name="asst0">
+    <dgm:scene3d>
+      <a:camera prst="orthographicFront"/>
+      <a:lightRig rig="threePt" dir="t"/>
+    </dgm:scene3d>
+    <dgm:sp3d/>
+    <dgm:txPr/>
+    <dgm:style>
+      <a:lnRef idx="2">
+        <a:scrgbClr r="0" g="0" b="0"/>
+      </a:lnRef>
+      <a:fillRef idx="1">
+        <a:scrgbClr r="0" g="0" b="0"/>
+      </a:fillRef>
+      <a:effectRef idx="0">
+        <a:scrgbClr r="0" g="0" b="0"/>
+      </a:effectRef>
+      <a:fontRef idx="minor">
+        <a:schemeClr val="lt1"/>
+      </a:fontRef>
+    </dgm:style>
+  </dgm:styleLbl>
+  <dgm:styleLbl name="asst1">
+    <dgm:scene3d>
+      <a:camera prst="orthographicFront"/>
+      <a:lightRig rig="threePt" dir="t"/>
+    </dgm:scene3d>
+    <dgm:sp3d/>
+    <dgm:txPr/>
+    <dgm:style>
+      <a:lnRef idx="2">
+        <a:scrgbClr r="0" g="0" b="0"/>
+      </a:lnRef>
+      <a:fillRef idx="1">
+        <a:scrgbClr r="0" g="0" b="0"/>
+      </a:fillRef>
+      <a:effectRef idx="0">
+        <a:scrgbClr r="0" g="0" b="0"/>
+      </a:effectRef>
+      <a:fontRef idx="minor">
+        <a:schemeClr val="lt1"/>
+      </a:fontRef>
+    </dgm:style>
+  </dgm:styleLbl>
+  <dgm:styleLbl name="asst2">
+    <dgm:scene3d>
+      <a:camera prst="orthographicFront"/>
+      <a:lightRig rig="threePt" dir="t"/>
+    </dgm:scene3d>
+    <dgm:sp3d/>
+    <dgm:txPr/>
+    <dgm:style>
+      <a:lnRef idx="2">
+        <a:scrgbClr r="0" g="0" b="0"/>
+      </a:lnRef>
+      <a:fillRef idx="1">
+        <a:scrgbClr r="0" g="0" b="0"/>
+      </a:fillRef>
+      <a:effectRef idx="0">
+        <a:scrgbClr r="0" g="0" b="0"/>
+      </a:effectRef>
+      <a:fontRef idx="minor">
+        <a:schemeClr val="lt1"/>
+      </a:fontRef>
+    </dgm:style>
+  </dgm:styleLbl>
+  <dgm:styleLbl name="asst3">
+    <dgm:scene3d>
+      <a:camera prst="orthographicFront"/>
+      <a:lightRig rig="threePt" dir="t"/>
+    </dgm:scene3d>
+    <dgm:sp3d/>
+    <dgm:txPr/>
+    <dgm:style>
+      <a:lnRef idx="2">
+        <a:scrgbClr r="0" g="0" b="0"/>
+      </a:lnRef>
+      <a:fillRef idx="1">
+        <a:scrgbClr r="0" g="0" b="0"/>
+      </a:fillRef>
+      <a:effectRef idx="0">
+        <a:scrgbClr r="0" g="0" b="0"/>
+      </a:effectRef>
+      <a:fontRef idx="minor">
+        <a:schemeClr val="lt1"/>
+      </a:fontRef>
+    </dgm:style>
+  </dgm:styleLbl>
+  <dgm:styleLbl name="asst4">
+    <dgm:scene3d>
+      <a:camera prst="orthographicFront"/>
+      <a:lightRig rig="threePt" dir="t"/>
+    </dgm:scene3d>
+    <dgm:sp3d/>
+    <dgm:txPr/>
+    <dgm:style>
+      <a:lnRef idx="2">
+        <a:scrgbClr r="0" g="0" b="0"/>
+      </a:lnRef>
+      <a:fillRef idx="1">
+        <a:scrgbClr r="0" g="0" b="0"/>
+      </a:fillRef>
+      <a:effectRef idx="0">
+        <a:scrgbClr r="0" g="0" b="0"/>
+      </a:effectRef>
+      <a:fontRef idx="minor">
+        <a:schemeClr val="lt1"/>
+      </a:fontRef>
+    </dgm:style>
+  </dgm:styleLbl>
+  <dgm:styleLbl name="parChTrans2D1">
+    <dgm:scene3d>
+      <a:camera prst="orthographicFront"/>
+      <a:lightRig rig="threePt" dir="t"/>
+    </dgm:scene3d>
+    <dgm:sp3d/>
+    <dgm:txPr/>
+    <dgm:style>
+      <a:lnRef idx="2">
+        <a:scrgbClr r="0" g="0" b="0"/>
+      </a:lnRef>
+      <a:fillRef idx="1">
+        <a:scrgbClr r="0" g="0" b="0"/>
+      </a:fillRef>
+      <a:effectRef idx="0">
+        <a:scrgbClr r="0" g="0" b="0"/>
+      </a:effectRef>
+      <a:fontRef idx="minor">
+        <a:schemeClr val="lt1"/>
+      </a:fontRef>
+    </dgm:style>
+  </dgm:styleLbl>
+  <dgm:styleLbl name="parChTrans2D2">
+    <dgm:scene3d>
+      <a:camera prst="orthographicFront"/>
+      <a:lightRig rig="threePt" dir="t"/>
+    </dgm:scene3d>
+    <dgm:sp3d/>
+    <dgm:txPr/>
+    <dgm:style>
+      <a:lnRef idx="2">
+        <a:scrgbClr r="0" g="0" b="0"/>
+      </a:lnRef>
+      <a:fillRef idx="1">
+        <a:scrgbClr r="0" g="0" b="0"/>
+      </a:fillRef>
+      <a:effectRef idx="0">
+        <a:scrgbClr r="0" g="0" b="0"/>
+      </a:effectRef>
+      <a:fontRef idx="minor">
+        <a:schemeClr val="lt1"/>
+      </a:fontRef>
+    </dgm:style>
+  </dgm:styleLbl>
+  <dgm:styleLbl name="parChTrans2D3">
+    <dgm:scene3d>
+      <a:camera prst="orthographicFront"/>
+      <a:lightRig rig="threePt" dir="t"/>
+    </dgm:scene3d>
+    <dgm:sp3d/>
+    <dgm:txPr/>
+    <dgm:style>
+      <a:lnRef idx="2">
+        <a:scrgbClr r="0" g="0" b="0"/>
+      </a:lnRef>
+      <a:fillRef idx="1">
+        <a:scrgbClr r="0" g="0" b="0"/>
+      </a:fillRef>
+      <a:effectRef idx="0">
+        <a:scrgbClr r="0" g="0" b="0"/>
+      </a:effectRef>
+      <a:fontRef idx="minor">
+        <a:schemeClr val="lt1"/>
+      </a:fontRef>
+    </dgm:style>
+  </dgm:styleLbl>
+  <dgm:styleLbl name="parChTrans2D4">
+    <dgm:scene3d>
+      <a:camera prst="orthographicFront"/>
+      <a:lightRig rig="threePt" dir="t"/>
+    </dgm:scene3d>
+    <dgm:sp3d/>
+    <dgm:txPr/>
+    <dgm:style>
+      <a:lnRef idx="2">
+        <a:scrgbClr r="0" g="0" b="0"/>
+      </a:lnRef>
+      <a:fillRef idx="1">
+        <a:scrgbClr r="0" g="0" b="0"/>
+      </a:fillRef>
+      <a:effectRef idx="0">
+        <a:scrgbClr r="0" g="0" b="0"/>
+      </a:effectRef>
+      <a:fontRef idx="minor">
+        <a:schemeClr val="lt1"/>
+      </a:fontRef>
+    </dgm:style>
+  </dgm:styleLbl>
+  <dgm:styleLbl name="parChTrans1D1">
+    <dgm:scene3d>
+      <a:camera prst="orthographicFront"/>
+      <a:lightRig rig="threePt" dir="t"/>
+    </dgm:scene3d>
+    <dgm:sp3d/>
+    <dgm:txPr/>
+    <dgm:style>
+      <a:lnRef idx="2">
+        <a:scrgbClr r="0" g="0" b="0"/>
+      </a:lnRef>
+      <a:fillRef idx="0">
+        <a:scrgbClr r="0" g="0" b="0"/>
+      </a:fillRef>
+      <a:effectRef idx="0">
+        <a:scrgbClr r="0" g="0" b="0"/>
+      </a:effectRef>
+      <a:fontRef idx="minor"/>
+    </dgm:style>
+  </dgm:styleLbl>
+  <dgm:styleLbl name="parChTrans1D2">
+    <dgm:scene3d>
+      <a:camera prst="orthographicFront"/>
+      <a:lightRig rig="threePt" dir="t"/>
+    </dgm:scene3d>
+    <dgm:sp3d/>
+    <dgm:txPr/>
+    <dgm:style>
+      <a:lnRef idx="2">
+        <a:scrgbClr r="0" g="0" b="0"/>
+      </a:lnRef>
+      <a:fillRef idx="0">
+        <a:scrgbClr r="0" g="0" b="0"/>
+      </a:fillRef>
+      <a:effectRef idx="0">
+        <a:scrgbClr r="0" g="0" b="0"/>
+      </a:effectRef>
+      <a:fontRef idx="minor"/>
+    </dgm:style>
+  </dgm:styleLbl>
+  <dgm:styleLbl name="parChTrans1D3">
+    <dgm:scene3d>
+      <a:camera prst="orthographicFront"/>
+      <a:lightRig rig="threePt" dir="t"/>
+    </dgm:scene3d>
+    <dgm:sp3d/>
+    <dgm:txPr/>
+    <dgm:style>
+      <a:lnRef idx="2">
+        <a:scrgbClr r="0" g="0" b="0"/>
+      </a:lnRef>
+      <a:fillRef idx="0">
+        <a:scrgbClr r="0" g="0" b="0"/>
+      </a:fillRef>
+      <a:effectRef idx="0">
+        <a:scrgbClr r="0" g="0" b="0"/>
+      </a:effectRef>
+      <a:fontRef idx="minor"/>
+    </dgm:style>
+  </dgm:styleLbl>
+  <dgm:styleLbl name="parChTrans1D4">
+    <dgm:scene3d>
+      <a:camera prst="orthographicFront"/>
+      <a:lightRig rig="threePt" dir="t"/>
+    </dgm:scene3d>
+    <dgm:sp3d/>
+    <dgm:txPr/>
+    <dgm:style>
+      <a:lnRef idx="2">
+        <a:scrgbClr r="0" g="0" b="0"/>
+      </a:lnRef>
+      <a:fillRef idx="0">
+        <a:scrgbClr r="0" g="0" b="0"/>
+      </a:fillRef>
+      <a:effectRef idx="0">
+        <a:scrgbClr r="0" g="0" b="0"/>
+      </a:effectRef>
+      <a:fontRef idx="minor"/>
+    </dgm:style>
+  </dgm:styleLbl>
+  <dgm:styleLbl name="fgAcc1">
+    <dgm:scene3d>
+      <a:camera prst="orthographicFront"/>
+      <a:lightRig rig="threePt" dir="t"/>
+    </dgm:scene3d>
+    <dgm:sp3d/>
+    <dgm:txPr/>
+    <dgm:style>
+      <a:lnRef idx="2">
+        <a:scrgbClr r="0" g="0" b="0"/>
+      </a:lnRef>
+      <a:fillRef idx="1">
+        <a:scrgbClr r="0" g="0" b="0"/>
+      </a:fillRef>
+      <a:effectRef idx="0">
+        <a:scrgbClr r="0" g="0" b="0"/>
+      </a:effectRef>
+      <a:fontRef idx="minor"/>
+    </dgm:style>
+  </dgm:styleLbl>
+  <dgm:styleLbl name="conFgAcc1">
+    <dgm:scene3d>
+      <a:camera prst="orthographicFront"/>
+      <a:lightRig rig="threePt" dir="t"/>
+    </dgm:scene3d>
+    <dgm:sp3d/>
+    <dgm:txPr/>
+    <dgm:style>
+      <a:lnRef idx="2">
+        <a:scrgbClr r="0" g="0" b="0"/>
+      </a:lnRef>
+      <a:fillRef idx="1">
+        <a:scrgbClr r="0" g="0" b="0"/>
+      </a:fillRef>
+      <a:effectRef idx="0">
+        <a:scrgbClr r="0" g="0" b="0"/>
+      </a:effectRef>
+      <a:fontRef idx="minor"/>
+    </dgm:style>
+  </dgm:styleLbl>
+  <dgm:styleLbl name="alignAcc1">
+    <dgm:scene3d>
+      <a:camera prst="orthographicFront"/>
+      <a:lightRig rig="threePt" dir="t"/>
+    </dgm:scene3d>
+    <dgm:sp3d/>
+    <dgm:txPr/>
+    <dgm:style>
+      <a:lnRef idx="2">
+        <a:scrgbClr r="0" g="0" b="0"/>
+      </a:lnRef>
+      <a:fillRef idx="1">
+        <a:scrgbClr r="0" g="0" b="0"/>
+      </a:fillRef>
+      <a:effectRef idx="0">
+        <a:scrgbClr r="0" g="0" b="0"/>
+      </a:effectRef>
+      <a:fontRef idx="minor"/>
+    </dgm:style>
+  </dgm:styleLbl>
+  <dgm:styleLbl name="trAlignAcc1">
+    <dgm:scene3d>
+      <a:camera prst="orthographicFront"/>
+      <a:lightRig rig="threePt" dir="t"/>
+    </dgm:scene3d>
+    <dgm:sp3d/>
+    <dgm:txPr/>
+    <dgm:style>
+      <a:lnRef idx="1">
+        <a:scrgbClr r="0" g="0" b="0"/>
+      </a:lnRef>
+      <a:fillRef idx="1">
+        <a:scrgbClr r="0" g="0" b="0"/>
+      </a:fillRef>
+      <a:effectRef idx="0">
+        <a:scrgbClr r="0" g="0" b="0"/>
+      </a:effectRef>
+      <a:fontRef idx="minor"/>
+    </dgm:style>
+  </dgm:styleLbl>
+  <dgm:styleLbl name="bgAcc1">
+    <dgm:scene3d>
+      <a:camera prst="orthographicFront"/>
+      <a:lightRig rig="threePt" dir="t"/>
+    </dgm:scene3d>
+    <dgm:sp3d/>
+    <dgm:txPr/>
+    <dgm:style>
+      <a:lnRef idx="2">
+        <a:scrgbClr r="0" g="0" b="0"/>
+      </a:lnRef>
+      <a:fillRef idx="1">
+        <a:scrgbClr r="0" g="0" b="0"/>
+      </a:fillRef>
+      <a:effectRef idx="0">
+        <a:scrgbClr r="0" g="0" b="0"/>
+      </a:effectRef>
+      <a:fontRef idx="minor"/>
+    </dgm:style>
+  </dgm:styleLbl>
+  <dgm:styleLbl name="solidFgAcc1">
+    <dgm:scene3d>
+      <a:camera prst="orthographicFront"/>
+      <a:lightRig rig="threePt" dir="t"/>
+    </dgm:scene3d>
+    <dgm:sp3d/>
+    <dgm:txPr/>
+    <dgm:style>
+      <a:lnRef idx="2">
+        <a:scrgbClr r="0" g="0" b="0"/>
+      </a:lnRef>
+      <a:fillRef idx="1">
+        <a:scrgbClr r="0" g="0" b="0"/>
+      </a:fillRef>
+      <a:effectRef idx="0">
+        <a:scrgbClr r="0" g="0" b="0"/>
+      </a:effectRef>
+      <a:fontRef idx="minor"/>
+    </dgm:style>
+  </dgm:styleLbl>
+  <dgm:styleLbl name="solidAlignAcc1">
+    <dgm:scene3d>
+      <a:camera prst="orthographicFront"/>
+      <a:lightRig rig="threePt" dir="t"/>
+    </dgm:scene3d>
+    <dgm:sp3d/>
+    <dgm:txPr/>
+    <dgm:style>
+      <a:lnRef idx="2">
+        <a:scrgbClr r="0" g="0" b="0"/>
+      </a:lnRef>
+      <a:fillRef idx="1">
+        <a:scrgbClr r="0" g="0" b="0"/>
+      </a:fillRef>
+      <a:effectRef idx="0">
+        <a:scrgbClr r="0" g="0" b="0"/>
+      </a:effectRef>
+      <a:fontRef idx="minor"/>
+    </dgm:style>
+  </dgm:styleLbl>
+  <dgm:styleLbl name="solidBgAcc1">
+    <dgm:scene3d>
+      <a:camera prst="orthographicFront"/>
+      <a:lightRig rig="threePt" dir="t"/>
+    </dgm:scene3d>
+    <dgm:sp3d/>
+    <dgm:txPr/>
+    <dgm:style>
+      <a:lnRef idx="2">
+        <a:scrgbClr r="0" g="0" b="0"/>
+      </a:lnRef>
+      <a:fillRef idx="1">
+        <a:scrgbClr r="0" g="0" b="0"/>
+      </a:fillRef>
+      <a:effectRef idx="0">
+        <a:scrgbClr r="0" g="0" b="0"/>
+      </a:effectRef>
+      <a:fontRef idx="minor"/>
+    </dgm:style>
+  </dgm:styleLbl>
+  <dgm:styleLbl name="fgAccFollowNode1">
+    <dgm:scene3d>
+      <a:camera prst="orthographicFront"/>
+      <a:lightRig rig="threePt" dir="t"/>
+    </dgm:scene3d>
+    <dgm:sp3d/>
+    <dgm:txPr/>
+    <dgm:style>
+      <a:lnRef idx="2">
+        <a:scrgbClr r="0" g="0" b="0"/>
+      </a:lnRef>
+      <a:fillRef idx="1">
+        <a:scrgbClr r="0" g="0" b="0"/>
+      </a:fillRef>
+      <a:effectRef idx="0">
+        <a:scrgbClr r="0" g="0" b="0"/>
+      </a:effectRef>
+      <a:fontRef idx="minor"/>
+    </dgm:style>
+  </dgm:styleLbl>
+  <dgm:styleLbl name="alignAccFollowNode1">
+    <dgm:scene3d>
+      <a:camera prst="orthographicFront"/>
+      <a:lightRig rig="threePt" dir="t"/>
+    </dgm:scene3d>
+    <dgm:sp3d/>
+    <dgm:txPr/>
+    <dgm:style>
+      <a:lnRef idx="2">
+        <a:scrgbClr r="0" g="0" b="0"/>
+      </a:lnRef>
+      <a:fillRef idx="1">
+        <a:scrgbClr r="0" g="0" b="0"/>
+      </a:fillRef>
+      <a:effectRef idx="0">
+        <a:scrgbClr r="0" g="0" b="0"/>
+      </a:effectRef>
+      <a:fontRef idx="minor"/>
+    </dgm:style>
+  </dgm:styleLbl>
+  <dgm:styleLbl name="bgAccFollowNode1">
+    <dgm:scene3d>
+      <a:camera prst="orthographicFront"/>
+      <a:lightRig rig="threePt" dir="t"/>
+    </dgm:scene3d>
+    <dgm:sp3d/>
+    <dgm:txPr/>
+    <dgm:style>
+      <a:lnRef idx="2">
+        <a:scrgbClr r="0" g="0" b="0"/>
+      </a:lnRef>
+      <a:fillRef idx="1">
+        <a:scrgbClr r="0" g="0" b="0"/>
+      </a:fillRef>
+      <a:effectRef idx="0">
+        <a:scrgbClr r="0" g="0" b="0"/>
+      </a:effectRef>
+      <a:fontRef idx="minor"/>
+    </dgm:style>
+  </dgm:styleLbl>
+  <dgm:styleLbl name="fgAcc0">
+    <dgm:scene3d>
+      <a:camera prst="orthographicFront"/>
+      <a:lightRig rig="threePt" dir="t"/>
+    </dgm:scene3d>
+    <dgm:sp3d/>
+    <dgm:txPr/>
+    <dgm:style>
+      <a:lnRef idx="2">
+        <a:scrgbClr r="0" g="0" b="0"/>
+      </a:lnRef>
+      <a:fillRef idx="1">
+        <a:scrgbClr r="0" g="0" b="0"/>
+      </a:fillRef>
+      <a:effectRef idx="0">
+        <a:scrgbClr r="0" g="0" b="0"/>
+      </a:effectRef>
+      <a:fontRef idx="minor"/>
+    </dgm:style>
+  </dgm:styleLbl>
+  <dgm:styleLbl name="fgAcc2">
+    <dgm:scene3d>
+      <a:camera prst="orthographicFront"/>
+      <a:lightRig rig="threePt" dir="t"/>
+    </dgm:scene3d>
+    <dgm:sp3d/>
+    <dgm:txPr/>
+    <dgm:style>
+      <a:lnRef idx="2">
+        <a:scrgbClr r="0" g="0" b="0"/>
+      </a:lnRef>
+      <a:fillRef idx="1">
+        <a:scrgbClr r="0" g="0" b="0"/>
+      </a:fillRef>
+      <a:effectRef idx="0">
+        <a:scrgbClr r="0" g="0" b="0"/>
+      </a:effectRef>
+      <a:fontRef idx="minor"/>
+    </dgm:style>
+  </dgm:styleLbl>
+  <dgm:styleLbl name="fgAcc3">
+    <dgm:scene3d>
+      <a:camera prst="orthographicFront"/>
+      <a:lightRig rig="threePt" dir="t"/>
+    </dgm:scene3d>
+    <dgm:sp3d/>
+    <dgm:txPr/>
+    <dgm:style>
+      <a:lnRef idx="2">
+        <a:scrgbClr r="0" g="0" b="0"/>
+      </a:lnRef>
+      <a:fillRef idx="1">
+        <a:scrgbClr r="0" g="0" b="0"/>
+      </a:fillRef>
+      <a:effectRef idx="0">
+        <a:scrgbClr r="0" g="0" b="0"/>
+      </a:effectRef>
+      <a:fontRef idx="minor"/>
+    </dgm:style>
+  </dgm:styleLbl>
+  <dgm:styleLbl name="fgAcc4">
+    <dgm:scene3d>
+      <a:camera prst="orthographicFront"/>
+      <a:lightRig rig="threePt" dir="t"/>
+    </dgm:scene3d>
+    <dgm:sp3d/>
+    <dgm:txPr/>
+    <dgm:style>
+      <a:lnRef idx="2">
+        <a:scrgbClr r="0" g="0" b="0"/>
+      </a:lnRef>
+      <a:fillRef idx="1">
+        <a:scrgbClr r="0" g="0" b="0"/>
+      </a:fillRef>
+      <a:effectRef idx="0">
+        <a:scrgbClr r="0" g="0" b="0"/>
+      </a:effectRef>
+      <a:fontRef idx="minor"/>
+    </dgm:style>
+  </dgm:styleLbl>
+  <dgm:styleLbl name="bgShp">
+    <dgm:scene3d>
+      <a:camera prst="orthographicFront"/>
+      <a:lightRig rig="threePt" dir="t"/>
+    </dgm:scene3d>
+    <dgm:sp3d/>
+    <dgm:txPr/>
+    <dgm:style>
+      <a:lnRef idx="0">
+        <a:scrgbClr r="0" g="0" b="0"/>
+      </a:lnRef>
+      <a:fillRef idx="1">
+        <a:scrgbClr r="0" g="0" b="0"/>
+      </a:fillRef>
+      <a:effectRef idx="0">
+        <a:scrgbClr r="0" g="0" b="0"/>
+      </a:effectRef>
+      <a:fontRef idx="minor"/>
+    </dgm:style>
+  </dgm:styleLbl>
+  <dgm:styleLbl name="dkBgShp">
+    <dgm:scene3d>
+      <a:camera prst="orthographicFront"/>
+      <a:lightRig rig="threePt" dir="t"/>
+    </dgm:scene3d>
+    <dgm:sp3d/>
+    <dgm:txPr/>
+    <dgm:style>
+      <a:lnRef idx="0">
+        <a:scrgbClr r="0" g="0" b="0"/>
+      </a:lnRef>
+      <a:fillRef idx="1">
+        <a:scrgbClr r="0" g="0" b="0"/>
+      </a:fillRef>
+      <a:effectRef idx="0">
+        <a:scrgbClr r="0" g="0" b="0"/>
+      </a:effectRef>
+      <a:fontRef idx="minor"/>
+    </dgm:style>
+  </dgm:styleLbl>
+  <dgm:styleLbl name="trBgShp">
+    <dgm:scene3d>
+      <a:camera prst="orthographicFront"/>
+      <a:lightRig rig="threePt" dir="t"/>
+    </dgm:scene3d>
+    <dgm:sp3d/>
+    <dgm:txPr/>
+    <dgm:style>
+      <a:lnRef idx="0">
+        <a:scrgbClr r="0" g="0" b="0"/>
+      </a:lnRef>
+      <a:fillRef idx="1">
+        <a:scrgbClr r="0" g="0" b="0"/>
+      </a:fillRef>
+      <a:effectRef idx="0">
+        <a:scrgbClr r="0" g="0" b="0"/>
+      </a:effectRef>
+      <a:fontRef idx="minor"/>
+    </dgm:style>
+  </dgm:styleLbl>
+  <dgm:styleLbl name="fgShp">
+    <dgm:scene3d>
+      <a:camera prst="orthographicFront"/>
+      <a:lightRig rig="threePt" dir="t"/>
+    </dgm:scene3d>
+    <dgm:sp3d/>
+    <dgm:txPr/>
+    <dgm:style>
+      <a:lnRef idx="2">
+        <a:scrgbClr r="0" g="0" b="0"/>
+      </a:lnRef>
+      <a:fillRef idx="1">
+        <a:scrgbClr r="0" g="0" b="0"/>
+      </a:fillRef>
+      <a:effectRef idx="0">
+        <a:scrgbClr r="0" g="0" b="0"/>
+      </a:effectRef>
+      <a:fontRef idx="minor"/>
+    </dgm:style>
+  </dgm:styleLbl>
+  <dgm:styleLbl name="revTx">
+    <dgm:scene3d>
+      <a:camera prst="orthographicFront"/>
+      <a:lightRig rig="threePt" dir="t"/>
+    </dgm:scene3d>
+    <dgm:sp3d/>
+    <dgm:txPr/>
+    <dgm:style>
+      <a:lnRef idx="0">
+        <a:scrgbClr r="0" g="0" b="0"/>
+      </a:lnRef>
+      <a:fillRef idx="0">
+        <a:scrgbClr r="0" g="0" b="0"/>
+      </a:fillRef>
+      <a:effectRef idx="0">
+        <a:scrgbClr r="0" g="0" b="0"/>
+      </a:effectRef>
+      <a:fontRef idx="minor"/>
+    </dgm:style>
+  </dgm:styleLbl>
+</dgm:styleDef>
+</file>
+
+<file path=ppt/diagrams/quickStyle6.xml><?xml version="1.0" encoding="utf-8"?>
 <dgm:styleDef xmlns:dgm="http://schemas.openxmlformats.org/drawingml/2006/diagram" xmlns:a="http://schemas.openxmlformats.org/drawingml/2006/main" uniqueId="urn:microsoft.com/office/officeart/2005/8/quickstyle/simple1">
   <dgm:title val=""/>
   <dgm:desc val=""/>
@@ -7797,7 +15476,7 @@
           <a:p>
             <a:fld id="{600F7FFD-97B0-4C2A-AC46-2AB0B8F71DAD}" type="datetimeFigureOut">
               <a:rPr lang="es-CO" smtClean="0"/>
-              <a:t>3/01/2020</a:t>
+              <a:t>23/01/2020</a:t>
             </a:fld>
             <a:endParaRPr lang="es-CO"/>
           </a:p>
@@ -7997,7 +15676,7 @@
           <a:p>
             <a:fld id="{600F7FFD-97B0-4C2A-AC46-2AB0B8F71DAD}" type="datetimeFigureOut">
               <a:rPr lang="es-CO" smtClean="0"/>
-              <a:t>3/01/2020</a:t>
+              <a:t>23/01/2020</a:t>
             </a:fld>
             <a:endParaRPr lang="es-CO"/>
           </a:p>
@@ -8207,7 +15886,7 @@
           <a:p>
             <a:fld id="{600F7FFD-97B0-4C2A-AC46-2AB0B8F71DAD}" type="datetimeFigureOut">
               <a:rPr lang="es-CO" smtClean="0"/>
-              <a:t>3/01/2020</a:t>
+              <a:t>23/01/2020</a:t>
             </a:fld>
             <a:endParaRPr lang="es-CO"/>
           </a:p>
@@ -8407,7 +16086,7 @@
           <a:p>
             <a:fld id="{600F7FFD-97B0-4C2A-AC46-2AB0B8F71DAD}" type="datetimeFigureOut">
               <a:rPr lang="es-CO" smtClean="0"/>
-              <a:t>3/01/2020</a:t>
+              <a:t>23/01/2020</a:t>
             </a:fld>
             <a:endParaRPr lang="es-CO"/>
           </a:p>
@@ -8683,7 +16362,7 @@
           <a:p>
             <a:fld id="{600F7FFD-97B0-4C2A-AC46-2AB0B8F71DAD}" type="datetimeFigureOut">
               <a:rPr lang="es-CO" smtClean="0"/>
-              <a:t>3/01/2020</a:t>
+              <a:t>23/01/2020</a:t>
             </a:fld>
             <a:endParaRPr lang="es-CO"/>
           </a:p>
@@ -8951,7 +16630,7 @@
           <a:p>
             <a:fld id="{600F7FFD-97B0-4C2A-AC46-2AB0B8F71DAD}" type="datetimeFigureOut">
               <a:rPr lang="es-CO" smtClean="0"/>
-              <a:t>3/01/2020</a:t>
+              <a:t>23/01/2020</a:t>
             </a:fld>
             <a:endParaRPr lang="es-CO"/>
           </a:p>
@@ -9366,7 +17045,7 @@
           <a:p>
             <a:fld id="{600F7FFD-97B0-4C2A-AC46-2AB0B8F71DAD}" type="datetimeFigureOut">
               <a:rPr lang="es-CO" smtClean="0"/>
-              <a:t>3/01/2020</a:t>
+              <a:t>23/01/2020</a:t>
             </a:fld>
             <a:endParaRPr lang="es-CO"/>
           </a:p>
@@ -9508,7 +17187,7 @@
           <a:p>
             <a:fld id="{600F7FFD-97B0-4C2A-AC46-2AB0B8F71DAD}" type="datetimeFigureOut">
               <a:rPr lang="es-CO" smtClean="0"/>
-              <a:t>3/01/2020</a:t>
+              <a:t>23/01/2020</a:t>
             </a:fld>
             <a:endParaRPr lang="es-CO"/>
           </a:p>
@@ -9621,7 +17300,7 @@
           <a:p>
             <a:fld id="{600F7FFD-97B0-4C2A-AC46-2AB0B8F71DAD}" type="datetimeFigureOut">
               <a:rPr lang="es-CO" smtClean="0"/>
-              <a:t>3/01/2020</a:t>
+              <a:t>23/01/2020</a:t>
             </a:fld>
             <a:endParaRPr lang="es-CO"/>
           </a:p>
@@ -9934,7 +17613,7 @@
           <a:p>
             <a:fld id="{600F7FFD-97B0-4C2A-AC46-2AB0B8F71DAD}" type="datetimeFigureOut">
               <a:rPr lang="es-CO" smtClean="0"/>
-              <a:t>3/01/2020</a:t>
+              <a:t>23/01/2020</a:t>
             </a:fld>
             <a:endParaRPr lang="es-CO"/>
           </a:p>
@@ -10223,7 +17902,7 @@
           <a:p>
             <a:fld id="{600F7FFD-97B0-4C2A-AC46-2AB0B8F71DAD}" type="datetimeFigureOut">
               <a:rPr lang="es-CO" smtClean="0"/>
-              <a:t>3/01/2020</a:t>
+              <a:t>23/01/2020</a:t>
             </a:fld>
             <a:endParaRPr lang="es-CO"/>
           </a:p>
@@ -10466,7 +18145,7 @@
           <a:p>
             <a:fld id="{600F7FFD-97B0-4C2A-AC46-2AB0B8F71DAD}" type="datetimeFigureOut">
               <a:rPr lang="es-CO" smtClean="0"/>
-              <a:t>3/01/2020</a:t>
+              <a:t>23/01/2020</a:t>
             </a:fld>
             <a:endParaRPr lang="es-CO"/>
           </a:p>
@@ -10980,6 +18659,120 @@
 </p:sld>
 </file>
 
+<file path=ppt/slides/slide2.xml><?xml version="1.0" encoding="utf-8"?>
+<p:sld xmlns:a="http://schemas.openxmlformats.org/drawingml/2006/main" xmlns:r="http://schemas.openxmlformats.org/officeDocument/2006/relationships" xmlns:p="http://schemas.openxmlformats.org/presentationml/2006/main">
+  <p:cSld>
+    <p:spTree>
+      <p:nvGrpSpPr>
+        <p:cNvPr id="1" name=""/>
+        <p:cNvGrpSpPr/>
+        <p:nvPr/>
+      </p:nvGrpSpPr>
+      <p:grpSpPr>
+        <a:xfrm>
+          <a:off x="0" y="0"/>
+          <a:ext cx="0" cy="0"/>
+          <a:chOff x="0" y="0"/>
+          <a:chExt cx="0" cy="0"/>
+        </a:xfrm>
+      </p:grpSpPr>
+      <p:graphicFrame>
+        <p:nvGraphicFramePr>
+          <p:cNvPr id="4" name="Diagram 3">
+            <a:extLst>
+              <a:ext uri="{FF2B5EF4-FFF2-40B4-BE49-F238E27FC236}">
+                <a16:creationId xmlns:a16="http://schemas.microsoft.com/office/drawing/2014/main" id="{4899A77D-A5CF-4A36-8023-F7D05943CA37}"/>
+              </a:ext>
+            </a:extLst>
+          </p:cNvPr>
+          <p:cNvGraphicFramePr/>
+          <p:nvPr>
+            <p:extLst>
+              <p:ext uri="{D42A27DB-BD31-4B8C-83A1-F6EECF244321}">
+                <p14:modId xmlns:p14="http://schemas.microsoft.com/office/powerpoint/2010/main" val="563606606"/>
+              </p:ext>
+            </p:extLst>
+          </p:nvPr>
+        </p:nvGraphicFramePr>
+        <p:xfrm>
+          <a:off x="2032000" y="719669"/>
+          <a:ext cx="8128000" cy="353351"/>
+        </p:xfrm>
+        <a:graphic>
+          <a:graphicData uri="http://schemas.openxmlformats.org/drawingml/2006/diagram">
+            <dgm:relIds xmlns:dgm="http://schemas.openxmlformats.org/drawingml/2006/diagram" xmlns:r="http://schemas.openxmlformats.org/officeDocument/2006/relationships" r:dm="rId2" r:lo="rId3" r:qs="rId4" r:cs="rId5"/>
+          </a:graphicData>
+        </a:graphic>
+      </p:graphicFrame>
+      <p:graphicFrame>
+        <p:nvGraphicFramePr>
+          <p:cNvPr id="12" name="Diagram 11">
+            <a:extLst>
+              <a:ext uri="{FF2B5EF4-FFF2-40B4-BE49-F238E27FC236}">
+                <a16:creationId xmlns:a16="http://schemas.microsoft.com/office/drawing/2014/main" id="{3E312105-2157-4A76-9B2B-9C8E2F2A2539}"/>
+              </a:ext>
+            </a:extLst>
+          </p:cNvPr>
+          <p:cNvGraphicFramePr/>
+          <p:nvPr>
+            <p:extLst>
+              <p:ext uri="{D42A27DB-BD31-4B8C-83A1-F6EECF244321}">
+                <p14:modId xmlns:p14="http://schemas.microsoft.com/office/powerpoint/2010/main" val="2332179759"/>
+              </p:ext>
+            </p:extLst>
+          </p:nvPr>
+        </p:nvGraphicFramePr>
+        <p:xfrm>
+          <a:off x="2032000" y="1907767"/>
+          <a:ext cx="8128000" cy="353351"/>
+        </p:xfrm>
+        <a:graphic>
+          <a:graphicData uri="http://schemas.openxmlformats.org/drawingml/2006/diagram">
+            <dgm:relIds xmlns:dgm="http://schemas.openxmlformats.org/drawingml/2006/diagram" xmlns:r="http://schemas.openxmlformats.org/officeDocument/2006/relationships" r:dm="rId7" r:lo="rId8" r:qs="rId9" r:cs="rId10"/>
+          </a:graphicData>
+        </a:graphic>
+      </p:graphicFrame>
+      <p:graphicFrame>
+        <p:nvGraphicFramePr>
+          <p:cNvPr id="13" name="Diagram 12">
+            <a:extLst>
+              <a:ext uri="{FF2B5EF4-FFF2-40B4-BE49-F238E27FC236}">
+                <a16:creationId xmlns:a16="http://schemas.microsoft.com/office/drawing/2014/main" id="{4B211149-F69E-44EA-B541-4D5801E0442B}"/>
+              </a:ext>
+            </a:extLst>
+          </p:cNvPr>
+          <p:cNvGraphicFramePr/>
+          <p:nvPr>
+            <p:extLst>
+              <p:ext uri="{D42A27DB-BD31-4B8C-83A1-F6EECF244321}">
+                <p14:modId xmlns:p14="http://schemas.microsoft.com/office/powerpoint/2010/main" val="3063137537"/>
+              </p:ext>
+            </p:extLst>
+          </p:nvPr>
+        </p:nvGraphicFramePr>
+        <p:xfrm>
+          <a:off x="2032000" y="3252324"/>
+          <a:ext cx="8128000" cy="353351"/>
+        </p:xfrm>
+        <a:graphic>
+          <a:graphicData uri="http://schemas.openxmlformats.org/drawingml/2006/diagram">
+            <dgm:relIds xmlns:dgm="http://schemas.openxmlformats.org/drawingml/2006/diagram" xmlns:r="http://schemas.openxmlformats.org/officeDocument/2006/relationships" r:dm="rId12" r:lo="rId13" r:qs="rId14" r:cs="rId15"/>
+          </a:graphicData>
+        </a:graphic>
+      </p:graphicFrame>
+    </p:spTree>
+    <p:extLst>
+      <p:ext uri="{BB962C8B-B14F-4D97-AF65-F5344CB8AC3E}">
+        <p14:creationId xmlns:p14="http://schemas.microsoft.com/office/powerpoint/2010/main" val="2640057541"/>
+      </p:ext>
+    </p:extLst>
+  </p:cSld>
+  <p:clrMapOvr>
+    <a:masterClrMapping/>
+  </p:clrMapOvr>
+</p:sld>
+</file>
+
 <file path=ppt/theme/theme1.xml><?xml version="1.0" encoding="utf-8"?>
 <a:theme xmlns:a="http://schemas.openxmlformats.org/drawingml/2006/main" name="Office Theme">
   <a:themeElements>
